--- a/ppt/Modulo 6_Ocupacion2023.pptx
+++ b/ppt/Modulo 6_Ocupacion2023.pptx
@@ -7,7 +7,7 @@
     <p:sldMasterId id="2147484548" r:id="rId3"/>
   </p:sldMasterIdLst>
   <p:notesMasterIdLst>
-    <p:notesMasterId r:id="rId21"/>
+    <p:notesMasterId r:id="rId26"/>
   </p:notesMasterIdLst>
   <p:sldIdLst>
     <p:sldId id="281" r:id="rId4"/>
@@ -16,17 +16,22 @@
     <p:sldId id="288" r:id="rId7"/>
     <p:sldId id="289" r:id="rId8"/>
     <p:sldId id="290" r:id="rId9"/>
-    <p:sldId id="302" r:id="rId10"/>
-    <p:sldId id="291" r:id="rId11"/>
-    <p:sldId id="292" r:id="rId12"/>
-    <p:sldId id="293" r:id="rId13"/>
-    <p:sldId id="294" r:id="rId14"/>
-    <p:sldId id="297" r:id="rId15"/>
-    <p:sldId id="298" r:id="rId16"/>
-    <p:sldId id="299" r:id="rId17"/>
-    <p:sldId id="300" r:id="rId18"/>
-    <p:sldId id="301" r:id="rId19"/>
-    <p:sldId id="295" r:id="rId20"/>
+    <p:sldId id="291" r:id="rId10"/>
+    <p:sldId id="292" r:id="rId11"/>
+    <p:sldId id="293" r:id="rId12"/>
+    <p:sldId id="304" r:id="rId13"/>
+    <p:sldId id="305" r:id="rId14"/>
+    <p:sldId id="294" r:id="rId15"/>
+    <p:sldId id="302" r:id="rId16"/>
+    <p:sldId id="307" r:id="rId17"/>
+    <p:sldId id="297" r:id="rId18"/>
+    <p:sldId id="298" r:id="rId19"/>
+    <p:sldId id="299" r:id="rId20"/>
+    <p:sldId id="300" r:id="rId21"/>
+    <p:sldId id="303" r:id="rId22"/>
+    <p:sldId id="306" r:id="rId23"/>
+    <p:sldId id="301" r:id="rId24"/>
+    <p:sldId id="295" r:id="rId25"/>
   </p:sldIdLst>
   <p:sldSz cx="9144000" cy="6858000" type="screen4x3"/>
   <p:notesSz cx="7315200" cy="9601200"/>
@@ -278,7 +283,7 @@
               <a:pPr>
                 <a:defRPr/>
               </a:pPr>
-              <a:t>16/04/2023</a:t>
+              <a:t>17/04/2023</a:t>
             </a:fld>
             <a:endParaRPr lang="es-ES"/>
           </a:p>
@@ -449,7 +454,7 @@
             <a:fld id="{0A37165C-6ECF-4EEF-943C-C2B6859891A8}" type="slidenum">
               <a:rPr lang="es-ES" altLang="es-AR"/>
               <a:pPr/>
-              <a:t>‹Nº›</a:t>
+              <a:t>‹#›</a:t>
             </a:fld>
             <a:endParaRPr lang="es-ES" altLang="es-AR"/>
           </a:p>
@@ -717,6 +722,99 @@
           <a:bodyPr/>
           <a:lstStyle/>
           <a:p>
+            <a:r>
+              <a:rPr lang="es-AR" dirty="0" smtClean="0"/>
+              <a:t>Tiempo como variabilidad en la ordenada</a:t>
+            </a:r>
+            <a:endParaRPr lang="es-ES" dirty="0"/>
+          </a:p>
+        </p:txBody>
+      </p:sp>
+      <p:sp>
+        <p:nvSpPr>
+          <p:cNvPr id="4" name="Slide Number Placeholder 3"/>
+          <p:cNvSpPr>
+            <a:spLocks noGrp="1"/>
+          </p:cNvSpPr>
+          <p:nvPr>
+            <p:ph type="sldNum" sz="quarter" idx="10"/>
+          </p:nvPr>
+        </p:nvSpPr>
+        <p:spPr/>
+        <p:txBody>
+          <a:bodyPr/>
+          <a:lstStyle/>
+          <a:p>
+            <a:fld id="{0A37165C-6ECF-4EEF-943C-C2B6859891A8}" type="slidenum">
+              <a:rPr lang="es-ES" altLang="es-AR" smtClean="0"/>
+              <a:pPr/>
+              <a:t>15</a:t>
+            </a:fld>
+            <a:endParaRPr lang="es-ES" altLang="es-AR"/>
+          </a:p>
+        </p:txBody>
+      </p:sp>
+    </p:spTree>
+    <p:extLst>
+      <p:ext uri="{BB962C8B-B14F-4D97-AF65-F5344CB8AC3E}">
+        <p14:creationId xmlns:p14="http://schemas.microsoft.com/office/powerpoint/2010/main" val="298740426"/>
+      </p:ext>
+    </p:extLst>
+  </p:cSld>
+  <p:clrMapOvr>
+    <a:masterClrMapping/>
+  </p:clrMapOvr>
+</p:notes>
+</file>
+
+<file path=ppt/notesSlides/notesSlide11.xml><?xml version="1.0" encoding="utf-8"?>
+<p:notes xmlns:a="http://schemas.openxmlformats.org/drawingml/2006/main" xmlns:r="http://schemas.openxmlformats.org/officeDocument/2006/relationships" xmlns:p="http://schemas.openxmlformats.org/presentationml/2006/main">
+  <p:cSld>
+    <p:spTree>
+      <p:nvGrpSpPr>
+        <p:cNvPr id="1" name=""/>
+        <p:cNvGrpSpPr/>
+        <p:nvPr/>
+      </p:nvGrpSpPr>
+      <p:grpSpPr>
+        <a:xfrm>
+          <a:off x="0" y="0"/>
+          <a:ext cx="0" cy="0"/>
+          <a:chOff x="0" y="0"/>
+          <a:chExt cx="0" cy="0"/>
+        </a:xfrm>
+      </p:grpSpPr>
+      <p:sp>
+        <p:nvSpPr>
+          <p:cNvPr id="2" name="Slide Image Placeholder 1"/>
+          <p:cNvSpPr>
+            <a:spLocks noGrp="1" noRot="1" noChangeAspect="1"/>
+          </p:cNvSpPr>
+          <p:nvPr>
+            <p:ph type="sldImg"/>
+          </p:nvPr>
+        </p:nvSpPr>
+        <p:spPr/>
+      </p:sp>
+      <p:sp>
+        <p:nvSpPr>
+          <p:cNvPr id="3" name="Notes Placeholder 2"/>
+          <p:cNvSpPr>
+            <a:spLocks noGrp="1"/>
+          </p:cNvSpPr>
+          <p:nvPr>
+            <p:ph type="body" idx="1"/>
+          </p:nvPr>
+        </p:nvSpPr>
+        <p:spPr/>
+        <p:txBody>
+          <a:bodyPr/>
+          <a:lstStyle/>
+          <a:p>
+            <a:r>
+              <a:rPr lang="es-AR" dirty="0" smtClean="0"/>
+              <a:t>interacción</a:t>
+            </a:r>
             <a:endParaRPr lang="es-ES" dirty="0"/>
           </a:p>
         </p:txBody>
@@ -740,6 +838,180 @@
               <a:rPr lang="es-ES" altLang="es-AR" smtClean="0"/>
               <a:pPr/>
               <a:t>17</a:t>
+            </a:fld>
+            <a:endParaRPr lang="es-ES" altLang="es-AR"/>
+          </a:p>
+        </p:txBody>
+      </p:sp>
+    </p:spTree>
+    <p:extLst>
+      <p:ext uri="{BB962C8B-B14F-4D97-AF65-F5344CB8AC3E}">
+        <p14:creationId xmlns:p14="http://schemas.microsoft.com/office/powerpoint/2010/main" val="4119992729"/>
+      </p:ext>
+    </p:extLst>
+  </p:cSld>
+  <p:clrMapOvr>
+    <a:masterClrMapping/>
+  </p:clrMapOvr>
+</p:notes>
+</file>
+
+<file path=ppt/notesSlides/notesSlide12.xml><?xml version="1.0" encoding="utf-8"?>
+<p:notes xmlns:a="http://schemas.openxmlformats.org/drawingml/2006/main" xmlns:r="http://schemas.openxmlformats.org/officeDocument/2006/relationships" xmlns:p="http://schemas.openxmlformats.org/presentationml/2006/main">
+  <p:cSld>
+    <p:spTree>
+      <p:nvGrpSpPr>
+        <p:cNvPr id="1" name=""/>
+        <p:cNvGrpSpPr/>
+        <p:nvPr/>
+      </p:nvGrpSpPr>
+      <p:grpSpPr>
+        <a:xfrm>
+          <a:off x="0" y="0"/>
+          <a:ext cx="0" cy="0"/>
+          <a:chOff x="0" y="0"/>
+          <a:chExt cx="0" cy="0"/>
+        </a:xfrm>
+      </p:grpSpPr>
+      <p:sp>
+        <p:nvSpPr>
+          <p:cNvPr id="2" name="Slide Image Placeholder 1"/>
+          <p:cNvSpPr>
+            <a:spLocks noGrp="1" noRot="1" noChangeAspect="1"/>
+          </p:cNvSpPr>
+          <p:nvPr>
+            <p:ph type="sldImg"/>
+          </p:nvPr>
+        </p:nvSpPr>
+        <p:spPr/>
+      </p:sp>
+      <p:sp>
+        <p:nvSpPr>
+          <p:cNvPr id="3" name="Notes Placeholder 2"/>
+          <p:cNvSpPr>
+            <a:spLocks noGrp="1"/>
+          </p:cNvSpPr>
+          <p:nvPr>
+            <p:ph type="body" idx="1"/>
+          </p:nvPr>
+        </p:nvSpPr>
+        <p:spPr/>
+        <p:txBody>
+          <a:bodyPr/>
+          <a:lstStyle/>
+          <a:p>
+            <a:r>
+              <a:rPr lang="es-AR" dirty="0" smtClean="0"/>
+              <a:t>Especie, sitio, establecimiento</a:t>
+            </a:r>
+            <a:endParaRPr lang="es-ES" dirty="0"/>
+          </a:p>
+        </p:txBody>
+      </p:sp>
+      <p:sp>
+        <p:nvSpPr>
+          <p:cNvPr id="4" name="Slide Number Placeholder 3"/>
+          <p:cNvSpPr>
+            <a:spLocks noGrp="1"/>
+          </p:cNvSpPr>
+          <p:nvPr>
+            <p:ph type="sldNum" sz="quarter" idx="10"/>
+          </p:nvPr>
+        </p:nvSpPr>
+        <p:spPr/>
+        <p:txBody>
+          <a:bodyPr/>
+          <a:lstStyle/>
+          <a:p>
+            <a:fld id="{0A37165C-6ECF-4EEF-943C-C2B6859891A8}" type="slidenum">
+              <a:rPr lang="es-ES" altLang="es-AR" smtClean="0"/>
+              <a:pPr/>
+              <a:t>21</a:t>
+            </a:fld>
+            <a:endParaRPr lang="es-ES" altLang="es-AR"/>
+          </a:p>
+        </p:txBody>
+      </p:sp>
+    </p:spTree>
+    <p:extLst>
+      <p:ext uri="{BB962C8B-B14F-4D97-AF65-F5344CB8AC3E}">
+        <p14:creationId xmlns:p14="http://schemas.microsoft.com/office/powerpoint/2010/main" val="511703930"/>
+      </p:ext>
+    </p:extLst>
+  </p:cSld>
+  <p:clrMapOvr>
+    <a:masterClrMapping/>
+  </p:clrMapOvr>
+</p:notes>
+</file>
+
+<file path=ppt/notesSlides/notesSlide13.xml><?xml version="1.0" encoding="utf-8"?>
+<p:notes xmlns:a="http://schemas.openxmlformats.org/drawingml/2006/main" xmlns:r="http://schemas.openxmlformats.org/officeDocument/2006/relationships" xmlns:p="http://schemas.openxmlformats.org/presentationml/2006/main">
+  <p:cSld>
+    <p:spTree>
+      <p:nvGrpSpPr>
+        <p:cNvPr id="1" name=""/>
+        <p:cNvGrpSpPr/>
+        <p:nvPr/>
+      </p:nvGrpSpPr>
+      <p:grpSpPr>
+        <a:xfrm>
+          <a:off x="0" y="0"/>
+          <a:ext cx="0" cy="0"/>
+          <a:chOff x="0" y="0"/>
+          <a:chExt cx="0" cy="0"/>
+        </a:xfrm>
+      </p:grpSpPr>
+      <p:sp>
+        <p:nvSpPr>
+          <p:cNvPr id="2" name="Slide Image Placeholder 1"/>
+          <p:cNvSpPr>
+            <a:spLocks noGrp="1" noRot="1" noChangeAspect="1"/>
+          </p:cNvSpPr>
+          <p:nvPr>
+            <p:ph type="sldImg"/>
+          </p:nvPr>
+        </p:nvSpPr>
+        <p:spPr/>
+      </p:sp>
+      <p:sp>
+        <p:nvSpPr>
+          <p:cNvPr id="3" name="Notes Placeholder 2"/>
+          <p:cNvSpPr>
+            <a:spLocks noGrp="1"/>
+          </p:cNvSpPr>
+          <p:nvPr>
+            <p:ph type="body" idx="1"/>
+          </p:nvPr>
+        </p:nvSpPr>
+        <p:spPr/>
+        <p:txBody>
+          <a:bodyPr/>
+          <a:lstStyle/>
+          <a:p>
+            <a:endParaRPr lang="es-ES" dirty="0"/>
+          </a:p>
+        </p:txBody>
+      </p:sp>
+      <p:sp>
+        <p:nvSpPr>
+          <p:cNvPr id="4" name="Slide Number Placeholder 3"/>
+          <p:cNvSpPr>
+            <a:spLocks noGrp="1"/>
+          </p:cNvSpPr>
+          <p:nvPr>
+            <p:ph type="sldNum" sz="quarter" idx="10"/>
+          </p:nvPr>
+        </p:nvSpPr>
+        <p:spPr/>
+        <p:txBody>
+          <a:bodyPr/>
+          <a:lstStyle/>
+          <a:p>
+            <a:fld id="{0A37165C-6ECF-4EEF-943C-C2B6859891A8}" type="slidenum">
+              <a:rPr lang="es-ES" altLang="es-AR" smtClean="0"/>
+              <a:pPr/>
+              <a:t>22</a:t>
             </a:fld>
             <a:endParaRPr lang="es-ES" altLang="es-AR"/>
           </a:p>
@@ -1164,7 +1436,7 @@
             <a:fld id="{0A37165C-6ECF-4EEF-943C-C2B6859891A8}" type="slidenum">
               <a:rPr lang="es-ES" altLang="es-AR" smtClean="0"/>
               <a:pPr/>
-              <a:t>8</a:t>
+              <a:t>7</a:t>
             </a:fld>
             <a:endParaRPr lang="es-ES" altLang="es-AR"/>
           </a:p>
@@ -1249,7 +1521,7 @@
             <a:fld id="{0A37165C-6ECF-4EEF-943C-C2B6859891A8}" type="slidenum">
               <a:rPr lang="es-ES" altLang="es-AR" smtClean="0"/>
               <a:pPr/>
-              <a:t>9</a:t>
+              <a:t>8</a:t>
             </a:fld>
             <a:endParaRPr lang="es-ES" altLang="es-AR"/>
           </a:p>
@@ -1334,7 +1606,7 @@
             <a:fld id="{0A37165C-6ECF-4EEF-943C-C2B6859891A8}" type="slidenum">
               <a:rPr lang="es-ES" altLang="es-AR" smtClean="0"/>
               <a:pPr/>
-              <a:t>10</a:t>
+              <a:t>9</a:t>
             </a:fld>
             <a:endParaRPr lang="es-ES" altLang="es-AR"/>
           </a:p>
@@ -1419,7 +1691,7 @@
             <a:fld id="{0A37165C-6ECF-4EEF-943C-C2B6859891A8}" type="slidenum">
               <a:rPr lang="es-ES" altLang="es-AR" smtClean="0"/>
               <a:pPr/>
-              <a:t>11</a:t>
+              <a:t>12</a:t>
             </a:fld>
             <a:endParaRPr lang="es-ES" altLang="es-AR"/>
           </a:p>
@@ -1625,7 +1897,7 @@
               <a:pPr>
                 <a:defRPr/>
               </a:pPr>
-              <a:t>16/4/2023</a:t>
+              <a:t>17/04/2023</a:t>
             </a:fld>
             <a:endParaRPr lang="es-AR"/>
           </a:p>
@@ -1671,7 +1943,7 @@
             <a:fld id="{BE6A9779-67F1-4867-A584-55A69026F865}" type="slidenum">
               <a:rPr lang="es-AR" altLang="es-AR" smtClean="0"/>
               <a:pPr/>
-              <a:t>‹Nº›</a:t>
+              <a:t>‹#›</a:t>
             </a:fld>
             <a:endParaRPr lang="es-AR" altLang="es-AR"/>
           </a:p>
@@ -1812,7 +2084,7 @@
               <a:pPr>
                 <a:defRPr/>
               </a:pPr>
-              <a:t>16/4/2023</a:t>
+              <a:t>17/04/2023</a:t>
             </a:fld>
             <a:endParaRPr lang="es-AR"/>
           </a:p>
@@ -1858,7 +2130,7 @@
             <a:fld id="{BE6A9779-67F1-4867-A584-55A69026F865}" type="slidenum">
               <a:rPr lang="es-AR" altLang="es-AR" smtClean="0"/>
               <a:pPr/>
-              <a:t>‹Nº›</a:t>
+              <a:t>‹#›</a:t>
             </a:fld>
             <a:endParaRPr lang="es-AR" altLang="es-AR"/>
           </a:p>
@@ -2002,7 +2274,7 @@
               <a:pPr>
                 <a:defRPr/>
               </a:pPr>
-              <a:t>16/4/2023</a:t>
+              <a:t>17/04/2023</a:t>
             </a:fld>
             <a:endParaRPr lang="es-AR"/>
           </a:p>
@@ -2048,7 +2320,7 @@
             <a:fld id="{BE6A9779-67F1-4867-A584-55A69026F865}" type="slidenum">
               <a:rPr lang="es-AR" altLang="es-AR" smtClean="0"/>
               <a:pPr/>
-              <a:t>‹Nº›</a:t>
+              <a:t>‹#›</a:t>
             </a:fld>
             <a:endParaRPr lang="es-AR" altLang="es-AR"/>
           </a:p>
@@ -2254,7 +2526,7 @@
               <a:pPr>
                 <a:defRPr/>
               </a:pPr>
-              <a:t>16/4/2023</a:t>
+              <a:t>17/04/2023</a:t>
             </a:fld>
             <a:endParaRPr lang="es-AR"/>
           </a:p>
@@ -2300,7 +2572,7 @@
             <a:fld id="{BE6A9779-67F1-4867-A584-55A69026F865}" type="slidenum">
               <a:rPr lang="es-AR" altLang="es-AR" smtClean="0"/>
               <a:pPr/>
-              <a:t>‹Nº›</a:t>
+              <a:t>‹#›</a:t>
             </a:fld>
             <a:endParaRPr lang="es-AR" altLang="es-AR"/>
           </a:p>
@@ -2434,7 +2706,7 @@
               <a:pPr>
                 <a:defRPr/>
               </a:pPr>
-              <a:t>16/4/2023</a:t>
+              <a:t>17/04/2023</a:t>
             </a:fld>
             <a:endParaRPr lang="es-AR"/>
           </a:p>
@@ -2480,7 +2752,7 @@
             <a:fld id="{BE6A9779-67F1-4867-A584-55A69026F865}" type="slidenum">
               <a:rPr lang="es-AR" altLang="es-AR" smtClean="0"/>
               <a:pPr/>
-              <a:t>‹Nº›</a:t>
+              <a:t>‹#›</a:t>
             </a:fld>
             <a:endParaRPr lang="es-AR" altLang="es-AR"/>
           </a:p>
@@ -2690,7 +2962,7 @@
               <a:pPr>
                 <a:defRPr/>
               </a:pPr>
-              <a:t>16/4/2023</a:t>
+              <a:t>17/04/2023</a:t>
             </a:fld>
             <a:endParaRPr lang="es-AR"/>
           </a:p>
@@ -2736,7 +3008,7 @@
             <a:fld id="{BE6A9779-67F1-4867-A584-55A69026F865}" type="slidenum">
               <a:rPr lang="es-AR" altLang="es-AR" smtClean="0"/>
               <a:pPr/>
-              <a:t>‹Nº›</a:t>
+              <a:t>‹#›</a:t>
             </a:fld>
             <a:endParaRPr lang="es-AR" altLang="es-AR"/>
           </a:p>
@@ -2988,7 +3260,7 @@
               <a:pPr>
                 <a:defRPr/>
               </a:pPr>
-              <a:t>16/4/2023</a:t>
+              <a:t>17/04/2023</a:t>
             </a:fld>
             <a:endParaRPr lang="es-AR"/>
           </a:p>
@@ -3034,7 +3306,7 @@
             <a:fld id="{BE6A9779-67F1-4867-A584-55A69026F865}" type="slidenum">
               <a:rPr lang="es-AR" altLang="es-AR" smtClean="0"/>
               <a:pPr/>
-              <a:t>‹Nº›</a:t>
+              <a:t>‹#›</a:t>
             </a:fld>
             <a:endParaRPr lang="es-AR" altLang="es-AR"/>
           </a:p>
@@ -3420,7 +3692,7 @@
               <a:pPr>
                 <a:defRPr/>
               </a:pPr>
-              <a:t>16/4/2023</a:t>
+              <a:t>17/04/2023</a:t>
             </a:fld>
             <a:endParaRPr lang="es-AR"/>
           </a:p>
@@ -3466,7 +3738,7 @@
             <a:fld id="{BE6A9779-67F1-4867-A584-55A69026F865}" type="slidenum">
               <a:rPr lang="es-AR" altLang="es-AR" smtClean="0"/>
               <a:pPr/>
-              <a:t>‹Nº›</a:t>
+              <a:t>‹#›</a:t>
             </a:fld>
             <a:endParaRPr lang="es-AR" altLang="es-AR"/>
           </a:p>
@@ -3548,7 +3820,7 @@
               <a:pPr>
                 <a:defRPr/>
               </a:pPr>
-              <a:t>16/4/2023</a:t>
+              <a:t>17/04/2023</a:t>
             </a:fld>
             <a:endParaRPr lang="es-AR"/>
           </a:p>
@@ -3594,7 +3866,7 @@
             <a:fld id="{BE6A9779-67F1-4867-A584-55A69026F865}" type="slidenum">
               <a:rPr lang="es-AR" altLang="es-AR" smtClean="0"/>
               <a:pPr/>
-              <a:t>‹Nº›</a:t>
+              <a:t>‹#›</a:t>
             </a:fld>
             <a:endParaRPr lang="es-AR" altLang="es-AR"/>
           </a:p>
@@ -3653,7 +3925,7 @@
               <a:pPr>
                 <a:defRPr/>
               </a:pPr>
-              <a:t>16/4/2023</a:t>
+              <a:t>17/04/2023</a:t>
             </a:fld>
             <a:endParaRPr lang="es-AR"/>
           </a:p>
@@ -3699,7 +3971,7 @@
             <a:fld id="{BE6A9779-67F1-4867-A584-55A69026F865}" type="slidenum">
               <a:rPr lang="es-AR" altLang="es-AR" smtClean="0"/>
               <a:pPr/>
-              <a:t>‹Nº›</a:t>
+              <a:t>‹#›</a:t>
             </a:fld>
             <a:endParaRPr lang="es-AR" altLang="es-AR"/>
           </a:p>
@@ -3940,7 +4212,7 @@
               <a:pPr>
                 <a:defRPr/>
               </a:pPr>
-              <a:t>16/4/2023</a:t>
+              <a:t>17/04/2023</a:t>
             </a:fld>
             <a:endParaRPr lang="es-AR"/>
           </a:p>
@@ -3986,7 +4258,7 @@
             <a:fld id="{BE6A9779-67F1-4867-A584-55A69026F865}" type="slidenum">
               <a:rPr lang="es-AR" altLang="es-AR" smtClean="0"/>
               <a:pPr/>
-              <a:t>‹Nº›</a:t>
+              <a:t>‹#›</a:t>
             </a:fld>
             <a:endParaRPr lang="es-AR" altLang="es-AR"/>
           </a:p>
@@ -4120,7 +4392,7 @@
               <a:pPr>
                 <a:defRPr/>
               </a:pPr>
-              <a:t>16/4/2023</a:t>
+              <a:t>17/04/2023</a:t>
             </a:fld>
             <a:endParaRPr lang="es-AR"/>
           </a:p>
@@ -4166,7 +4438,7 @@
             <a:fld id="{BE6A9779-67F1-4867-A584-55A69026F865}" type="slidenum">
               <a:rPr lang="es-AR" altLang="es-AR" smtClean="0"/>
               <a:pPr/>
-              <a:t>‹Nº›</a:t>
+              <a:t>‹#›</a:t>
             </a:fld>
             <a:endParaRPr lang="es-AR" altLang="es-AR"/>
           </a:p>
@@ -4387,7 +4659,7 @@
               <a:pPr>
                 <a:defRPr/>
               </a:pPr>
-              <a:t>16/4/2023</a:t>
+              <a:t>17/04/2023</a:t>
             </a:fld>
             <a:endParaRPr lang="es-AR"/>
           </a:p>
@@ -4433,7 +4705,7 @@
             <a:fld id="{BE6A9779-67F1-4867-A584-55A69026F865}" type="slidenum">
               <a:rPr lang="es-AR" altLang="es-AR" smtClean="0"/>
               <a:pPr/>
-              <a:t>‹Nº›</a:t>
+              <a:t>‹#›</a:t>
             </a:fld>
             <a:endParaRPr lang="es-AR" altLang="es-AR"/>
           </a:p>
@@ -4567,7 +4839,7 @@
               <a:pPr>
                 <a:defRPr/>
               </a:pPr>
-              <a:t>16/4/2023</a:t>
+              <a:t>17/04/2023</a:t>
             </a:fld>
             <a:endParaRPr lang="es-AR"/>
           </a:p>
@@ -4613,7 +4885,7 @@
             <a:fld id="{BE6A9779-67F1-4867-A584-55A69026F865}" type="slidenum">
               <a:rPr lang="es-AR" altLang="es-AR" smtClean="0"/>
               <a:pPr/>
-              <a:t>‹Nº›</a:t>
+              <a:t>‹#›</a:t>
             </a:fld>
             <a:endParaRPr lang="es-AR" altLang="es-AR"/>
           </a:p>
@@ -4757,7 +5029,7 @@
               <a:pPr>
                 <a:defRPr/>
               </a:pPr>
-              <a:t>16/4/2023</a:t>
+              <a:t>17/04/2023</a:t>
             </a:fld>
             <a:endParaRPr lang="es-AR"/>
           </a:p>
@@ -4803,7 +5075,7 @@
             <a:fld id="{BE6A9779-67F1-4867-A584-55A69026F865}" type="slidenum">
               <a:rPr lang="es-AR" altLang="es-AR" smtClean="0"/>
               <a:pPr/>
-              <a:t>‹Nº›</a:t>
+              <a:t>‹#›</a:t>
             </a:fld>
             <a:endParaRPr lang="es-AR" altLang="es-AR"/>
           </a:p>
@@ -5054,7 +5326,7 @@
               <a:pPr>
                 <a:defRPr/>
               </a:pPr>
-              <a:t>16/4/2023</a:t>
+              <a:t>17/04/2023</a:t>
             </a:fld>
             <a:endParaRPr lang="es-AR"/>
           </a:p>
@@ -5100,7 +5372,7 @@
             <a:fld id="{BE6A9779-67F1-4867-A584-55A69026F865}" type="slidenum">
               <a:rPr lang="es-AR" altLang="es-AR" smtClean="0"/>
               <a:pPr/>
-              <a:t>‹Nº›</a:t>
+              <a:t>‹#›</a:t>
             </a:fld>
             <a:endParaRPr lang="es-AR" altLang="es-AR"/>
           </a:p>
@@ -5272,7 +5544,7 @@
               <a:pPr>
                 <a:defRPr/>
               </a:pPr>
-              <a:t>16/4/2023</a:t>
+              <a:t>17/04/2023</a:t>
             </a:fld>
             <a:endParaRPr lang="es-AR"/>
           </a:p>
@@ -5318,7 +5590,7 @@
             <a:fld id="{BE6A9779-67F1-4867-A584-55A69026F865}" type="slidenum">
               <a:rPr lang="es-AR" altLang="es-AR" smtClean="0"/>
               <a:pPr/>
-              <a:t>‹Nº›</a:t>
+              <a:t>‹#›</a:t>
             </a:fld>
             <a:endParaRPr lang="es-AR" altLang="es-AR"/>
           </a:p>
@@ -5625,7 +5897,7 @@
               <a:pPr>
                 <a:defRPr/>
               </a:pPr>
-              <a:t>16/4/2023</a:t>
+              <a:t>17/04/2023</a:t>
             </a:fld>
             <a:endParaRPr lang="es-AR"/>
           </a:p>
@@ -5671,7 +5943,7 @@
             <a:fld id="{BE6A9779-67F1-4867-A584-55A69026F865}" type="slidenum">
               <a:rPr lang="es-AR" altLang="es-AR" smtClean="0"/>
               <a:pPr/>
-              <a:t>‹Nº›</a:t>
+              <a:t>‹#›</a:t>
             </a:fld>
             <a:endParaRPr lang="es-AR" altLang="es-AR"/>
           </a:p>
@@ -5910,7 +6182,7 @@
               <a:pPr>
                 <a:defRPr/>
               </a:pPr>
-              <a:t>16/4/2023</a:t>
+              <a:t>17/04/2023</a:t>
             </a:fld>
             <a:endParaRPr lang="es-AR"/>
           </a:p>
@@ -5956,7 +6228,7 @@
             <a:fld id="{BE6A9779-67F1-4867-A584-55A69026F865}" type="slidenum">
               <a:rPr lang="es-AR" altLang="es-AR" smtClean="0"/>
               <a:pPr/>
-              <a:t>‹Nº›</a:t>
+              <a:t>‹#›</a:t>
             </a:fld>
             <a:endParaRPr lang="es-AR" altLang="es-AR"/>
           </a:p>
@@ -6299,7 +6571,7 @@
               <a:pPr>
                 <a:defRPr/>
               </a:pPr>
-              <a:t>16/4/2023</a:t>
+              <a:t>17/04/2023</a:t>
             </a:fld>
             <a:endParaRPr lang="es-AR"/>
           </a:p>
@@ -6345,7 +6617,7 @@
             <a:fld id="{BE6A9779-67F1-4867-A584-55A69026F865}" type="slidenum">
               <a:rPr lang="es-AR" altLang="es-AR" smtClean="0"/>
               <a:pPr/>
-              <a:t>‹Nº›</a:t>
+              <a:t>‹#›</a:t>
             </a:fld>
             <a:endParaRPr lang="es-AR" altLang="es-AR"/>
           </a:p>
@@ -6427,7 +6699,7 @@
               <a:pPr>
                 <a:defRPr/>
               </a:pPr>
-              <a:t>16/4/2023</a:t>
+              <a:t>17/04/2023</a:t>
             </a:fld>
             <a:endParaRPr lang="es-AR"/>
           </a:p>
@@ -6473,7 +6745,7 @@
             <a:fld id="{BE6A9779-67F1-4867-A584-55A69026F865}" type="slidenum">
               <a:rPr lang="es-AR" altLang="es-AR" smtClean="0"/>
               <a:pPr/>
-              <a:t>‹Nº›</a:t>
+              <a:t>‹#›</a:t>
             </a:fld>
             <a:endParaRPr lang="es-AR" altLang="es-AR"/>
           </a:p>
@@ -6608,7 +6880,7 @@
               <a:pPr>
                 <a:defRPr/>
               </a:pPr>
-              <a:t>16/4/2023</a:t>
+              <a:t>17/04/2023</a:t>
             </a:fld>
             <a:endParaRPr lang="es-AR"/>
           </a:p>
@@ -6662,7 +6934,7 @@
             <a:fld id="{BE6A9779-67F1-4867-A584-55A69026F865}" type="slidenum">
               <a:rPr lang="es-AR" altLang="es-AR" smtClean="0"/>
               <a:pPr/>
-              <a:t>‹Nº›</a:t>
+              <a:t>‹#›</a:t>
             </a:fld>
             <a:endParaRPr lang="es-AR" altLang="es-AR"/>
           </a:p>
@@ -6934,7 +7206,7 @@
               <a:pPr>
                 <a:defRPr/>
               </a:pPr>
-              <a:t>16/4/2023</a:t>
+              <a:t>17/04/2023</a:t>
             </a:fld>
             <a:endParaRPr lang="es-AR"/>
           </a:p>
@@ -6980,7 +7252,7 @@
             <a:fld id="{BE6A9779-67F1-4867-A584-55A69026F865}" type="slidenum">
               <a:rPr lang="es-AR" altLang="es-AR" smtClean="0"/>
               <a:pPr/>
-              <a:t>‹Nº›</a:t>
+              <a:t>‹#›</a:t>
             </a:fld>
             <a:endParaRPr lang="es-AR" altLang="es-AR"/>
           </a:p>
@@ -7290,7 +7562,7 @@
               <a:pPr>
                 <a:defRPr/>
               </a:pPr>
-              <a:t>16/4/2023</a:t>
+              <a:t>17/04/2023</a:t>
             </a:fld>
             <a:endParaRPr lang="es-AR"/>
           </a:p>
@@ -7357,7 +7629,7 @@
             <a:fld id="{BE6A9779-67F1-4867-A584-55A69026F865}" type="slidenum">
               <a:rPr lang="es-AR" altLang="es-AR" smtClean="0"/>
               <a:pPr/>
-              <a:t>‹Nº›</a:t>
+              <a:t>‹#›</a:t>
             </a:fld>
             <a:endParaRPr lang="es-AR" altLang="es-AR"/>
           </a:p>
@@ -7677,7 +7949,7 @@
               <a:pPr>
                 <a:defRPr/>
               </a:pPr>
-              <a:t>16/4/2023</a:t>
+              <a:t>17/04/2023</a:t>
             </a:fld>
             <a:endParaRPr lang="es-AR"/>
           </a:p>
@@ -7723,7 +7995,7 @@
             <a:fld id="{BE6A9779-67F1-4867-A584-55A69026F865}" type="slidenum">
               <a:rPr lang="es-AR" altLang="es-AR" smtClean="0"/>
               <a:pPr/>
-              <a:t>‹Nº›</a:t>
+              <a:t>‹#›</a:t>
             </a:fld>
             <a:endParaRPr lang="es-AR" altLang="es-AR"/>
           </a:p>
@@ -7857,7 +8129,7 @@
               <a:pPr>
                 <a:defRPr/>
               </a:pPr>
-              <a:t>16/4/2023</a:t>
+              <a:t>17/04/2023</a:t>
             </a:fld>
             <a:endParaRPr lang="es-AR"/>
           </a:p>
@@ -7903,7 +8175,7 @@
             <a:fld id="{BE6A9779-67F1-4867-A584-55A69026F865}" type="slidenum">
               <a:rPr lang="es-AR" altLang="es-AR" smtClean="0"/>
               <a:pPr/>
-              <a:t>‹Nº›</a:t>
+              <a:t>‹#›</a:t>
             </a:fld>
             <a:endParaRPr lang="es-AR" altLang="es-AR"/>
           </a:p>
@@ -8123,7 +8395,7 @@
               <a:pPr>
                 <a:defRPr/>
               </a:pPr>
-              <a:t>16/4/2023</a:t>
+              <a:t>17/04/2023</a:t>
             </a:fld>
             <a:endParaRPr lang="es-AR"/>
           </a:p>
@@ -8169,7 +8441,7 @@
             <a:fld id="{BE6A9779-67F1-4867-A584-55A69026F865}" type="slidenum">
               <a:rPr lang="es-AR" altLang="es-AR" smtClean="0"/>
               <a:pPr/>
-              <a:t>‹Nº›</a:t>
+              <a:t>‹#›</a:t>
             </a:fld>
             <a:endParaRPr lang="es-AR" altLang="es-AR"/>
           </a:p>
@@ -8421,7 +8693,7 @@
               <a:pPr>
                 <a:defRPr/>
               </a:pPr>
-              <a:t>16/4/2023</a:t>
+              <a:t>17/04/2023</a:t>
             </a:fld>
             <a:endParaRPr lang="es-AR"/>
           </a:p>
@@ -8467,7 +8739,7 @@
             <a:fld id="{BE6A9779-67F1-4867-A584-55A69026F865}" type="slidenum">
               <a:rPr lang="es-AR" altLang="es-AR" smtClean="0"/>
               <a:pPr/>
-              <a:t>‹Nº›</a:t>
+              <a:t>‹#›</a:t>
             </a:fld>
             <a:endParaRPr lang="es-AR" altLang="es-AR"/>
           </a:p>
@@ -8853,7 +9125,7 @@
               <a:pPr>
                 <a:defRPr/>
               </a:pPr>
-              <a:t>16/4/2023</a:t>
+              <a:t>17/04/2023</a:t>
             </a:fld>
             <a:endParaRPr lang="es-AR"/>
           </a:p>
@@ -8899,7 +9171,7 @@
             <a:fld id="{BE6A9779-67F1-4867-A584-55A69026F865}" type="slidenum">
               <a:rPr lang="es-AR" altLang="es-AR" smtClean="0"/>
               <a:pPr/>
-              <a:t>‹Nº›</a:t>
+              <a:t>‹#›</a:t>
             </a:fld>
             <a:endParaRPr lang="es-AR" altLang="es-AR"/>
           </a:p>
@@ -8981,7 +9253,7 @@
               <a:pPr>
                 <a:defRPr/>
               </a:pPr>
-              <a:t>16/4/2023</a:t>
+              <a:t>17/04/2023</a:t>
             </a:fld>
             <a:endParaRPr lang="es-AR"/>
           </a:p>
@@ -9027,7 +9299,7 @@
             <a:fld id="{BE6A9779-67F1-4867-A584-55A69026F865}" type="slidenum">
               <a:rPr lang="es-AR" altLang="es-AR" smtClean="0"/>
               <a:pPr/>
-              <a:t>‹Nº›</a:t>
+              <a:t>‹#›</a:t>
             </a:fld>
             <a:endParaRPr lang="es-AR" altLang="es-AR"/>
           </a:p>
@@ -9086,7 +9358,7 @@
               <a:pPr>
                 <a:defRPr/>
               </a:pPr>
-              <a:t>16/4/2023</a:t>
+              <a:t>17/04/2023</a:t>
             </a:fld>
             <a:endParaRPr lang="es-AR"/>
           </a:p>
@@ -9132,7 +9404,7 @@
             <a:fld id="{BE6A9779-67F1-4867-A584-55A69026F865}" type="slidenum">
               <a:rPr lang="es-AR" altLang="es-AR" smtClean="0"/>
               <a:pPr/>
-              <a:t>‹Nº›</a:t>
+              <a:t>‹#›</a:t>
             </a:fld>
             <a:endParaRPr lang="es-AR" altLang="es-AR"/>
           </a:p>
@@ -9373,7 +9645,7 @@
               <a:pPr>
                 <a:defRPr/>
               </a:pPr>
-              <a:t>16/4/2023</a:t>
+              <a:t>17/04/2023</a:t>
             </a:fld>
             <a:endParaRPr lang="es-AR"/>
           </a:p>
@@ -9419,7 +9691,7 @@
             <a:fld id="{BE6A9779-67F1-4867-A584-55A69026F865}" type="slidenum">
               <a:rPr lang="es-AR" altLang="es-AR" smtClean="0"/>
               <a:pPr/>
-              <a:t>‹Nº›</a:t>
+              <a:t>‹#›</a:t>
             </a:fld>
             <a:endParaRPr lang="es-AR" altLang="es-AR"/>
           </a:p>
@@ -9640,7 +9912,7 @@
               <a:pPr>
                 <a:defRPr/>
               </a:pPr>
-              <a:t>16/4/2023</a:t>
+              <a:t>17/04/2023</a:t>
             </a:fld>
             <a:endParaRPr lang="es-AR"/>
           </a:p>
@@ -9686,7 +9958,7 @@
             <a:fld id="{BE6A9779-67F1-4867-A584-55A69026F865}" type="slidenum">
               <a:rPr lang="es-AR" altLang="es-AR" smtClean="0"/>
               <a:pPr/>
-              <a:t>‹Nº›</a:t>
+              <a:t>‹#›</a:t>
             </a:fld>
             <a:endParaRPr lang="es-AR" altLang="es-AR"/>
           </a:p>
@@ -9872,7 +10144,7 @@
               <a:pPr>
                 <a:defRPr/>
               </a:pPr>
-              <a:t>16/4/2023</a:t>
+              <a:t>17/04/2023</a:t>
             </a:fld>
             <a:endParaRPr lang="es-AR"/>
           </a:p>
@@ -9954,7 +10226,7 @@
             <a:fld id="{BE6A9779-67F1-4867-A584-55A69026F865}" type="slidenum">
               <a:rPr lang="es-AR" altLang="es-AR" smtClean="0"/>
               <a:pPr/>
-              <a:t>‹Nº›</a:t>
+              <a:t>‹#›</a:t>
             </a:fld>
             <a:endParaRPr lang="es-AR" altLang="es-AR"/>
           </a:p>
@@ -10408,7 +10680,7 @@
               <a:pPr>
                 <a:defRPr/>
               </a:pPr>
-              <a:t>16/4/2023</a:t>
+              <a:t>17/04/2023</a:t>
             </a:fld>
             <a:endParaRPr lang="es-AR"/>
           </a:p>
@@ -10490,7 +10762,7 @@
             <a:fld id="{BE6A9779-67F1-4867-A584-55A69026F865}" type="slidenum">
               <a:rPr lang="es-AR" altLang="es-AR" smtClean="0"/>
               <a:pPr/>
-              <a:t>‹Nº›</a:t>
+              <a:t>‹#›</a:t>
             </a:fld>
             <a:endParaRPr lang="es-AR" altLang="es-AR"/>
           </a:p>
@@ -11002,7 +11274,7 @@
               <a:pPr>
                 <a:defRPr/>
               </a:pPr>
-              <a:t>16/4/2023</a:t>
+              <a:t>17/04/2023</a:t>
             </a:fld>
             <a:endParaRPr lang="es-AR"/>
           </a:p>
@@ -11080,7 +11352,7 @@
             <a:fld id="{BE6A9779-67F1-4867-A584-55A69026F865}" type="slidenum">
               <a:rPr lang="es-AR" altLang="es-AR" smtClean="0"/>
               <a:pPr/>
-              <a:t>‹Nº›</a:t>
+              <a:t>‹#›</a:t>
             </a:fld>
             <a:endParaRPr lang="es-AR" altLang="es-AR"/>
           </a:p>
@@ -11716,41 +11988,8 @@
                 <a:ea typeface="Verdana" panose="020B0604030504040204" pitchFamily="34" charset="0"/>
                 <a:cs typeface="Verdana" panose="020B0604030504040204" pitchFamily="34" charset="0"/>
               </a:rPr>
-              <a:t>Módulo </a:t>
-            </a:r>
-            <a:r>
-              <a:rPr lang="es-ES" sz="3200" dirty="0" smtClean="0">
-                <a:solidFill>
-                  <a:srgbClr val="3D3D49"/>
-                </a:solidFill>
-                <a:effectLst>
-                  <a:outerShdw blurRad="38100" dist="38100" dir="2700000" algn="tl">
-                    <a:srgbClr val="000000">
-                      <a:alpha val="43137"/>
-                    </a:srgbClr>
-                  </a:outerShdw>
-                </a:effectLst>
-                <a:latin typeface="Gill Sans MT" panose="020B0502020104020203" pitchFamily="34" charset="0"/>
-                <a:ea typeface="Verdana" panose="020B0604030504040204" pitchFamily="34" charset="0"/>
-                <a:cs typeface="Verdana" panose="020B0604030504040204" pitchFamily="34" charset="0"/>
-              </a:rPr>
-              <a:t>6</a:t>
-            </a:r>
-            <a:endParaRPr lang="es-ES" sz="3200" dirty="0" smtClean="0">
-              <a:solidFill>
-                <a:srgbClr val="3D3D49"/>
-              </a:solidFill>
-              <a:effectLst>
-                <a:outerShdw blurRad="38100" dist="38100" dir="2700000" algn="tl">
-                  <a:srgbClr val="000000">
-                    <a:alpha val="43137"/>
-                  </a:srgbClr>
-                </a:outerShdw>
-              </a:effectLst>
-              <a:latin typeface="Gill Sans MT" panose="020B0502020104020203" pitchFamily="34" charset="0"/>
-              <a:ea typeface="Verdana" panose="020B0604030504040204" pitchFamily="34" charset="0"/>
-              <a:cs typeface="Verdana" panose="020B0604030504040204" pitchFamily="34" charset="0"/>
-            </a:endParaRPr>
+              <a:t>Módulo 6</a:t>
+            </a:r>
           </a:p>
           <a:p>
             <a:pPr algn="l">
@@ -12300,16 +12539,40 @@
           <a:chExt cx="0" cy="0"/>
         </a:xfrm>
       </p:grpSpPr>
-      <p:sp>
-        <p:nvSpPr>
-          <p:cNvPr id="12" name="TextBox 11"/>
+      <p:pic>
+        <p:nvPicPr>
+          <p:cNvPr id="2" name="Picture 1"/>
+          <p:cNvPicPr>
+            <a:picLocks noChangeAspect="1"/>
+          </p:cNvPicPr>
+          <p:nvPr/>
+        </p:nvPicPr>
+        <p:blipFill>
+          <a:blip r:embed="rId2"/>
+          <a:stretch>
+            <a:fillRect/>
+          </a:stretch>
+        </p:blipFill>
+        <p:spPr>
+          <a:xfrm>
+            <a:off x="251520" y="1052736"/>
+            <a:ext cx="8237976" cy="2158477"/>
+          </a:xfrm>
+          <a:prstGeom prst="rect">
+            <a:avLst/>
+          </a:prstGeom>
+        </p:spPr>
+      </p:pic>
+      <p:sp>
+        <p:nvSpPr>
+          <p:cNvPr id="3" name="TextBox 2"/>
           <p:cNvSpPr txBox="1"/>
           <p:nvPr/>
         </p:nvSpPr>
         <p:spPr>
           <a:xfrm>
-            <a:off x="323528" y="107921"/>
-            <a:ext cx="7704856" cy="646331"/>
+            <a:off x="107504" y="4293096"/>
+            <a:ext cx="9036496" cy="1354217"/>
           </a:xfrm>
           <a:prstGeom prst="rect">
             <a:avLst/>
@@ -12322,272 +12585,43 @@
           </a:bodyPr>
           <a:lstStyle/>
           <a:p>
-            <a:r>
-              <a:rPr lang="es-ES" sz="3600" dirty="0" smtClean="0">
-                <a:solidFill>
-                  <a:schemeClr val="accent2"/>
-                </a:solidFill>
-                <a:effectLst>
-                  <a:outerShdw blurRad="38100" dist="38100" dir="2700000" algn="tl">
-                    <a:srgbClr val="000000">
-                      <a:alpha val="43137"/>
-                    </a:srgbClr>
-                  </a:outerShdw>
-                </a:effectLst>
-                <a:latin typeface="Gill Sans MT" panose="020B0502020104020203" pitchFamily="34" charset="0"/>
-              </a:rPr>
-              <a:t>MODELOS DE COMUNIDADES</a:t>
-            </a:r>
-            <a:endParaRPr lang="es-ES" sz="3600" dirty="0">
-              <a:solidFill>
-                <a:schemeClr val="accent2"/>
-              </a:solidFill>
-              <a:effectLst>
-                <a:outerShdw blurRad="38100" dist="38100" dir="2700000" algn="tl">
-                  <a:srgbClr val="000000">
-                    <a:alpha val="43137"/>
-                  </a:srgbClr>
-                </a:outerShdw>
-              </a:effectLst>
-              <a:latin typeface="Gill Sans MT" panose="020B0502020104020203" pitchFamily="34" charset="0"/>
-            </a:endParaRPr>
-          </a:p>
-        </p:txBody>
-      </p:sp>
-      <p:sp>
-        <p:nvSpPr>
-          <p:cNvPr id="25" name="TextBox 24"/>
-          <p:cNvSpPr txBox="1"/>
-          <p:nvPr/>
-        </p:nvSpPr>
-        <p:spPr>
-          <a:xfrm>
-            <a:off x="323528" y="908720"/>
-            <a:ext cx="8496944" cy="5693866"/>
-          </a:xfrm>
-          <a:prstGeom prst="rect">
-            <a:avLst/>
-          </a:prstGeom>
-          <a:noFill/>
-        </p:spPr>
-        <p:txBody>
-          <a:bodyPr wrap="square" rtlCol="0">
-            <a:spAutoFit/>
-          </a:bodyPr>
-          <a:lstStyle/>
-          <a:p>
-            <a:pPr marL="457200" indent="-457200">
+            <a:pPr lvl="1">
               <a:spcBef>
                 <a:spcPts val="600"/>
               </a:spcBef>
               <a:spcAft>
                 <a:spcPts val="600"/>
               </a:spcAft>
-              <a:buFont typeface="Arial" panose="020B0604020202020204" pitchFamily="34" charset="0"/>
-              <a:buChar char="•"/>
             </a:pPr>
             <a:r>
-              <a:rPr lang="es-ES" sz="2600" dirty="0" smtClean="0">
-                <a:solidFill>
-                  <a:srgbClr val="636382"/>
-                </a:solidFill>
-                <a:latin typeface="Gill Sans MT" panose="020B0502020104020203" pitchFamily="34" charset="0"/>
-              </a:rPr>
-              <a:t>Modelos de ocupación con las </a:t>
-            </a:r>
-            <a:r>
-              <a:rPr lang="es-ES" sz="2600" dirty="0" err="1" smtClean="0">
-                <a:solidFill>
-                  <a:srgbClr val="636382"/>
-                </a:solidFill>
-                <a:latin typeface="Gill Sans MT" panose="020B0502020104020203" pitchFamily="34" charset="0"/>
-              </a:rPr>
-              <a:t>sp</a:t>
-            </a:r>
-            <a:r>
-              <a:rPr lang="es-ES" sz="2600" dirty="0" smtClean="0">
-                <a:solidFill>
-                  <a:srgbClr val="636382"/>
-                </a:solidFill>
-                <a:latin typeface="Gill Sans MT" panose="020B0502020104020203" pitchFamily="34" charset="0"/>
-              </a:rPr>
-              <a:t>. como efectos aleatorios (sólo especies registradas).</a:t>
-            </a:r>
-          </a:p>
-          <a:p>
-            <a:pPr marL="914400" lvl="1" indent="-457200">
+              <a:rPr lang="es-AR" sz="2400" dirty="0">
+                <a:solidFill>
+                  <a:srgbClr val="636382"/>
+                </a:solidFill>
+                <a:latin typeface="Gill Sans MT" panose="020B0502020104020203" pitchFamily="34" charset="0"/>
+              </a:rPr>
+              <a:t>Los parámetros de las especies no son estimados de manera independiente</a:t>
+            </a:r>
+          </a:p>
+          <a:p>
+            <a:pPr lvl="1">
               <a:spcBef>
                 <a:spcPts val="600"/>
               </a:spcBef>
               <a:spcAft>
                 <a:spcPts val="600"/>
               </a:spcAft>
-              <a:buFont typeface="Gill Sans MT" panose="020B0502020104020203" pitchFamily="34" charset="0"/>
-              <a:buChar char="–"/>
             </a:pPr>
             <a:r>
-              <a:rPr lang="es-ES" sz="2400" dirty="0" err="1" smtClean="0">
-                <a:solidFill>
-                  <a:srgbClr val="636382"/>
-                </a:solidFill>
-                <a:latin typeface="Gill Sans MT" panose="020B0502020104020203" pitchFamily="34" charset="0"/>
-              </a:rPr>
-              <a:t>Sp</a:t>
-            </a:r>
-            <a:r>
-              <a:rPr lang="es-ES" sz="2400" dirty="0" smtClean="0">
-                <a:solidFill>
-                  <a:srgbClr val="636382"/>
-                </a:solidFill>
-                <a:latin typeface="Gill Sans MT" panose="020B0502020104020203" pitchFamily="34" charset="0"/>
-              </a:rPr>
-              <a:t>. siguen una distribución común de la comunidad</a:t>
-            </a:r>
-          </a:p>
-          <a:p>
-            <a:pPr marL="914400" lvl="1" indent="-457200">
-              <a:spcBef>
-                <a:spcPts val="600"/>
-              </a:spcBef>
-              <a:spcAft>
-                <a:spcPts val="600"/>
-              </a:spcAft>
-              <a:buFont typeface="Gill Sans MT" panose="020B0502020104020203" pitchFamily="34" charset="0"/>
-              <a:buChar char="–"/>
-            </a:pPr>
-            <a:r>
-              <a:rPr lang="es-ES" sz="2400" dirty="0" smtClean="0">
-                <a:solidFill>
-                  <a:srgbClr val="636382"/>
-                </a:solidFill>
-                <a:latin typeface="Gill Sans MT" panose="020B0502020104020203" pitchFamily="34" charset="0"/>
-              </a:rPr>
-              <a:t>Mejora la precisión de las estimaciones para especies poco frecuentes</a:t>
-            </a:r>
-          </a:p>
-          <a:p>
-            <a:pPr marL="914400" lvl="1" indent="-457200">
-              <a:spcBef>
-                <a:spcPts val="600"/>
-              </a:spcBef>
-              <a:spcAft>
-                <a:spcPts val="600"/>
-              </a:spcAft>
-              <a:buFont typeface="Gill Sans MT" panose="020B0502020104020203" pitchFamily="34" charset="0"/>
-              <a:buChar char="–"/>
-            </a:pPr>
-            <a:r>
-              <a:rPr lang="es-ES" sz="2400" dirty="0" smtClean="0">
-                <a:solidFill>
-                  <a:srgbClr val="636382"/>
-                </a:solidFill>
-                <a:latin typeface="Gill Sans MT" panose="020B0502020104020203" pitchFamily="34" charset="0"/>
-              </a:rPr>
-              <a:t>Para casos donde no nos interesan las especies no registradas – la comunidad es conocida</a:t>
-            </a:r>
-          </a:p>
-          <a:p>
-            <a:pPr marL="914400" lvl="1" indent="-457200">
-              <a:spcBef>
-                <a:spcPts val="600"/>
-              </a:spcBef>
-              <a:spcAft>
-                <a:spcPts val="600"/>
-              </a:spcAft>
-              <a:buFont typeface="Gill Sans MT" panose="020B0502020104020203" pitchFamily="34" charset="0"/>
-              <a:buChar char="–"/>
-            </a:pPr>
-            <a:r>
-              <a:rPr lang="es-ES" sz="2400" dirty="0" smtClean="0">
-                <a:solidFill>
-                  <a:srgbClr val="636382"/>
-                </a:solidFill>
-                <a:latin typeface="Gill Sans MT" panose="020B0502020104020203" pitchFamily="34" charset="0"/>
-              </a:rPr>
-              <a:t>Se puede modelar la correlación entre ocupación y detectabilidad (abundancia afecta detección)</a:t>
-            </a:r>
-          </a:p>
-          <a:p>
-            <a:pPr marL="914400" lvl="1" indent="-457200">
-              <a:spcBef>
-                <a:spcPts val="600"/>
-              </a:spcBef>
-              <a:spcAft>
-                <a:spcPts val="600"/>
-              </a:spcAft>
-              <a:buFont typeface="Gill Sans MT" panose="020B0502020104020203" pitchFamily="34" charset="0"/>
-              <a:buChar char="–"/>
-            </a:pPr>
-            <a:r>
-              <a:rPr lang="es-ES" sz="2400" dirty="0" err="1" smtClean="0">
-                <a:solidFill>
-                  <a:srgbClr val="636382"/>
-                </a:solidFill>
-                <a:latin typeface="Gill Sans MT" panose="020B0502020104020203" pitchFamily="34" charset="0"/>
-              </a:rPr>
-              <a:t>Covariables</a:t>
-            </a:r>
-            <a:r>
-              <a:rPr lang="es-ES" sz="2400" dirty="0" smtClean="0">
-                <a:solidFill>
-                  <a:srgbClr val="636382"/>
-                </a:solidFill>
-                <a:latin typeface="Gill Sans MT" panose="020B0502020104020203" pitchFamily="34" charset="0"/>
-              </a:rPr>
-              <a:t> (heterogeneidad en </a:t>
-            </a:r>
-            <a:r>
-              <a:rPr lang="es-ES" sz="2400" dirty="0" err="1" smtClean="0">
-                <a:solidFill>
-                  <a:srgbClr val="636382"/>
-                </a:solidFill>
-                <a:latin typeface="Gill Sans MT" panose="020B0502020104020203" pitchFamily="34" charset="0"/>
-              </a:rPr>
-              <a:t>deteccion</a:t>
-            </a:r>
-            <a:r>
-              <a:rPr lang="es-ES" sz="2400" dirty="0" smtClean="0">
-                <a:solidFill>
-                  <a:srgbClr val="636382"/>
-                </a:solidFill>
-                <a:latin typeface="Gill Sans MT" panose="020B0502020104020203" pitchFamily="34" charset="0"/>
-              </a:rPr>
-              <a:t> y/u ocupación</a:t>
-            </a:r>
-          </a:p>
-          <a:p>
-            <a:pPr marL="914400" lvl="1" indent="-457200">
-              <a:spcBef>
-                <a:spcPts val="600"/>
-              </a:spcBef>
-              <a:spcAft>
-                <a:spcPts val="600"/>
-              </a:spcAft>
-              <a:buFont typeface="Gill Sans MT" panose="020B0502020104020203" pitchFamily="34" charset="0"/>
-              <a:buChar char="–"/>
-            </a:pPr>
-            <a:r>
-              <a:rPr lang="es-ES" sz="2400" dirty="0" smtClean="0">
-                <a:solidFill>
-                  <a:srgbClr val="636382"/>
-                </a:solidFill>
-                <a:latin typeface="Gill Sans MT" panose="020B0502020104020203" pitchFamily="34" charset="0"/>
-              </a:rPr>
-              <a:t>Grupos (ej. gremios), etc.</a:t>
-            </a:r>
-          </a:p>
-          <a:p>
-            <a:pPr marL="285750" indent="-285750">
-              <a:spcBef>
-                <a:spcPts val="600"/>
-              </a:spcBef>
-              <a:spcAft>
-                <a:spcPts val="600"/>
-              </a:spcAft>
-              <a:buFont typeface="Arial" panose="020B0604020202020204" pitchFamily="34" charset="0"/>
-              <a:buChar char="•"/>
-            </a:pPr>
-            <a:endParaRPr lang="es-ES" sz="2600" dirty="0">
+              <a:rPr lang="es-AR" sz="2400" dirty="0">
+                <a:solidFill>
+                  <a:srgbClr val="636382"/>
+                </a:solidFill>
+                <a:latin typeface="Gill Sans MT" panose="020B0502020104020203" pitchFamily="34" charset="0"/>
+              </a:rPr>
+              <a:t>Las especies son un factor aleatorio</a:t>
+            </a:r>
+            <a:endParaRPr lang="es-ES" sz="2400" dirty="0">
               <a:solidFill>
                 <a:srgbClr val="636382"/>
               </a:solidFill>
@@ -12599,20 +12633,13 @@
     </p:spTree>
     <p:extLst>
       <p:ext uri="{BB962C8B-B14F-4D97-AF65-F5344CB8AC3E}">
-        <p14:creationId xmlns:p14="http://schemas.microsoft.com/office/powerpoint/2010/main" val="1986777812"/>
+        <p14:creationId xmlns:p14="http://schemas.microsoft.com/office/powerpoint/2010/main" val="1080682502"/>
       </p:ext>
     </p:extLst>
   </p:cSld>
   <p:clrMapOvr>
     <a:masterClrMapping/>
   </p:clrMapOvr>
-  <p:timing>
-    <p:tnLst>
-      <p:par>
-        <p:cTn id="1" dur="indefinite" restart="never" nodeType="tmRoot"/>
-      </p:par>
-    </p:tnLst>
-  </p:timing>
 </p:sld>
 </file>
 
@@ -12635,6 +12662,301 @@
       </p:grpSpPr>
       <p:sp>
         <p:nvSpPr>
+          <p:cNvPr id="3" name="TextBox 2"/>
+          <p:cNvSpPr txBox="1"/>
+          <p:nvPr/>
+        </p:nvSpPr>
+        <p:spPr>
+          <a:xfrm>
+            <a:off x="107504" y="4293096"/>
+            <a:ext cx="9036496" cy="1723549"/>
+          </a:xfrm>
+          <a:prstGeom prst="rect">
+            <a:avLst/>
+          </a:prstGeom>
+          <a:noFill/>
+        </p:spPr>
+        <p:txBody>
+          <a:bodyPr wrap="square" rtlCol="0">
+            <a:spAutoFit/>
+          </a:bodyPr>
+          <a:lstStyle/>
+          <a:p>
+            <a:pPr lvl="1">
+              <a:spcBef>
+                <a:spcPts val="600"/>
+              </a:spcBef>
+              <a:spcAft>
+                <a:spcPts val="600"/>
+              </a:spcAft>
+            </a:pPr>
+            <a:r>
+              <a:rPr lang="es-AR" sz="2400" dirty="0" smtClean="0">
+                <a:solidFill>
+                  <a:srgbClr val="636382"/>
+                </a:solidFill>
+                <a:latin typeface="Gill Sans MT" panose="020B0502020104020203" pitchFamily="34" charset="0"/>
+              </a:rPr>
+              <a:t>Quiero modelar un diferencias en grupos de especies, agrego otra jerarquía (otro </a:t>
+            </a:r>
+            <a:r>
+              <a:rPr lang="es-AR" sz="2400" dirty="0" err="1" smtClean="0">
+                <a:solidFill>
+                  <a:srgbClr val="636382"/>
+                </a:solidFill>
+                <a:latin typeface="Gill Sans MT" panose="020B0502020104020203" pitchFamily="34" charset="0"/>
+              </a:rPr>
+              <a:t>hiperparámetro</a:t>
+            </a:r>
+            <a:r>
+              <a:rPr lang="es-AR" sz="2400" dirty="0" smtClean="0">
+                <a:solidFill>
+                  <a:srgbClr val="636382"/>
+                </a:solidFill>
+                <a:latin typeface="Gill Sans MT" panose="020B0502020104020203" pitchFamily="34" charset="0"/>
+              </a:rPr>
+              <a:t>). </a:t>
+            </a:r>
+          </a:p>
+          <a:p>
+            <a:pPr lvl="1">
+              <a:spcBef>
+                <a:spcPts val="600"/>
+              </a:spcBef>
+              <a:spcAft>
+                <a:spcPts val="600"/>
+              </a:spcAft>
+            </a:pPr>
+            <a:r>
+              <a:rPr lang="es-AR" sz="2400" dirty="0" smtClean="0">
+                <a:solidFill>
+                  <a:srgbClr val="636382"/>
+                </a:solidFill>
+                <a:latin typeface="Gill Sans MT" panose="020B0502020104020203" pitchFamily="34" charset="0"/>
+              </a:rPr>
+              <a:t>También podríamos incluir </a:t>
+            </a:r>
+            <a:r>
+              <a:rPr lang="es-AR" sz="2400" dirty="0" err="1" smtClean="0">
+                <a:solidFill>
+                  <a:srgbClr val="636382"/>
+                </a:solidFill>
+                <a:latin typeface="Gill Sans MT" panose="020B0502020104020203" pitchFamily="34" charset="0"/>
+              </a:rPr>
+              <a:t>covariables</a:t>
+            </a:r>
+            <a:r>
+              <a:rPr lang="es-AR" sz="2400" dirty="0" smtClean="0">
+                <a:solidFill>
+                  <a:srgbClr val="636382"/>
+                </a:solidFill>
+                <a:latin typeface="Gill Sans MT" panose="020B0502020104020203" pitchFamily="34" charset="0"/>
+              </a:rPr>
+              <a:t> para distinguir los grupos (</a:t>
+            </a:r>
+            <a:r>
+              <a:rPr lang="es-AR" sz="2400" dirty="0" err="1" smtClean="0">
+                <a:solidFill>
+                  <a:srgbClr val="636382"/>
+                </a:solidFill>
+                <a:latin typeface="Gill Sans MT" panose="020B0502020104020203" pitchFamily="34" charset="0"/>
+              </a:rPr>
+              <a:t>covariable</a:t>
+            </a:r>
+            <a:r>
+              <a:rPr lang="es-AR" sz="2400" dirty="0" smtClean="0">
+                <a:solidFill>
+                  <a:srgbClr val="636382"/>
+                </a:solidFill>
+                <a:latin typeface="Gill Sans MT" panose="020B0502020104020203" pitchFamily="34" charset="0"/>
+              </a:rPr>
+              <a:t> en el </a:t>
+            </a:r>
+            <a:r>
+              <a:rPr lang="es-AR" sz="2400" dirty="0" err="1" smtClean="0">
+                <a:solidFill>
+                  <a:srgbClr val="636382"/>
+                </a:solidFill>
+                <a:latin typeface="Gill Sans MT" panose="020B0502020104020203" pitchFamily="34" charset="0"/>
+              </a:rPr>
+              <a:t>hiperparámetro</a:t>
+            </a:r>
+            <a:r>
+              <a:rPr lang="es-AR" sz="2400" dirty="0" smtClean="0">
+                <a:solidFill>
+                  <a:srgbClr val="636382"/>
+                </a:solidFill>
+                <a:latin typeface="Gill Sans MT" panose="020B0502020104020203" pitchFamily="34" charset="0"/>
+              </a:rPr>
+              <a:t>).</a:t>
+            </a:r>
+            <a:endParaRPr lang="es-ES" sz="2400" dirty="0">
+              <a:solidFill>
+                <a:srgbClr val="636382"/>
+              </a:solidFill>
+              <a:latin typeface="Gill Sans MT" panose="020B0502020104020203" pitchFamily="34" charset="0"/>
+            </a:endParaRPr>
+          </a:p>
+        </p:txBody>
+      </p:sp>
+      <p:grpSp>
+        <p:nvGrpSpPr>
+          <p:cNvPr id="6" name="Group 5"/>
+          <p:cNvGrpSpPr/>
+          <p:nvPr/>
+        </p:nvGrpSpPr>
+        <p:grpSpPr>
+          <a:xfrm>
+            <a:off x="539552" y="620688"/>
+            <a:ext cx="7568977" cy="1944216"/>
+            <a:chOff x="1395511" y="692696"/>
+            <a:chExt cx="6391275" cy="1590675"/>
+          </a:xfrm>
+        </p:grpSpPr>
+        <p:pic>
+          <p:nvPicPr>
+            <p:cNvPr id="4" name="Picture 3"/>
+            <p:cNvPicPr>
+              <a:picLocks noChangeAspect="1"/>
+            </p:cNvPicPr>
+            <p:nvPr/>
+          </p:nvPicPr>
+          <p:blipFill>
+            <a:blip r:embed="rId2"/>
+            <a:stretch>
+              <a:fillRect/>
+            </a:stretch>
+          </p:blipFill>
+          <p:spPr>
+            <a:xfrm>
+              <a:off x="1403648" y="692696"/>
+              <a:ext cx="6105525" cy="619125"/>
+            </a:xfrm>
+            <a:prstGeom prst="rect">
+              <a:avLst/>
+            </a:prstGeom>
+          </p:spPr>
+        </p:pic>
+        <p:pic>
+          <p:nvPicPr>
+            <p:cNvPr id="5" name="Picture 4"/>
+            <p:cNvPicPr>
+              <a:picLocks noChangeAspect="1"/>
+            </p:cNvPicPr>
+            <p:nvPr/>
+          </p:nvPicPr>
+          <p:blipFill>
+            <a:blip r:embed="rId3"/>
+            <a:stretch>
+              <a:fillRect/>
+            </a:stretch>
+          </p:blipFill>
+          <p:spPr>
+            <a:xfrm>
+              <a:off x="1395511" y="1311821"/>
+              <a:ext cx="6391275" cy="971550"/>
+            </a:xfrm>
+            <a:prstGeom prst="rect">
+              <a:avLst/>
+            </a:prstGeom>
+          </p:spPr>
+        </p:pic>
+      </p:grpSp>
+      <p:cxnSp>
+        <p:nvCxnSpPr>
+          <p:cNvPr id="8" name="Straight Arrow Connector 7"/>
+          <p:cNvCxnSpPr/>
+          <p:nvPr/>
+        </p:nvCxnSpPr>
+        <p:spPr>
+          <a:xfrm flipV="1">
+            <a:off x="6948264" y="2564904"/>
+            <a:ext cx="0" cy="576064"/>
+          </a:xfrm>
+          <a:prstGeom prst="straightConnector1">
+            <a:avLst/>
+          </a:prstGeom>
+          <a:ln w="57150">
+            <a:tailEnd type="triangle"/>
+          </a:ln>
+        </p:spPr>
+        <p:style>
+          <a:lnRef idx="1">
+            <a:schemeClr val="accent1"/>
+          </a:lnRef>
+          <a:fillRef idx="0">
+            <a:schemeClr val="accent1"/>
+          </a:fillRef>
+          <a:effectRef idx="0">
+            <a:schemeClr val="accent1"/>
+          </a:effectRef>
+          <a:fontRef idx="minor">
+            <a:schemeClr val="tx1"/>
+          </a:fontRef>
+        </p:style>
+      </p:cxnSp>
+      <p:sp>
+        <p:nvSpPr>
+          <p:cNvPr id="10" name="TextBox 9"/>
+          <p:cNvSpPr txBox="1"/>
+          <p:nvPr/>
+        </p:nvSpPr>
+        <p:spPr>
+          <a:xfrm>
+            <a:off x="5872019" y="3244334"/>
+            <a:ext cx="2398413" cy="369332"/>
+          </a:xfrm>
+          <a:prstGeom prst="rect">
+            <a:avLst/>
+          </a:prstGeom>
+          <a:noFill/>
+        </p:spPr>
+        <p:txBody>
+          <a:bodyPr wrap="none" rtlCol="0">
+            <a:spAutoFit/>
+          </a:bodyPr>
+          <a:lstStyle/>
+          <a:p>
+            <a:r>
+              <a:rPr lang="es-AR" dirty="0" smtClean="0"/>
+              <a:t>Ej. g grupos funcionales</a:t>
+            </a:r>
+            <a:endParaRPr lang="es-ES" dirty="0"/>
+          </a:p>
+        </p:txBody>
+      </p:sp>
+    </p:spTree>
+    <p:extLst>
+      <p:ext uri="{BB962C8B-B14F-4D97-AF65-F5344CB8AC3E}">
+        <p14:creationId xmlns:p14="http://schemas.microsoft.com/office/powerpoint/2010/main" val="1279832751"/>
+      </p:ext>
+    </p:extLst>
+  </p:cSld>
+  <p:clrMapOvr>
+    <a:masterClrMapping/>
+  </p:clrMapOvr>
+</p:sld>
+</file>
+
+<file path=ppt/slides/slide12.xml><?xml version="1.0" encoding="utf-8"?>
+<p:sld xmlns:a="http://schemas.openxmlformats.org/drawingml/2006/main" xmlns:r="http://schemas.openxmlformats.org/officeDocument/2006/relationships" xmlns:p="http://schemas.openxmlformats.org/presentationml/2006/main">
+  <p:cSld>
+    <p:spTree>
+      <p:nvGrpSpPr>
+        <p:cNvPr id="1" name=""/>
+        <p:cNvGrpSpPr/>
+        <p:nvPr/>
+      </p:nvGrpSpPr>
+      <p:grpSpPr>
+        <a:xfrm>
+          <a:off x="0" y="0"/>
+          <a:ext cx="0" cy="0"/>
+          <a:chOff x="0" y="0"/>
+          <a:chExt cx="0" cy="0"/>
+        </a:xfrm>
+      </p:grpSpPr>
+      <p:sp>
+        <p:nvSpPr>
           <p:cNvPr id="12" name="TextBox 11"/>
           <p:cNvSpPr txBox="1"/>
           <p:nvPr/>
@@ -12696,7 +13018,7 @@
         <p:spPr>
           <a:xfrm>
             <a:off x="251520" y="908720"/>
-            <a:ext cx="8712968" cy="3262432"/>
+            <a:ext cx="8712968" cy="4154984"/>
           </a:xfrm>
           <a:prstGeom prst="rect">
             <a:avLst/>
@@ -12783,7 +13105,43 @@
                 </a:solidFill>
                 <a:latin typeface="Gill Sans MT" panose="020B0502020104020203" pitchFamily="34" charset="0"/>
               </a:rPr>
-              <a:t>Lo mismo que en el modelo anterior, incluyendo </a:t>
+              <a:t>Lo mismo que en el modelo anterior, </a:t>
+            </a:r>
+            <a:r>
+              <a:rPr lang="es-ES" sz="2400" b="1" dirty="0" smtClean="0">
+                <a:solidFill>
+                  <a:srgbClr val="636382"/>
+                </a:solidFill>
+                <a:latin typeface="Gill Sans MT" panose="020B0502020104020203" pitchFamily="34" charset="0"/>
+              </a:rPr>
+              <a:t>incluyendo </a:t>
+            </a:r>
+            <a:r>
+              <a:rPr lang="es-ES" sz="2400" b="1" dirty="0" err="1" smtClean="0">
+                <a:solidFill>
+                  <a:srgbClr val="636382"/>
+                </a:solidFill>
+                <a:latin typeface="Gill Sans MT" panose="020B0502020104020203" pitchFamily="34" charset="0"/>
+              </a:rPr>
+              <a:t>sp</a:t>
+            </a:r>
+            <a:r>
+              <a:rPr lang="es-ES" sz="2400" b="1" dirty="0" smtClean="0">
+                <a:solidFill>
+                  <a:srgbClr val="636382"/>
+                </a:solidFill>
+                <a:latin typeface="Gill Sans MT" panose="020B0502020104020203" pitchFamily="34" charset="0"/>
+              </a:rPr>
+              <a:t>. que no fueron vistas</a:t>
+            </a:r>
+            <a:r>
+              <a:rPr lang="es-ES" sz="2400" dirty="0" smtClean="0">
+                <a:solidFill>
+                  <a:srgbClr val="636382"/>
+                </a:solidFill>
+                <a:latin typeface="Gill Sans MT" panose="020B0502020104020203" pitchFamily="34" charset="0"/>
+              </a:rPr>
+              <a:t>, pero sabemos que podrían ser parte de la </a:t>
             </a:r>
             <a:r>
               <a:rPr lang="es-ES" sz="2400" dirty="0" err="1" smtClean="0">
@@ -12792,8 +13150,26 @@
                 </a:solidFill>
                 <a:latin typeface="Gill Sans MT" panose="020B0502020104020203" pitchFamily="34" charset="0"/>
               </a:rPr>
-              <a:t>sp</a:t>
-            </a:r>
+              <a:t>metacomunidad</a:t>
+            </a:r>
+            <a:endParaRPr lang="es-ES" sz="2400" dirty="0" smtClean="0">
+              <a:solidFill>
+                <a:srgbClr val="636382"/>
+              </a:solidFill>
+              <a:latin typeface="Gill Sans MT" panose="020B0502020104020203" pitchFamily="34" charset="0"/>
+            </a:endParaRPr>
+          </a:p>
+          <a:p>
+            <a:pPr marL="914400" lvl="1" indent="-457200">
+              <a:spcBef>
+                <a:spcPts val="600"/>
+              </a:spcBef>
+              <a:spcAft>
+                <a:spcPts val="600"/>
+              </a:spcAft>
+              <a:buFont typeface="Gill Sans MT" panose="020B0502020104020203" pitchFamily="34" charset="0"/>
+              <a:buChar char="–"/>
+            </a:pPr>
             <a:r>
               <a:rPr lang="es-ES" sz="2400" dirty="0" smtClean="0">
                 <a:solidFill>
@@ -12801,7 +13177,7 @@
                 </a:solidFill>
                 <a:latin typeface="Gill Sans MT" panose="020B0502020104020203" pitchFamily="34" charset="0"/>
               </a:rPr>
-              <a:t>. que no fueron vistas, pero sabemos que podrían ser parte de la </a:t>
+              <a:t>“imaginamos” una </a:t>
             </a:r>
             <a:r>
               <a:rPr lang="es-ES" sz="2400" dirty="0" err="1" smtClean="0">
@@ -12811,6 +13187,15 @@
                 <a:latin typeface="Gill Sans MT" panose="020B0502020104020203" pitchFamily="34" charset="0"/>
               </a:rPr>
               <a:t>metacomunidad</a:t>
+            </a:r>
+            <a:r>
+              <a:rPr lang="es-ES" sz="2400" dirty="0" smtClean="0">
+                <a:solidFill>
+                  <a:srgbClr val="636382"/>
+                </a:solidFill>
+                <a:latin typeface="Gill Sans MT" panose="020B0502020104020203" pitchFamily="34" charset="0"/>
+              </a:rPr>
+              <a:t> con M especies “potenciales”, donde detectamos N especies</a:t>
             </a:r>
             <a:endParaRPr lang="es-ES" sz="2400" dirty="0">
               <a:solidFill>
@@ -12857,6 +13242,30 @@
           </a:p>
         </p:txBody>
       </p:sp>
+      <p:pic>
+        <p:nvPicPr>
+          <p:cNvPr id="2" name="Picture 1"/>
+          <p:cNvPicPr>
+            <a:picLocks noChangeAspect="1"/>
+          </p:cNvPicPr>
+          <p:nvPr/>
+        </p:nvPicPr>
+        <p:blipFill>
+          <a:blip r:embed="rId3"/>
+          <a:stretch>
+            <a:fillRect/>
+          </a:stretch>
+        </p:blipFill>
+        <p:spPr>
+          <a:xfrm>
+            <a:off x="683568" y="4286998"/>
+            <a:ext cx="7819741" cy="2526378"/>
+          </a:xfrm>
+          <a:prstGeom prst="rect">
+            <a:avLst/>
+          </a:prstGeom>
+        </p:spPr>
+      </p:pic>
     </p:spTree>
     <p:extLst>
       <p:ext uri="{BB962C8B-B14F-4D97-AF65-F5344CB8AC3E}">
@@ -12877,7 +13286,866 @@
 </p:sld>
 </file>
 
-<file path=ppt/slides/slide12.xml><?xml version="1.0" encoding="utf-8"?>
+<file path=ppt/slides/slide13.xml><?xml version="1.0" encoding="utf-8"?>
+<p:sld xmlns:a="http://schemas.openxmlformats.org/drawingml/2006/main" xmlns:r="http://schemas.openxmlformats.org/officeDocument/2006/relationships" xmlns:p="http://schemas.openxmlformats.org/presentationml/2006/main">
+  <p:cSld>
+    <p:spTree>
+      <p:nvGrpSpPr>
+        <p:cNvPr id="1" name=""/>
+        <p:cNvGrpSpPr/>
+        <p:nvPr/>
+      </p:nvGrpSpPr>
+      <p:grpSpPr>
+        <a:xfrm>
+          <a:off x="0" y="0"/>
+          <a:ext cx="0" cy="0"/>
+          <a:chOff x="0" y="0"/>
+          <a:chExt cx="0" cy="0"/>
+        </a:xfrm>
+      </p:grpSpPr>
+      <p:pic>
+        <p:nvPicPr>
+          <p:cNvPr id="2" name="Imagen 1"/>
+          <p:cNvPicPr>
+            <a:picLocks noChangeAspect="1"/>
+          </p:cNvPicPr>
+          <p:nvPr/>
+        </p:nvPicPr>
+        <p:blipFill>
+          <a:blip r:embed="rId2"/>
+          <a:stretch>
+            <a:fillRect/>
+          </a:stretch>
+        </p:blipFill>
+        <p:spPr>
+          <a:xfrm>
+            <a:off x="-108520" y="1588730"/>
+            <a:ext cx="9426619" cy="1495441"/>
+          </a:xfrm>
+          <a:prstGeom prst="rect">
+            <a:avLst/>
+          </a:prstGeom>
+        </p:spPr>
+      </p:pic>
+      <p:pic>
+        <p:nvPicPr>
+          <p:cNvPr id="3" name="Imagen 2"/>
+          <p:cNvPicPr>
+            <a:picLocks noChangeAspect="1"/>
+          </p:cNvPicPr>
+          <p:nvPr/>
+        </p:nvPicPr>
+        <p:blipFill>
+          <a:blip r:embed="rId3"/>
+          <a:stretch>
+            <a:fillRect/>
+          </a:stretch>
+        </p:blipFill>
+        <p:spPr>
+          <a:xfrm>
+            <a:off x="-109538" y="3872458"/>
+            <a:ext cx="9363075" cy="1428750"/>
+          </a:xfrm>
+          <a:prstGeom prst="rect">
+            <a:avLst/>
+          </a:prstGeom>
+        </p:spPr>
+      </p:pic>
+      <p:sp>
+        <p:nvSpPr>
+          <p:cNvPr id="4" name="CuadroTexto 3"/>
+          <p:cNvSpPr txBox="1"/>
+          <p:nvPr/>
+        </p:nvSpPr>
+        <p:spPr>
+          <a:xfrm>
+            <a:off x="35496" y="952852"/>
+            <a:ext cx="8928992" cy="707886"/>
+          </a:xfrm>
+          <a:prstGeom prst="rect">
+            <a:avLst/>
+          </a:prstGeom>
+          <a:noFill/>
+        </p:spPr>
+        <p:txBody>
+          <a:bodyPr wrap="square" rtlCol="0">
+            <a:spAutoFit/>
+          </a:bodyPr>
+          <a:lstStyle/>
+          <a:p>
+            <a:r>
+              <a:rPr lang="es-ES" sz="2000" b="1" dirty="0" smtClean="0">
+                <a:solidFill>
+                  <a:srgbClr val="565672"/>
+                </a:solidFill>
+                <a:latin typeface="Gill Sans MT" panose="020B0502020104020203" pitchFamily="34" charset="0"/>
+              </a:rPr>
+              <a:t>Modelo de presencia-ausencia y probabilidad de ocupación de la especie k en el sitio i</a:t>
+            </a:r>
+            <a:endParaRPr lang="es-ES" sz="2000" b="1" dirty="0">
+              <a:solidFill>
+                <a:srgbClr val="565672"/>
+              </a:solidFill>
+              <a:latin typeface="Gill Sans MT" panose="020B0502020104020203" pitchFamily="34" charset="0"/>
+            </a:endParaRPr>
+          </a:p>
+        </p:txBody>
+      </p:sp>
+      <p:sp>
+        <p:nvSpPr>
+          <p:cNvPr id="5" name="CuadroTexto 4"/>
+          <p:cNvSpPr txBox="1"/>
+          <p:nvPr/>
+        </p:nvSpPr>
+        <p:spPr>
+          <a:xfrm>
+            <a:off x="0" y="5301208"/>
+            <a:ext cx="8964488" cy="1015663"/>
+          </a:xfrm>
+          <a:prstGeom prst="rect">
+            <a:avLst/>
+          </a:prstGeom>
+          <a:noFill/>
+        </p:spPr>
+        <p:txBody>
+          <a:bodyPr wrap="square" rtlCol="0">
+            <a:spAutoFit/>
+          </a:bodyPr>
+          <a:lstStyle/>
+          <a:p>
+            <a:r>
+              <a:rPr lang="es-ES" sz="2000" dirty="0">
+                <a:solidFill>
+                  <a:srgbClr val="565672"/>
+                </a:solidFill>
+                <a:latin typeface="Gill Sans MT" panose="020B0502020104020203" pitchFamily="34" charset="0"/>
+              </a:rPr>
+              <a:t>En este caso, las especies pueden responder individualmente (ocurrencia y detección) a las </a:t>
+            </a:r>
+            <a:r>
+              <a:rPr lang="es-ES" sz="2000" dirty="0" err="1">
+                <a:solidFill>
+                  <a:srgbClr val="565672"/>
+                </a:solidFill>
+                <a:latin typeface="Gill Sans MT" panose="020B0502020104020203" pitchFamily="34" charset="0"/>
+              </a:rPr>
+              <a:t>covariables</a:t>
+            </a:r>
+            <a:r>
+              <a:rPr lang="es-ES" sz="2000" dirty="0">
+                <a:solidFill>
+                  <a:srgbClr val="565672"/>
+                </a:solidFill>
+                <a:latin typeface="Gill Sans MT" panose="020B0502020104020203" pitchFamily="34" charset="0"/>
+              </a:rPr>
+              <a:t>, y también se puede modelar la media de la respuesta de la comunidad</a:t>
+            </a:r>
+          </a:p>
+        </p:txBody>
+      </p:sp>
+      <p:sp>
+        <p:nvSpPr>
+          <p:cNvPr id="6" name="CuadroTexto 5"/>
+          <p:cNvSpPr txBox="1"/>
+          <p:nvPr/>
+        </p:nvSpPr>
+        <p:spPr>
+          <a:xfrm>
+            <a:off x="35496" y="3388930"/>
+            <a:ext cx="8932253" cy="400110"/>
+          </a:xfrm>
+          <a:prstGeom prst="rect">
+            <a:avLst/>
+          </a:prstGeom>
+          <a:noFill/>
+        </p:spPr>
+        <p:txBody>
+          <a:bodyPr wrap="none" rtlCol="0">
+            <a:spAutoFit/>
+          </a:bodyPr>
+          <a:lstStyle/>
+          <a:p>
+            <a:r>
+              <a:rPr lang="es-ES" sz="2000" b="1" dirty="0" smtClean="0">
+                <a:solidFill>
+                  <a:srgbClr val="565672"/>
+                </a:solidFill>
+                <a:latin typeface="Gill Sans MT" panose="020B0502020104020203" pitchFamily="34" charset="0"/>
+              </a:rPr>
+              <a:t>Detección-no detección (datos) </a:t>
+            </a:r>
+            <a:r>
+              <a:rPr lang="es-ES" sz="2000" b="1" i="1" dirty="0" err="1" smtClean="0">
+                <a:solidFill>
+                  <a:srgbClr val="565672"/>
+                </a:solidFill>
+                <a:latin typeface="Gill Sans MT" panose="020B0502020104020203" pitchFamily="34" charset="0"/>
+              </a:rPr>
+              <a:t>y</a:t>
+            </a:r>
+            <a:r>
+              <a:rPr lang="es-ES" sz="2000" b="1" i="1" baseline="-25000" dirty="0" err="1" smtClean="0">
+                <a:solidFill>
+                  <a:srgbClr val="565672"/>
+                </a:solidFill>
+                <a:latin typeface="Gill Sans MT" panose="020B0502020104020203" pitchFamily="34" charset="0"/>
+              </a:rPr>
+              <a:t>ijk</a:t>
+            </a:r>
+            <a:r>
+              <a:rPr lang="es-ES" sz="2000" b="1" i="1" dirty="0" smtClean="0">
+                <a:solidFill>
+                  <a:srgbClr val="565672"/>
+                </a:solidFill>
+                <a:latin typeface="Gill Sans MT" panose="020B0502020104020203" pitchFamily="34" charset="0"/>
+              </a:rPr>
+              <a:t> </a:t>
+            </a:r>
+            <a:r>
+              <a:rPr lang="es-ES" sz="2000" b="1" dirty="0" smtClean="0">
+                <a:solidFill>
+                  <a:srgbClr val="565672"/>
+                </a:solidFill>
+                <a:latin typeface="Gill Sans MT" panose="020B0502020104020203" pitchFamily="34" charset="0"/>
+              </a:rPr>
+              <a:t>de especie k en el sitio i en la ocasión j</a:t>
+            </a:r>
+            <a:endParaRPr lang="es-ES" sz="2000" b="1" dirty="0">
+              <a:solidFill>
+                <a:srgbClr val="565672"/>
+              </a:solidFill>
+              <a:latin typeface="Gill Sans MT" panose="020B0502020104020203" pitchFamily="34" charset="0"/>
+            </a:endParaRPr>
+          </a:p>
+        </p:txBody>
+      </p:sp>
+      <p:sp>
+        <p:nvSpPr>
+          <p:cNvPr id="7" name="TextBox 6"/>
+          <p:cNvSpPr txBox="1"/>
+          <p:nvPr/>
+        </p:nvSpPr>
+        <p:spPr>
+          <a:xfrm>
+            <a:off x="47746" y="140733"/>
+            <a:ext cx="9420798" cy="584775"/>
+          </a:xfrm>
+          <a:prstGeom prst="rect">
+            <a:avLst/>
+          </a:prstGeom>
+          <a:noFill/>
+        </p:spPr>
+        <p:txBody>
+          <a:bodyPr wrap="square" rtlCol="0">
+            <a:spAutoFit/>
+          </a:bodyPr>
+          <a:lstStyle/>
+          <a:p>
+            <a:r>
+              <a:rPr lang="es-ES" sz="3200" dirty="0" smtClean="0">
+                <a:solidFill>
+                  <a:schemeClr val="accent2"/>
+                </a:solidFill>
+                <a:effectLst>
+                  <a:outerShdw blurRad="38100" dist="38100" dir="2700000" algn="tl">
+                    <a:srgbClr val="000000">
+                      <a:alpha val="43137"/>
+                    </a:srgbClr>
+                  </a:outerShdw>
+                </a:effectLst>
+                <a:latin typeface="Gill Sans MT" panose="020B0502020104020203" pitchFamily="34" charset="0"/>
+              </a:rPr>
+              <a:t>MODELOS DE </a:t>
+            </a:r>
+            <a:r>
+              <a:rPr lang="es-ES" sz="3200" dirty="0" smtClean="0">
+                <a:solidFill>
+                  <a:schemeClr val="accent2"/>
+                </a:solidFill>
+                <a:effectLst>
+                  <a:outerShdw blurRad="38100" dist="38100" dir="2700000" algn="tl">
+                    <a:srgbClr val="000000">
+                      <a:alpha val="43137"/>
+                    </a:srgbClr>
+                  </a:outerShdw>
+                </a:effectLst>
+                <a:latin typeface="Gill Sans MT" panose="020B0502020104020203" pitchFamily="34" charset="0"/>
+              </a:rPr>
+              <a:t>COMUNIDADES con COVARIABLES</a:t>
+            </a:r>
+            <a:endParaRPr lang="es-ES" sz="3200" dirty="0">
+              <a:solidFill>
+                <a:schemeClr val="accent2"/>
+              </a:solidFill>
+              <a:effectLst>
+                <a:outerShdw blurRad="38100" dist="38100" dir="2700000" algn="tl">
+                  <a:srgbClr val="000000">
+                    <a:alpha val="43137"/>
+                  </a:srgbClr>
+                </a:outerShdw>
+              </a:effectLst>
+              <a:latin typeface="Gill Sans MT" panose="020B0502020104020203" pitchFamily="34" charset="0"/>
+            </a:endParaRPr>
+          </a:p>
+        </p:txBody>
+      </p:sp>
+    </p:spTree>
+    <p:extLst>
+      <p:ext uri="{BB962C8B-B14F-4D97-AF65-F5344CB8AC3E}">
+        <p14:creationId xmlns:p14="http://schemas.microsoft.com/office/powerpoint/2010/main" val="3771396395"/>
+      </p:ext>
+    </p:extLst>
+  </p:cSld>
+  <p:clrMapOvr>
+    <a:masterClrMapping/>
+  </p:clrMapOvr>
+</p:sld>
+</file>
+
+<file path=ppt/slides/slide14.xml><?xml version="1.0" encoding="utf-8"?>
+<p:sld xmlns:a="http://schemas.openxmlformats.org/drawingml/2006/main" xmlns:r="http://schemas.openxmlformats.org/officeDocument/2006/relationships" xmlns:p="http://schemas.openxmlformats.org/presentationml/2006/main">
+  <p:cSld>
+    <p:spTree>
+      <p:nvGrpSpPr>
+        <p:cNvPr id="1" name=""/>
+        <p:cNvGrpSpPr/>
+        <p:nvPr/>
+      </p:nvGrpSpPr>
+      <p:grpSpPr>
+        <a:xfrm>
+          <a:off x="0" y="0"/>
+          <a:ext cx="0" cy="0"/>
+          <a:chOff x="0" y="0"/>
+          <a:chExt cx="0" cy="0"/>
+        </a:xfrm>
+      </p:grpSpPr>
+      <p:sp>
+        <p:nvSpPr>
+          <p:cNvPr id="7" name="TextBox 6"/>
+          <p:cNvSpPr txBox="1"/>
+          <p:nvPr/>
+        </p:nvSpPr>
+        <p:spPr>
+          <a:xfrm>
+            <a:off x="47746" y="140733"/>
+            <a:ext cx="9420798" cy="584775"/>
+          </a:xfrm>
+          <a:prstGeom prst="rect">
+            <a:avLst/>
+          </a:prstGeom>
+          <a:noFill/>
+        </p:spPr>
+        <p:txBody>
+          <a:bodyPr wrap="square" rtlCol="0">
+            <a:spAutoFit/>
+          </a:bodyPr>
+          <a:lstStyle/>
+          <a:p>
+            <a:r>
+              <a:rPr lang="es-ES" sz="3200" dirty="0" smtClean="0">
+                <a:solidFill>
+                  <a:schemeClr val="accent2"/>
+                </a:solidFill>
+                <a:effectLst>
+                  <a:outerShdw blurRad="38100" dist="38100" dir="2700000" algn="tl">
+                    <a:srgbClr val="000000">
+                      <a:alpha val="43137"/>
+                    </a:srgbClr>
+                  </a:outerShdw>
+                </a:effectLst>
+                <a:latin typeface="Gill Sans MT" panose="020B0502020104020203" pitchFamily="34" charset="0"/>
+              </a:rPr>
+              <a:t>MODELOS DE </a:t>
+            </a:r>
+            <a:r>
+              <a:rPr lang="es-ES" sz="3200" dirty="0" smtClean="0">
+                <a:solidFill>
+                  <a:schemeClr val="accent2"/>
+                </a:solidFill>
+                <a:effectLst>
+                  <a:outerShdw blurRad="38100" dist="38100" dir="2700000" algn="tl">
+                    <a:srgbClr val="000000">
+                      <a:alpha val="43137"/>
+                    </a:srgbClr>
+                  </a:outerShdw>
+                </a:effectLst>
+                <a:latin typeface="Gill Sans MT" panose="020B0502020104020203" pitchFamily="34" charset="0"/>
+              </a:rPr>
+              <a:t>COMUNIDADES con COVARIABLES</a:t>
+            </a:r>
+            <a:endParaRPr lang="es-ES" sz="3200" dirty="0">
+              <a:solidFill>
+                <a:schemeClr val="accent2"/>
+              </a:solidFill>
+              <a:effectLst>
+                <a:outerShdw blurRad="38100" dist="38100" dir="2700000" algn="tl">
+                  <a:srgbClr val="000000">
+                    <a:alpha val="43137"/>
+                  </a:srgbClr>
+                </a:outerShdw>
+              </a:effectLst>
+              <a:latin typeface="Gill Sans MT" panose="020B0502020104020203" pitchFamily="34" charset="0"/>
+            </a:endParaRPr>
+          </a:p>
+        </p:txBody>
+      </p:sp>
+      <p:pic>
+        <p:nvPicPr>
+          <p:cNvPr id="8" name="Picture 7"/>
+          <p:cNvPicPr>
+            <a:picLocks noChangeAspect="1"/>
+          </p:cNvPicPr>
+          <p:nvPr/>
+        </p:nvPicPr>
+        <p:blipFill>
+          <a:blip r:embed="rId2"/>
+          <a:stretch>
+            <a:fillRect/>
+          </a:stretch>
+        </p:blipFill>
+        <p:spPr>
+          <a:xfrm>
+            <a:off x="443013" y="1412776"/>
+            <a:ext cx="8257973" cy="3787874"/>
+          </a:xfrm>
+          <a:prstGeom prst="rect">
+            <a:avLst/>
+          </a:prstGeom>
+        </p:spPr>
+      </p:pic>
+      <p:sp>
+        <p:nvSpPr>
+          <p:cNvPr id="9" name="TextBox 8"/>
+          <p:cNvSpPr txBox="1"/>
+          <p:nvPr/>
+        </p:nvSpPr>
+        <p:spPr>
+          <a:xfrm>
+            <a:off x="611560" y="4365104"/>
+            <a:ext cx="1656184" cy="923330"/>
+          </a:xfrm>
+          <a:prstGeom prst="rect">
+            <a:avLst/>
+          </a:prstGeom>
+          <a:noFill/>
+        </p:spPr>
+        <p:txBody>
+          <a:bodyPr wrap="square" rtlCol="0">
+            <a:spAutoFit/>
+          </a:bodyPr>
+          <a:lstStyle/>
+          <a:p>
+            <a:r>
+              <a:rPr lang="es-ES" i="1" dirty="0" smtClean="0"/>
+              <a:t>k</a:t>
+            </a:r>
+            <a:r>
+              <a:rPr lang="es-ES" dirty="0" smtClean="0"/>
+              <a:t> especie</a:t>
+            </a:r>
+          </a:p>
+          <a:p>
+            <a:r>
+              <a:rPr lang="es-ES" i="1" dirty="0"/>
+              <a:t>i</a:t>
+            </a:r>
+            <a:r>
+              <a:rPr lang="es-ES" dirty="0" smtClean="0"/>
+              <a:t> sitio</a:t>
+            </a:r>
+          </a:p>
+          <a:p>
+            <a:r>
+              <a:rPr lang="es-ES" i="1" dirty="0" smtClean="0"/>
+              <a:t>j</a:t>
+            </a:r>
+            <a:r>
+              <a:rPr lang="es-ES" dirty="0" smtClean="0"/>
+              <a:t> repetición</a:t>
+            </a:r>
+            <a:endParaRPr lang="es-ES" dirty="0"/>
+          </a:p>
+        </p:txBody>
+      </p:sp>
+    </p:spTree>
+    <p:extLst>
+      <p:ext uri="{BB962C8B-B14F-4D97-AF65-F5344CB8AC3E}">
+        <p14:creationId xmlns:p14="http://schemas.microsoft.com/office/powerpoint/2010/main" val="3552907837"/>
+      </p:ext>
+    </p:extLst>
+  </p:cSld>
+  <p:clrMapOvr>
+    <a:masterClrMapping/>
+  </p:clrMapOvr>
+</p:sld>
+</file>
+
+<file path=ppt/slides/slide15.xml><?xml version="1.0" encoding="utf-8"?>
+<p:sld xmlns:a="http://schemas.openxmlformats.org/drawingml/2006/main" xmlns:r="http://schemas.openxmlformats.org/officeDocument/2006/relationships" xmlns:p="http://schemas.openxmlformats.org/presentationml/2006/main">
+  <p:cSld>
+    <p:spTree>
+      <p:nvGrpSpPr>
+        <p:cNvPr id="1" name=""/>
+        <p:cNvGrpSpPr/>
+        <p:nvPr/>
+      </p:nvGrpSpPr>
+      <p:grpSpPr>
+        <a:xfrm>
+          <a:off x="0" y="0"/>
+          <a:ext cx="0" cy="0"/>
+          <a:chOff x="0" y="0"/>
+          <a:chExt cx="0" cy="0"/>
+        </a:xfrm>
+      </p:grpSpPr>
+      <p:pic>
+        <p:nvPicPr>
+          <p:cNvPr id="2" name="Picture 2"/>
+          <p:cNvPicPr>
+            <a:picLocks noChangeAspect="1" noChangeArrowheads="1"/>
+          </p:cNvPicPr>
+          <p:nvPr/>
+        </p:nvPicPr>
+        <p:blipFill>
+          <a:blip r:embed="rId3">
+            <a:extLst>
+              <a:ext uri="{28A0092B-C50C-407E-A947-70E740481C1C}">
+                <a14:useLocalDpi xmlns:a14="http://schemas.microsoft.com/office/drawing/2010/main" val="0"/>
+              </a:ext>
+            </a:extLst>
+          </a:blip>
+          <a:srcRect/>
+          <a:stretch>
+            <a:fillRect/>
+          </a:stretch>
+        </p:blipFill>
+        <p:spPr bwMode="auto">
+          <a:xfrm>
+            <a:off x="971600" y="750912"/>
+            <a:ext cx="6083300" cy="5486400"/>
+          </a:xfrm>
+          <a:prstGeom prst="rect">
+            <a:avLst/>
+          </a:prstGeom>
+          <a:noFill/>
+          <a:extLst>
+            <a:ext uri="{909E8E84-426E-40DD-AFC4-6F175D3DCCD1}">
+              <a14:hiddenFill xmlns:a14="http://schemas.microsoft.com/office/drawing/2010/main">
+                <a:solidFill>
+                  <a:srgbClr val="FFFFFF"/>
+                </a:solidFill>
+              </a14:hiddenFill>
+            </a:ext>
+          </a:extLst>
+        </p:spPr>
+      </p:pic>
+      <p:sp>
+        <p:nvSpPr>
+          <p:cNvPr id="3" name="Rectangle 3"/>
+          <p:cNvSpPr>
+            <a:spLocks noChangeArrowheads="1"/>
+          </p:cNvSpPr>
+          <p:nvPr/>
+        </p:nvSpPr>
+        <p:spPr bwMode="auto">
+          <a:xfrm>
+            <a:off x="35496" y="6127750"/>
+            <a:ext cx="9359900" cy="584775"/>
+          </a:xfrm>
+          <a:prstGeom prst="rect">
+            <a:avLst/>
+          </a:prstGeom>
+          <a:noFill/>
+          <a:ln>
+            <a:noFill/>
+          </a:ln>
+          <a:effectLst/>
+          <a:extLst>
+            <a:ext uri="{909E8E84-426E-40DD-AFC4-6F175D3DCCD1}">
+              <a14:hiddenFill xmlns:a14="http://schemas.microsoft.com/office/drawing/2010/main">
+                <a:solidFill>
+                  <a:schemeClr val="accent1"/>
+                </a:solidFill>
+              </a14:hiddenFill>
+            </a:ext>
+            <a:ext uri="{91240B29-F687-4F45-9708-019B960494DF}">
+              <a14:hiddenLine xmlns:a14="http://schemas.microsoft.com/office/drawing/2010/main" w="9525">
+                <a:solidFill>
+                  <a:schemeClr val="tx1"/>
+                </a:solidFill>
+                <a:miter lim="800000"/>
+                <a:headEnd/>
+                <a:tailEnd/>
+              </a14:hiddenLine>
+            </a:ext>
+            <a:ext uri="{AF507438-7753-43E0-B8FC-AC1667EBCBE1}">
+              <a14:hiddenEffects xmlns:a14="http://schemas.microsoft.com/office/drawing/2010/main">
+                <a:effectLst>
+                  <a:outerShdw dist="35921" dir="2700000" algn="ctr" rotWithShape="0">
+                    <a:schemeClr val="bg2"/>
+                  </a:outerShdw>
+                </a:effectLst>
+              </a14:hiddenEffects>
+            </a:ext>
+          </a:extLst>
+        </p:spPr>
+        <p:txBody>
+          <a:bodyPr vert="horz" wrap="square" lIns="91440" tIns="45720" rIns="91440" bIns="45720" numCol="1" anchor="t" anchorCtr="0" compatLnSpc="1">
+            <a:prstTxWarp prst="textNoShape">
+              <a:avLst/>
+            </a:prstTxWarp>
+            <a:spAutoFit/>
+          </a:bodyPr>
+          <a:lstStyle>
+            <a:lvl1pPr marL="342900" indent="-342900" algn="l" rtl="0" fontAlgn="base">
+              <a:spcBef>
+                <a:spcPct val="20000"/>
+              </a:spcBef>
+              <a:spcAft>
+                <a:spcPct val="0"/>
+              </a:spcAft>
+              <a:buChar char="•"/>
+              <a:defRPr sz="3200" kern="1200">
+                <a:solidFill>
+                  <a:schemeClr val="tx1"/>
+                </a:solidFill>
+                <a:latin typeface="+mn-lt"/>
+                <a:ea typeface="+mn-ea"/>
+                <a:cs typeface="+mn-cs"/>
+              </a:defRPr>
+            </a:lvl1pPr>
+            <a:lvl2pPr marL="742950" indent="-285750" algn="l" rtl="0" fontAlgn="base">
+              <a:spcBef>
+                <a:spcPct val="20000"/>
+              </a:spcBef>
+              <a:spcAft>
+                <a:spcPct val="0"/>
+              </a:spcAft>
+              <a:buChar char="–"/>
+              <a:defRPr sz="2800" kern="1200">
+                <a:solidFill>
+                  <a:schemeClr val="tx1"/>
+                </a:solidFill>
+                <a:latin typeface="+mn-lt"/>
+                <a:ea typeface="+mn-ea"/>
+                <a:cs typeface="+mn-cs"/>
+              </a:defRPr>
+            </a:lvl2pPr>
+            <a:lvl3pPr marL="1143000" indent="-228600" algn="l" rtl="0" fontAlgn="base">
+              <a:spcBef>
+                <a:spcPct val="20000"/>
+              </a:spcBef>
+              <a:spcAft>
+                <a:spcPct val="0"/>
+              </a:spcAft>
+              <a:buChar char="•"/>
+              <a:defRPr sz="2400" kern="1200">
+                <a:solidFill>
+                  <a:schemeClr val="tx1"/>
+                </a:solidFill>
+                <a:latin typeface="+mn-lt"/>
+                <a:ea typeface="+mn-ea"/>
+                <a:cs typeface="+mn-cs"/>
+              </a:defRPr>
+            </a:lvl3pPr>
+            <a:lvl4pPr marL="1600200" indent="-228600" algn="l" rtl="0" fontAlgn="base">
+              <a:spcBef>
+                <a:spcPct val="20000"/>
+              </a:spcBef>
+              <a:spcAft>
+                <a:spcPct val="0"/>
+              </a:spcAft>
+              <a:buChar char="–"/>
+              <a:defRPr sz="2000" kern="1200">
+                <a:solidFill>
+                  <a:schemeClr val="tx1"/>
+                </a:solidFill>
+                <a:latin typeface="+mn-lt"/>
+                <a:ea typeface="+mn-ea"/>
+                <a:cs typeface="+mn-cs"/>
+              </a:defRPr>
+            </a:lvl4pPr>
+            <a:lvl5pPr marL="2057400" indent="-228600" algn="l" rtl="0" fontAlgn="base">
+              <a:spcBef>
+                <a:spcPct val="20000"/>
+              </a:spcBef>
+              <a:spcAft>
+                <a:spcPct val="0"/>
+              </a:spcAft>
+              <a:buChar char="»"/>
+              <a:defRPr sz="2000" kern="1200">
+                <a:solidFill>
+                  <a:schemeClr val="tx1"/>
+                </a:solidFill>
+                <a:latin typeface="+mn-lt"/>
+                <a:ea typeface="+mn-ea"/>
+                <a:cs typeface="+mn-cs"/>
+              </a:defRPr>
+            </a:lvl5pPr>
+            <a:lvl6pPr marL="2514600" indent="-228600" algn="l" defTabSz="914400" rtl="0" eaLnBrk="1" latinLnBrk="0" hangingPunct="1">
+              <a:lnSpc>
+                <a:spcPct val="90000"/>
+              </a:lnSpc>
+              <a:spcBef>
+                <a:spcPts val="500"/>
+              </a:spcBef>
+              <a:buFont typeface="Arial" panose="020B0604020202020204" pitchFamily="34" charset="0"/>
+              <a:buChar char="•"/>
+              <a:defRPr sz="1800" kern="1200">
+                <a:solidFill>
+                  <a:schemeClr val="tx1"/>
+                </a:solidFill>
+                <a:latin typeface="+mn-lt"/>
+                <a:ea typeface="+mn-ea"/>
+                <a:cs typeface="+mn-cs"/>
+              </a:defRPr>
+            </a:lvl6pPr>
+            <a:lvl7pPr marL="2971800" indent="-228600" algn="l" defTabSz="914400" rtl="0" eaLnBrk="1" latinLnBrk="0" hangingPunct="1">
+              <a:lnSpc>
+                <a:spcPct val="90000"/>
+              </a:lnSpc>
+              <a:spcBef>
+                <a:spcPts val="500"/>
+              </a:spcBef>
+              <a:buFont typeface="Arial" panose="020B0604020202020204" pitchFamily="34" charset="0"/>
+              <a:buChar char="•"/>
+              <a:defRPr sz="1800" kern="1200">
+                <a:solidFill>
+                  <a:schemeClr val="tx1"/>
+                </a:solidFill>
+                <a:latin typeface="+mn-lt"/>
+                <a:ea typeface="+mn-ea"/>
+                <a:cs typeface="+mn-cs"/>
+              </a:defRPr>
+            </a:lvl7pPr>
+            <a:lvl8pPr marL="3429000" indent="-228600" algn="l" defTabSz="914400" rtl="0" eaLnBrk="1" latinLnBrk="0" hangingPunct="1">
+              <a:lnSpc>
+                <a:spcPct val="90000"/>
+              </a:lnSpc>
+              <a:spcBef>
+                <a:spcPts val="500"/>
+              </a:spcBef>
+              <a:buFont typeface="Arial" panose="020B0604020202020204" pitchFamily="34" charset="0"/>
+              <a:buChar char="•"/>
+              <a:defRPr sz="1800" kern="1200">
+                <a:solidFill>
+                  <a:schemeClr val="tx1"/>
+                </a:solidFill>
+                <a:latin typeface="+mn-lt"/>
+                <a:ea typeface="+mn-ea"/>
+                <a:cs typeface="+mn-cs"/>
+              </a:defRPr>
+            </a:lvl8pPr>
+            <a:lvl9pPr marL="3886200" indent="-228600" algn="l" defTabSz="914400" rtl="0" eaLnBrk="1" latinLnBrk="0" hangingPunct="1">
+              <a:lnSpc>
+                <a:spcPct val="90000"/>
+              </a:lnSpc>
+              <a:spcBef>
+                <a:spcPts val="500"/>
+              </a:spcBef>
+              <a:buFont typeface="Arial" panose="020B0604020202020204" pitchFamily="34" charset="0"/>
+              <a:buChar char="•"/>
+              <a:defRPr sz="1800" kern="1200">
+                <a:solidFill>
+                  <a:schemeClr val="tx1"/>
+                </a:solidFill>
+                <a:latin typeface="+mn-lt"/>
+                <a:ea typeface="+mn-ea"/>
+                <a:cs typeface="+mn-cs"/>
+              </a:defRPr>
+            </a:lvl9pPr>
+          </a:lstStyle>
+          <a:p>
+            <a:pPr marL="0" indent="0">
+              <a:spcBef>
+                <a:spcPct val="0"/>
+              </a:spcBef>
+              <a:buNone/>
+            </a:pPr>
+            <a:r>
+              <a:rPr lang="en-US" altLang="es-ES" sz="1600" spc="-1" dirty="0">
+                <a:latin typeface="Arial"/>
+                <a:cs typeface="Arial" charset="0"/>
+              </a:rPr>
+              <a:t>Mean </a:t>
+            </a:r>
+            <a:r>
+              <a:rPr lang="en-US" altLang="es-ES" sz="1600" spc="-1" dirty="0">
+                <a:latin typeface="Arial"/>
+                <a:cs typeface="Arial" charset="0"/>
+              </a:rPr>
+              <a:t>occupancy (ψ^ ±SD, 95% BCI) for the complete study area during 2003–2012, in the regional bird monitoring program in Argentina for mostly Passeriformes species.</a:t>
+            </a:r>
+          </a:p>
+        </p:txBody>
+      </p:sp>
+      <p:pic>
+        <p:nvPicPr>
+          <p:cNvPr id="5" name="Picture 4"/>
+          <p:cNvPicPr>
+            <a:picLocks noChangeAspect="1"/>
+          </p:cNvPicPr>
+          <p:nvPr/>
+        </p:nvPicPr>
+        <p:blipFill>
+          <a:blip r:embed="rId4"/>
+          <a:stretch>
+            <a:fillRect/>
+          </a:stretch>
+        </p:blipFill>
+        <p:spPr>
+          <a:xfrm>
+            <a:off x="143446" y="1985"/>
+            <a:ext cx="8749034" cy="762719"/>
+          </a:xfrm>
+          <a:prstGeom prst="rect">
+            <a:avLst/>
+          </a:prstGeom>
+        </p:spPr>
+      </p:pic>
+      <p:sp>
+        <p:nvSpPr>
+          <p:cNvPr id="6" name="TextBox 5"/>
+          <p:cNvSpPr txBox="1"/>
+          <p:nvPr/>
+        </p:nvSpPr>
+        <p:spPr>
+          <a:xfrm>
+            <a:off x="7164288" y="5589240"/>
+            <a:ext cx="1935658" cy="338554"/>
+          </a:xfrm>
+          <a:prstGeom prst="rect">
+            <a:avLst/>
+          </a:prstGeom>
+          <a:noFill/>
+        </p:spPr>
+        <p:txBody>
+          <a:bodyPr wrap="none" rtlCol="0">
+            <a:spAutoFit/>
+          </a:bodyPr>
+          <a:lstStyle/>
+          <a:p>
+            <a:r>
+              <a:rPr lang="es-AR" sz="1600" dirty="0" smtClean="0"/>
+              <a:t>(Goijman et al. 2015)</a:t>
+            </a:r>
+            <a:endParaRPr lang="es-ES" sz="1600" dirty="0"/>
+          </a:p>
+        </p:txBody>
+      </p:sp>
+    </p:spTree>
+    <p:extLst>
+      <p:ext uri="{BB962C8B-B14F-4D97-AF65-F5344CB8AC3E}">
+        <p14:creationId xmlns:p14="http://schemas.microsoft.com/office/powerpoint/2010/main" val="2132905572"/>
+      </p:ext>
+    </p:extLst>
+  </p:cSld>
+  <p:clrMapOvr>
+    <a:masterClrMapping/>
+  </p:clrMapOvr>
+</p:sld>
+</file>
+
+<file path=ppt/slides/slide16.xml><?xml version="1.0" encoding="utf-8"?>
 <p:sld xmlns:a="http://schemas.openxmlformats.org/drawingml/2006/main" xmlns:r="http://schemas.openxmlformats.org/officeDocument/2006/relationships" xmlns:p="http://schemas.openxmlformats.org/presentationml/2006/main">
   <p:cSld>
     <p:spTree>
@@ -12917,8 +14185,8 @@
         </p:blipFill>
         <p:spPr bwMode="auto">
           <a:xfrm>
-            <a:off x="1517650" y="730250"/>
-            <a:ext cx="6083300" cy="5486400"/>
+            <a:off x="355476" y="266096"/>
+            <a:ext cx="8392988" cy="5755192"/>
           </a:xfrm>
           <a:prstGeom prst="rect">
             <a:avLst/>
@@ -12945,8 +14213,8 @@
         </p:nvSpPr>
         <p:spPr bwMode="auto">
           <a:xfrm>
-            <a:off x="-107950" y="146050"/>
-            <a:ext cx="9359900" cy="457200"/>
+            <a:off x="179512" y="6156593"/>
+            <a:ext cx="8712968" cy="584775"/>
           </a:xfrm>
           <a:prstGeom prst="rect">
             <a:avLst/>
@@ -13152,7 +14420,7 @@
             </a:lvl9pPr>
           </a:lstStyle>
           <a:p>
-            <a:pPr marL="0" indent="0" algn="ctr">
+            <a:pPr marL="0" indent="0">
               <a:spcBef>
                 <a:spcPct val="0"/>
               </a:spcBef>
@@ -13160,218 +14428,26 @@
               <a:buNone/>
             </a:pPr>
             <a:r>
-              <a:rPr lang="en-US" altLang="es-ES" sz="1600" b="1">
-                <a:solidFill>
-                  <a:schemeClr val="tx2"/>
-                </a:solidFill>
-              </a:rPr>
-              <a:t>Fig 4. Mean occupancy (ψ^ ±SD, 95% BCI) for the complete study area during 2003–2012, in the regional bird monitoring program in Argentina for mostly Passeriformes species.</a:t>
-            </a:r>
-          </a:p>
-        </p:txBody>
-      </p:sp>
-      <p:sp>
-        <p:nvSpPr>
-          <p:cNvPr id="4" name="Text Box 4"/>
-          <p:cNvSpPr txBox="1">
-            <a:spLocks noChangeArrowheads="1"/>
-          </p:cNvSpPr>
-          <p:nvPr/>
-        </p:nvSpPr>
-        <p:spPr bwMode="auto">
-          <a:xfrm>
-            <a:off x="-19050" y="6381750"/>
-            <a:ext cx="9182100" cy="330200"/>
-          </a:xfrm>
-          <a:prstGeom prst="rect">
-            <a:avLst/>
-          </a:prstGeom>
-          <a:noFill/>
-          <a:ln>
-            <a:noFill/>
-          </a:ln>
-          <a:effectLst/>
-          <a:extLst>
-            <a:ext uri="{909E8E84-426E-40DD-AFC4-6F175D3DCCD1}">
-              <a14:hiddenFill xmlns:a14="http://schemas.microsoft.com/office/drawing/2010/main">
-                <a:solidFill>
-                  <a:schemeClr val="accent1"/>
-                </a:solidFill>
-              </a14:hiddenFill>
-            </a:ext>
-            <a:ext uri="{91240B29-F687-4F45-9708-019B960494DF}">
-              <a14:hiddenLine xmlns:a14="http://schemas.microsoft.com/office/drawing/2010/main" w="9525">
-                <a:solidFill>
-                  <a:schemeClr val="tx1"/>
-                </a:solidFill>
-                <a:miter lim="800000"/>
-                <a:headEnd/>
-                <a:tailEnd/>
-              </a14:hiddenLine>
-            </a:ext>
-            <a:ext uri="{AF507438-7753-43E0-B8FC-AC1667EBCBE1}">
-              <a14:hiddenEffects xmlns:a14="http://schemas.microsoft.com/office/drawing/2010/main">
-                <a:effectLst>
-                  <a:outerShdw dist="35921" dir="2700000" algn="ctr" rotWithShape="0">
-                    <a:schemeClr val="bg2"/>
-                  </a:outerShdw>
-                </a:effectLst>
-              </a14:hiddenEffects>
-            </a:ext>
-          </a:extLst>
-        </p:spPr>
-        <p:txBody>
-          <a:bodyPr>
-            <a:spAutoFit/>
-          </a:bodyPr>
-          <a:lstStyle>
-            <a:defPPr>
-              <a:defRPr lang="en-US"/>
-            </a:defPPr>
-            <a:lvl1pPr algn="l" rtl="0" eaLnBrk="0" fontAlgn="base" hangingPunct="0">
-              <a:spcBef>
-                <a:spcPct val="0"/>
-              </a:spcBef>
-              <a:spcAft>
-                <a:spcPct val="0"/>
-              </a:spcAft>
-              <a:defRPr kern="1200">
-                <a:solidFill>
-                  <a:schemeClr val="tx1"/>
-                </a:solidFill>
-                <a:latin typeface="Arial" panose="020B0604020202020204" pitchFamily="34" charset="0"/>
-                <a:ea typeface="+mn-ea"/>
-                <a:cs typeface="+mn-cs"/>
-              </a:defRPr>
-            </a:lvl1pPr>
-            <a:lvl2pPr marL="457200" algn="l" rtl="0" eaLnBrk="0" fontAlgn="base" hangingPunct="0">
-              <a:spcBef>
-                <a:spcPct val="0"/>
-              </a:spcBef>
-              <a:spcAft>
-                <a:spcPct val="0"/>
-              </a:spcAft>
-              <a:defRPr kern="1200">
-                <a:solidFill>
-                  <a:schemeClr val="tx1"/>
-                </a:solidFill>
-                <a:latin typeface="Arial" panose="020B0604020202020204" pitchFamily="34" charset="0"/>
-                <a:ea typeface="+mn-ea"/>
-                <a:cs typeface="+mn-cs"/>
-              </a:defRPr>
-            </a:lvl2pPr>
-            <a:lvl3pPr marL="914400" algn="l" rtl="0" eaLnBrk="0" fontAlgn="base" hangingPunct="0">
-              <a:spcBef>
-                <a:spcPct val="0"/>
-              </a:spcBef>
-              <a:spcAft>
-                <a:spcPct val="0"/>
-              </a:spcAft>
-              <a:defRPr kern="1200">
-                <a:solidFill>
-                  <a:schemeClr val="tx1"/>
-                </a:solidFill>
-                <a:latin typeface="Arial" panose="020B0604020202020204" pitchFamily="34" charset="0"/>
-                <a:ea typeface="+mn-ea"/>
-                <a:cs typeface="+mn-cs"/>
-              </a:defRPr>
-            </a:lvl3pPr>
-            <a:lvl4pPr marL="1371600" algn="l" rtl="0" eaLnBrk="0" fontAlgn="base" hangingPunct="0">
-              <a:spcBef>
-                <a:spcPct val="0"/>
-              </a:spcBef>
-              <a:spcAft>
-                <a:spcPct val="0"/>
-              </a:spcAft>
-              <a:defRPr kern="1200">
-                <a:solidFill>
-                  <a:schemeClr val="tx1"/>
-                </a:solidFill>
-                <a:latin typeface="Arial" panose="020B0604020202020204" pitchFamily="34" charset="0"/>
-                <a:ea typeface="+mn-ea"/>
-                <a:cs typeface="+mn-cs"/>
-              </a:defRPr>
-            </a:lvl4pPr>
-            <a:lvl5pPr marL="1828800" algn="l" rtl="0" eaLnBrk="0" fontAlgn="base" hangingPunct="0">
-              <a:spcBef>
-                <a:spcPct val="0"/>
-              </a:spcBef>
-              <a:spcAft>
-                <a:spcPct val="0"/>
-              </a:spcAft>
-              <a:defRPr kern="1200">
-                <a:solidFill>
-                  <a:schemeClr val="tx1"/>
-                </a:solidFill>
-                <a:latin typeface="Arial" panose="020B0604020202020204" pitchFamily="34" charset="0"/>
-                <a:ea typeface="+mn-ea"/>
-                <a:cs typeface="+mn-cs"/>
-              </a:defRPr>
-            </a:lvl5pPr>
-            <a:lvl6pPr marL="2286000" algn="l" defTabSz="914400" rtl="0" eaLnBrk="1" latinLnBrk="0" hangingPunct="1">
-              <a:defRPr kern="1200">
-                <a:solidFill>
-                  <a:schemeClr val="tx1"/>
-                </a:solidFill>
-                <a:latin typeface="Arial" panose="020B0604020202020204" pitchFamily="34" charset="0"/>
-                <a:ea typeface="+mn-ea"/>
-                <a:cs typeface="+mn-cs"/>
-              </a:defRPr>
-            </a:lvl6pPr>
-            <a:lvl7pPr marL="2743200" algn="l" defTabSz="914400" rtl="0" eaLnBrk="1" latinLnBrk="0" hangingPunct="1">
-              <a:defRPr kern="1200">
-                <a:solidFill>
-                  <a:schemeClr val="tx1"/>
-                </a:solidFill>
-                <a:latin typeface="Arial" panose="020B0604020202020204" pitchFamily="34" charset="0"/>
-                <a:ea typeface="+mn-ea"/>
-                <a:cs typeface="+mn-cs"/>
-              </a:defRPr>
-            </a:lvl7pPr>
-            <a:lvl8pPr marL="3200400" algn="l" defTabSz="914400" rtl="0" eaLnBrk="1" latinLnBrk="0" hangingPunct="1">
-              <a:defRPr kern="1200">
-                <a:solidFill>
-                  <a:schemeClr val="tx1"/>
-                </a:solidFill>
-                <a:latin typeface="Arial" panose="020B0604020202020204" pitchFamily="34" charset="0"/>
-                <a:ea typeface="+mn-ea"/>
-                <a:cs typeface="+mn-cs"/>
-              </a:defRPr>
-            </a:lvl8pPr>
-            <a:lvl9pPr marL="3657600" algn="l" defTabSz="914400" rtl="0" eaLnBrk="1" latinLnBrk="0" hangingPunct="1">
-              <a:defRPr kern="1200">
-                <a:solidFill>
-                  <a:schemeClr val="tx1"/>
-                </a:solidFill>
-                <a:latin typeface="Arial" panose="020B0604020202020204" pitchFamily="34" charset="0"/>
-                <a:ea typeface="+mn-ea"/>
-                <a:cs typeface="+mn-cs"/>
-              </a:defRPr>
-            </a:lvl9pPr>
-          </a:lstStyle>
-          <a:p>
-            <a:pPr eaLnBrk="1" hangingPunct="1"/>
-            <a:r>
-              <a:rPr lang="en-US" altLang="es-ES" sz="1200"/>
-              <a:t>Goijman AP, Conroy MJ, Bernardos JN, Zaccagnini ME (2015) Multi-Season Regional Analysis of Multi-Species Occupancy: Implications for Bird Conservation in Agricultural Lands in East-Central Argentina. PLOS ONE 10(6): e0130874. https://doi.org/10.1371/journal.pone.0130874</a:t>
-            </a:r>
-          </a:p>
-          <a:p>
-            <a:pPr eaLnBrk="1" hangingPunct="1"/>
-            <a:r>
-              <a:rPr lang="en-US" altLang="es-ES" sz="1200">
-                <a:hlinkClick r:id="rId3"/>
-              </a:rPr>
-              <a:t>https://journals.plos.org/plosone/article?id=10.1371/journal.pone.0130874</a:t>
-            </a:r>
-            <a:endParaRPr lang="en-US" altLang="es-ES" sz="1200"/>
+              <a:rPr lang="en-US" altLang="es-ES" sz="1600" spc="-1" dirty="0">
+                <a:latin typeface="Arial"/>
+                <a:cs typeface="Arial" charset="0"/>
+              </a:rPr>
+              <a:t>Soybean </a:t>
+            </a:r>
+            <a:r>
+              <a:rPr lang="en-US" altLang="es-ES" sz="1600" spc="-1" dirty="0">
+                <a:latin typeface="Arial"/>
+                <a:cs typeface="Arial" charset="0"/>
+              </a:rPr>
+              <a:t>coefficients in the logit scale (β^ ±SD, 95% BCI) on logit occupancy (logit ψ^) of each bird species in the regional bird monitoring program in Argentina, 2003–2012.</a:t>
+            </a:r>
           </a:p>
         </p:txBody>
       </p:sp>
     </p:spTree>
     <p:extLst>
       <p:ext uri="{BB962C8B-B14F-4D97-AF65-F5344CB8AC3E}">
-        <p14:creationId xmlns:p14="http://schemas.microsoft.com/office/powerpoint/2010/main" val="2132905572"/>
+        <p14:creationId xmlns:p14="http://schemas.microsoft.com/office/powerpoint/2010/main" val="1519560117"/>
       </p:ext>
     </p:extLst>
   </p:cSld>
@@ -13381,7 +14457,7 @@
 </p:sld>
 </file>
 
-<file path=ppt/slides/slide13.xml><?xml version="1.0" encoding="utf-8"?>
+<file path=ppt/slides/slide17.xml><?xml version="1.0" encoding="utf-8"?>
 <p:sld xmlns:a="http://schemas.openxmlformats.org/drawingml/2006/main" xmlns:r="http://schemas.openxmlformats.org/officeDocument/2006/relationships" xmlns:p="http://schemas.openxmlformats.org/presentationml/2006/main">
   <p:cSld>
     <p:spTree>
@@ -13400,598 +14476,19 @@
       </p:grpSpPr>
       <p:pic>
         <p:nvPicPr>
-          <p:cNvPr id="2" name="Picture 2"/>
-          <p:cNvPicPr>
-            <a:picLocks noChangeAspect="1" noChangeArrowheads="1"/>
-          </p:cNvPicPr>
-          <p:nvPr/>
-        </p:nvPicPr>
-        <p:blipFill>
-          <a:blip r:embed="rId2">
-            <a:extLst>
-              <a:ext uri="{28A0092B-C50C-407E-A947-70E740481C1C}">
-                <a14:useLocalDpi xmlns:a14="http://schemas.microsoft.com/office/drawing/2010/main" val="0"/>
-              </a:ext>
-            </a:extLst>
-          </a:blip>
-          <a:srcRect/>
-          <a:stretch>
-            <a:fillRect/>
-          </a:stretch>
-        </p:blipFill>
-        <p:spPr bwMode="auto">
-          <a:xfrm>
-            <a:off x="565150" y="730250"/>
-            <a:ext cx="8001000" cy="5486400"/>
-          </a:xfrm>
-          <a:prstGeom prst="rect">
-            <a:avLst/>
-          </a:prstGeom>
-          <a:noFill/>
-          <a:extLst>
-            <a:ext uri="{909E8E84-426E-40DD-AFC4-6F175D3DCCD1}">
-              <a14:hiddenFill xmlns:a14="http://schemas.microsoft.com/office/drawing/2010/main">
-                <a:solidFill>
-                  <a:srgbClr val="FFFFFF"/>
-                </a:solidFill>
-              </a14:hiddenFill>
-            </a:ext>
-          </a:extLst>
-        </p:spPr>
-      </p:pic>
-      <p:sp>
-        <p:nvSpPr>
-          <p:cNvPr id="3" name="Rectangle 3"/>
-          <p:cNvSpPr>
-            <a:spLocks noChangeArrowheads="1"/>
-          </p:cNvSpPr>
-          <p:nvPr/>
-        </p:nvSpPr>
-        <p:spPr bwMode="auto">
-          <a:xfrm>
-            <a:off x="-107950" y="146050"/>
-            <a:ext cx="9359900" cy="457200"/>
-          </a:xfrm>
-          <a:prstGeom prst="rect">
-            <a:avLst/>
-          </a:prstGeom>
-          <a:noFill/>
-          <a:ln>
-            <a:noFill/>
-          </a:ln>
-          <a:effectLst/>
-          <a:extLst>
-            <a:ext uri="{909E8E84-426E-40DD-AFC4-6F175D3DCCD1}">
-              <a14:hiddenFill xmlns:a14="http://schemas.microsoft.com/office/drawing/2010/main">
-                <a:solidFill>
-                  <a:schemeClr val="accent1"/>
-                </a:solidFill>
-              </a14:hiddenFill>
-            </a:ext>
-            <a:ext uri="{91240B29-F687-4F45-9708-019B960494DF}">
-              <a14:hiddenLine xmlns:a14="http://schemas.microsoft.com/office/drawing/2010/main" w="9525">
-                <a:solidFill>
-                  <a:schemeClr val="tx1"/>
-                </a:solidFill>
-                <a:miter lim="800000"/>
-                <a:headEnd/>
-                <a:tailEnd/>
-              </a14:hiddenLine>
-            </a:ext>
-            <a:ext uri="{AF507438-7753-43E0-B8FC-AC1667EBCBE1}">
-              <a14:hiddenEffects xmlns:a14="http://schemas.microsoft.com/office/drawing/2010/main">
-                <a:effectLst>
-                  <a:outerShdw dist="35921" dir="2700000" algn="ctr" rotWithShape="0">
-                    <a:schemeClr val="bg2"/>
-                  </a:outerShdw>
-                </a:effectLst>
-              </a14:hiddenEffects>
-            </a:ext>
-          </a:extLst>
-        </p:spPr>
-        <p:txBody>
-          <a:bodyPr vert="horz" wrap="square" lIns="91440" tIns="45720" rIns="91440" bIns="45720" numCol="1" anchor="t" anchorCtr="0" compatLnSpc="1">
-            <a:prstTxWarp prst="textNoShape">
-              <a:avLst/>
-            </a:prstTxWarp>
-            <a:spAutoFit/>
-          </a:bodyPr>
-          <a:lstStyle>
-            <a:lvl1pPr marL="342900" indent="-342900" algn="l" rtl="0" fontAlgn="base">
-              <a:spcBef>
-                <a:spcPct val="20000"/>
-              </a:spcBef>
-              <a:spcAft>
-                <a:spcPct val="0"/>
-              </a:spcAft>
-              <a:buChar char="•"/>
-              <a:defRPr sz="3200" kern="1200">
-                <a:solidFill>
-                  <a:schemeClr val="tx1"/>
-                </a:solidFill>
-                <a:latin typeface="+mn-lt"/>
-                <a:ea typeface="+mn-ea"/>
-                <a:cs typeface="+mn-cs"/>
-              </a:defRPr>
-            </a:lvl1pPr>
-            <a:lvl2pPr marL="742950" indent="-285750" algn="l" rtl="0" fontAlgn="base">
-              <a:spcBef>
-                <a:spcPct val="20000"/>
-              </a:spcBef>
-              <a:spcAft>
-                <a:spcPct val="0"/>
-              </a:spcAft>
-              <a:buChar char="–"/>
-              <a:defRPr sz="2800" kern="1200">
-                <a:solidFill>
-                  <a:schemeClr val="tx1"/>
-                </a:solidFill>
-                <a:latin typeface="+mn-lt"/>
-                <a:ea typeface="+mn-ea"/>
-                <a:cs typeface="+mn-cs"/>
-              </a:defRPr>
-            </a:lvl2pPr>
-            <a:lvl3pPr marL="1143000" indent="-228600" algn="l" rtl="0" fontAlgn="base">
-              <a:spcBef>
-                <a:spcPct val="20000"/>
-              </a:spcBef>
-              <a:spcAft>
-                <a:spcPct val="0"/>
-              </a:spcAft>
-              <a:buChar char="•"/>
-              <a:defRPr sz="2400" kern="1200">
-                <a:solidFill>
-                  <a:schemeClr val="tx1"/>
-                </a:solidFill>
-                <a:latin typeface="+mn-lt"/>
-                <a:ea typeface="+mn-ea"/>
-                <a:cs typeface="+mn-cs"/>
-              </a:defRPr>
-            </a:lvl3pPr>
-            <a:lvl4pPr marL="1600200" indent="-228600" algn="l" rtl="0" fontAlgn="base">
-              <a:spcBef>
-                <a:spcPct val="20000"/>
-              </a:spcBef>
-              <a:spcAft>
-                <a:spcPct val="0"/>
-              </a:spcAft>
-              <a:buChar char="–"/>
-              <a:defRPr sz="2000" kern="1200">
-                <a:solidFill>
-                  <a:schemeClr val="tx1"/>
-                </a:solidFill>
-                <a:latin typeface="+mn-lt"/>
-                <a:ea typeface="+mn-ea"/>
-                <a:cs typeface="+mn-cs"/>
-              </a:defRPr>
-            </a:lvl4pPr>
-            <a:lvl5pPr marL="2057400" indent="-228600" algn="l" rtl="0" fontAlgn="base">
-              <a:spcBef>
-                <a:spcPct val="20000"/>
-              </a:spcBef>
-              <a:spcAft>
-                <a:spcPct val="0"/>
-              </a:spcAft>
-              <a:buChar char="»"/>
-              <a:defRPr sz="2000" kern="1200">
-                <a:solidFill>
-                  <a:schemeClr val="tx1"/>
-                </a:solidFill>
-                <a:latin typeface="+mn-lt"/>
-                <a:ea typeface="+mn-ea"/>
-                <a:cs typeface="+mn-cs"/>
-              </a:defRPr>
-            </a:lvl5pPr>
-            <a:lvl6pPr marL="2514600" indent="-228600" algn="l" defTabSz="914400" rtl="0" eaLnBrk="1" latinLnBrk="0" hangingPunct="1">
-              <a:lnSpc>
-                <a:spcPct val="90000"/>
-              </a:lnSpc>
-              <a:spcBef>
-                <a:spcPts val="500"/>
-              </a:spcBef>
-              <a:buFont typeface="Arial" panose="020B0604020202020204" pitchFamily="34" charset="0"/>
-              <a:buChar char="•"/>
-              <a:defRPr sz="1800" kern="1200">
-                <a:solidFill>
-                  <a:schemeClr val="tx1"/>
-                </a:solidFill>
-                <a:latin typeface="+mn-lt"/>
-                <a:ea typeface="+mn-ea"/>
-                <a:cs typeface="+mn-cs"/>
-              </a:defRPr>
-            </a:lvl6pPr>
-            <a:lvl7pPr marL="2971800" indent="-228600" algn="l" defTabSz="914400" rtl="0" eaLnBrk="1" latinLnBrk="0" hangingPunct="1">
-              <a:lnSpc>
-                <a:spcPct val="90000"/>
-              </a:lnSpc>
-              <a:spcBef>
-                <a:spcPts val="500"/>
-              </a:spcBef>
-              <a:buFont typeface="Arial" panose="020B0604020202020204" pitchFamily="34" charset="0"/>
-              <a:buChar char="•"/>
-              <a:defRPr sz="1800" kern="1200">
-                <a:solidFill>
-                  <a:schemeClr val="tx1"/>
-                </a:solidFill>
-                <a:latin typeface="+mn-lt"/>
-                <a:ea typeface="+mn-ea"/>
-                <a:cs typeface="+mn-cs"/>
-              </a:defRPr>
-            </a:lvl7pPr>
-            <a:lvl8pPr marL="3429000" indent="-228600" algn="l" defTabSz="914400" rtl="0" eaLnBrk="1" latinLnBrk="0" hangingPunct="1">
-              <a:lnSpc>
-                <a:spcPct val="90000"/>
-              </a:lnSpc>
-              <a:spcBef>
-                <a:spcPts val="500"/>
-              </a:spcBef>
-              <a:buFont typeface="Arial" panose="020B0604020202020204" pitchFamily="34" charset="0"/>
-              <a:buChar char="•"/>
-              <a:defRPr sz="1800" kern="1200">
-                <a:solidFill>
-                  <a:schemeClr val="tx1"/>
-                </a:solidFill>
-                <a:latin typeface="+mn-lt"/>
-                <a:ea typeface="+mn-ea"/>
-                <a:cs typeface="+mn-cs"/>
-              </a:defRPr>
-            </a:lvl8pPr>
-            <a:lvl9pPr marL="3886200" indent="-228600" algn="l" defTabSz="914400" rtl="0" eaLnBrk="1" latinLnBrk="0" hangingPunct="1">
-              <a:lnSpc>
-                <a:spcPct val="90000"/>
-              </a:lnSpc>
-              <a:spcBef>
-                <a:spcPts val="500"/>
-              </a:spcBef>
-              <a:buFont typeface="Arial" panose="020B0604020202020204" pitchFamily="34" charset="0"/>
-              <a:buChar char="•"/>
-              <a:defRPr sz="1800" kern="1200">
-                <a:solidFill>
-                  <a:schemeClr val="tx1"/>
-                </a:solidFill>
-                <a:latin typeface="+mn-lt"/>
-                <a:ea typeface="+mn-ea"/>
-                <a:cs typeface="+mn-cs"/>
-              </a:defRPr>
-            </a:lvl9pPr>
-          </a:lstStyle>
-          <a:p>
-            <a:pPr marL="0" indent="0" algn="ctr">
-              <a:spcBef>
-                <a:spcPct val="0"/>
-              </a:spcBef>
-              <a:buFontTx/>
-              <a:buNone/>
-            </a:pPr>
-            <a:r>
-              <a:rPr lang="en-US" altLang="es-ES" sz="1600" b="1">
-                <a:solidFill>
-                  <a:schemeClr val="tx2"/>
-                </a:solidFill>
-              </a:rPr>
-              <a:t>Fig 6. Soybean coefficients in the logit scale (β^ ±SD, 95% BCI) on logit occupancy (logit ψ^) of each bird species in the regional bird monitoring program in Argentina, 2003–2012.</a:t>
-            </a:r>
-          </a:p>
-        </p:txBody>
-      </p:sp>
-      <p:sp>
-        <p:nvSpPr>
-          <p:cNvPr id="4" name="Text Box 4"/>
-          <p:cNvSpPr txBox="1">
-            <a:spLocks noChangeArrowheads="1"/>
-          </p:cNvSpPr>
-          <p:nvPr/>
-        </p:nvSpPr>
-        <p:spPr bwMode="auto">
-          <a:xfrm>
-            <a:off x="-19050" y="6381750"/>
-            <a:ext cx="9182100" cy="330200"/>
-          </a:xfrm>
-          <a:prstGeom prst="rect">
-            <a:avLst/>
-          </a:prstGeom>
-          <a:noFill/>
-          <a:ln>
-            <a:noFill/>
-          </a:ln>
-          <a:effectLst/>
-          <a:extLst>
-            <a:ext uri="{909E8E84-426E-40DD-AFC4-6F175D3DCCD1}">
-              <a14:hiddenFill xmlns:a14="http://schemas.microsoft.com/office/drawing/2010/main">
-                <a:solidFill>
-                  <a:schemeClr val="accent1"/>
-                </a:solidFill>
-              </a14:hiddenFill>
-            </a:ext>
-            <a:ext uri="{91240B29-F687-4F45-9708-019B960494DF}">
-              <a14:hiddenLine xmlns:a14="http://schemas.microsoft.com/office/drawing/2010/main" w="9525">
-                <a:solidFill>
-                  <a:schemeClr val="tx1"/>
-                </a:solidFill>
-                <a:miter lim="800000"/>
-                <a:headEnd/>
-                <a:tailEnd/>
-              </a14:hiddenLine>
-            </a:ext>
-            <a:ext uri="{AF507438-7753-43E0-B8FC-AC1667EBCBE1}">
-              <a14:hiddenEffects xmlns:a14="http://schemas.microsoft.com/office/drawing/2010/main">
-                <a:effectLst>
-                  <a:outerShdw dist="35921" dir="2700000" algn="ctr" rotWithShape="0">
-                    <a:schemeClr val="bg2"/>
-                  </a:outerShdw>
-                </a:effectLst>
-              </a14:hiddenEffects>
-            </a:ext>
-          </a:extLst>
-        </p:spPr>
-        <p:txBody>
-          <a:bodyPr>
-            <a:spAutoFit/>
-          </a:bodyPr>
-          <a:lstStyle>
-            <a:defPPr>
-              <a:defRPr lang="en-US"/>
-            </a:defPPr>
-            <a:lvl1pPr algn="l" rtl="0" eaLnBrk="0" fontAlgn="base" hangingPunct="0">
-              <a:spcBef>
-                <a:spcPct val="0"/>
-              </a:spcBef>
-              <a:spcAft>
-                <a:spcPct val="0"/>
-              </a:spcAft>
-              <a:defRPr kern="1200">
-                <a:solidFill>
-                  <a:schemeClr val="tx1"/>
-                </a:solidFill>
-                <a:latin typeface="Arial" panose="020B0604020202020204" pitchFamily="34" charset="0"/>
-                <a:ea typeface="+mn-ea"/>
-                <a:cs typeface="+mn-cs"/>
-              </a:defRPr>
-            </a:lvl1pPr>
-            <a:lvl2pPr marL="457200" algn="l" rtl="0" eaLnBrk="0" fontAlgn="base" hangingPunct="0">
-              <a:spcBef>
-                <a:spcPct val="0"/>
-              </a:spcBef>
-              <a:spcAft>
-                <a:spcPct val="0"/>
-              </a:spcAft>
-              <a:defRPr kern="1200">
-                <a:solidFill>
-                  <a:schemeClr val="tx1"/>
-                </a:solidFill>
-                <a:latin typeface="Arial" panose="020B0604020202020204" pitchFamily="34" charset="0"/>
-                <a:ea typeface="+mn-ea"/>
-                <a:cs typeface="+mn-cs"/>
-              </a:defRPr>
-            </a:lvl2pPr>
-            <a:lvl3pPr marL="914400" algn="l" rtl="0" eaLnBrk="0" fontAlgn="base" hangingPunct="0">
-              <a:spcBef>
-                <a:spcPct val="0"/>
-              </a:spcBef>
-              <a:spcAft>
-                <a:spcPct val="0"/>
-              </a:spcAft>
-              <a:defRPr kern="1200">
-                <a:solidFill>
-                  <a:schemeClr val="tx1"/>
-                </a:solidFill>
-                <a:latin typeface="Arial" panose="020B0604020202020204" pitchFamily="34" charset="0"/>
-                <a:ea typeface="+mn-ea"/>
-                <a:cs typeface="+mn-cs"/>
-              </a:defRPr>
-            </a:lvl3pPr>
-            <a:lvl4pPr marL="1371600" algn="l" rtl="0" eaLnBrk="0" fontAlgn="base" hangingPunct="0">
-              <a:spcBef>
-                <a:spcPct val="0"/>
-              </a:spcBef>
-              <a:spcAft>
-                <a:spcPct val="0"/>
-              </a:spcAft>
-              <a:defRPr kern="1200">
-                <a:solidFill>
-                  <a:schemeClr val="tx1"/>
-                </a:solidFill>
-                <a:latin typeface="Arial" panose="020B0604020202020204" pitchFamily="34" charset="0"/>
-                <a:ea typeface="+mn-ea"/>
-                <a:cs typeface="+mn-cs"/>
-              </a:defRPr>
-            </a:lvl4pPr>
-            <a:lvl5pPr marL="1828800" algn="l" rtl="0" eaLnBrk="0" fontAlgn="base" hangingPunct="0">
-              <a:spcBef>
-                <a:spcPct val="0"/>
-              </a:spcBef>
-              <a:spcAft>
-                <a:spcPct val="0"/>
-              </a:spcAft>
-              <a:defRPr kern="1200">
-                <a:solidFill>
-                  <a:schemeClr val="tx1"/>
-                </a:solidFill>
-                <a:latin typeface="Arial" panose="020B0604020202020204" pitchFamily="34" charset="0"/>
-                <a:ea typeface="+mn-ea"/>
-                <a:cs typeface="+mn-cs"/>
-              </a:defRPr>
-            </a:lvl5pPr>
-            <a:lvl6pPr marL="2286000" algn="l" defTabSz="914400" rtl="0" eaLnBrk="1" latinLnBrk="0" hangingPunct="1">
-              <a:defRPr kern="1200">
-                <a:solidFill>
-                  <a:schemeClr val="tx1"/>
-                </a:solidFill>
-                <a:latin typeface="Arial" panose="020B0604020202020204" pitchFamily="34" charset="0"/>
-                <a:ea typeface="+mn-ea"/>
-                <a:cs typeface="+mn-cs"/>
-              </a:defRPr>
-            </a:lvl6pPr>
-            <a:lvl7pPr marL="2743200" algn="l" defTabSz="914400" rtl="0" eaLnBrk="1" latinLnBrk="0" hangingPunct="1">
-              <a:defRPr kern="1200">
-                <a:solidFill>
-                  <a:schemeClr val="tx1"/>
-                </a:solidFill>
-                <a:latin typeface="Arial" panose="020B0604020202020204" pitchFamily="34" charset="0"/>
-                <a:ea typeface="+mn-ea"/>
-                <a:cs typeface="+mn-cs"/>
-              </a:defRPr>
-            </a:lvl7pPr>
-            <a:lvl8pPr marL="3200400" algn="l" defTabSz="914400" rtl="0" eaLnBrk="1" latinLnBrk="0" hangingPunct="1">
-              <a:defRPr kern="1200">
-                <a:solidFill>
-                  <a:schemeClr val="tx1"/>
-                </a:solidFill>
-                <a:latin typeface="Arial" panose="020B0604020202020204" pitchFamily="34" charset="0"/>
-                <a:ea typeface="+mn-ea"/>
-                <a:cs typeface="+mn-cs"/>
-              </a:defRPr>
-            </a:lvl8pPr>
-            <a:lvl9pPr marL="3657600" algn="l" defTabSz="914400" rtl="0" eaLnBrk="1" latinLnBrk="0" hangingPunct="1">
-              <a:defRPr kern="1200">
-                <a:solidFill>
-                  <a:schemeClr val="tx1"/>
-                </a:solidFill>
-                <a:latin typeface="Arial" panose="020B0604020202020204" pitchFamily="34" charset="0"/>
-                <a:ea typeface="+mn-ea"/>
-                <a:cs typeface="+mn-cs"/>
-              </a:defRPr>
-            </a:lvl9pPr>
-          </a:lstStyle>
-          <a:p>
-            <a:pPr eaLnBrk="1" hangingPunct="1"/>
-            <a:r>
-              <a:rPr lang="en-US" altLang="es-ES" sz="1200"/>
-              <a:t>Goijman AP, Conroy MJ, Bernardos JN, Zaccagnini ME (2015) Multi-Season Regional Analysis of Multi-Species Occupancy: Implications for Bird Conservation in Agricultural Lands in East-Central Argentina. PLOS ONE 10(6): e0130874. https://doi.org/10.1371/journal.pone.0130874</a:t>
-            </a:r>
-          </a:p>
-          <a:p>
-            <a:pPr eaLnBrk="1" hangingPunct="1"/>
-            <a:r>
-              <a:rPr lang="en-US" altLang="es-ES" sz="1200">
-                <a:hlinkClick r:id="rId3"/>
-              </a:rPr>
-              <a:t>https://journals.plos.org/plosone/article?id=10.1371/journal.pone.0130874</a:t>
-            </a:r>
-            <a:endParaRPr lang="en-US" altLang="es-ES" sz="1200"/>
-          </a:p>
-        </p:txBody>
-      </p:sp>
-    </p:spTree>
-    <p:extLst>
-      <p:ext uri="{BB962C8B-B14F-4D97-AF65-F5344CB8AC3E}">
-        <p14:creationId xmlns:p14="http://schemas.microsoft.com/office/powerpoint/2010/main" val="1519560117"/>
-      </p:ext>
-    </p:extLst>
-  </p:cSld>
-  <p:clrMapOvr>
-    <a:masterClrMapping/>
-  </p:clrMapOvr>
-</p:sld>
-</file>
-
-<file path=ppt/slides/slide14.xml><?xml version="1.0" encoding="utf-8"?>
-<p:sld xmlns:a="http://schemas.openxmlformats.org/drawingml/2006/main" xmlns:r="http://schemas.openxmlformats.org/officeDocument/2006/relationships" xmlns:p="http://schemas.openxmlformats.org/presentationml/2006/main">
-  <p:cSld>
-    <p:spTree>
-      <p:nvGrpSpPr>
-        <p:cNvPr id="1" name=""/>
-        <p:cNvGrpSpPr/>
-        <p:nvPr/>
-      </p:nvGrpSpPr>
-      <p:grpSpPr>
-        <a:xfrm>
-          <a:off x="0" y="0"/>
-          <a:ext cx="0" cy="0"/>
-          <a:chOff x="0" y="0"/>
-          <a:chExt cx="0" cy="0"/>
-        </a:xfrm>
-      </p:grpSpPr>
-      <p:sp>
-        <p:nvSpPr>
-          <p:cNvPr id="2" name="TextShape 1"/>
-          <p:cNvSpPr txBox="1"/>
-          <p:nvPr/>
-        </p:nvSpPr>
-        <p:spPr>
-          <a:xfrm>
-            <a:off x="1260000" y="152280"/>
-            <a:ext cx="7200000" cy="451800"/>
-          </a:xfrm>
-          <a:prstGeom prst="rect">
-            <a:avLst/>
-          </a:prstGeom>
-          <a:noFill/>
-          <a:ln>
-            <a:noFill/>
-          </a:ln>
-        </p:spPr>
-        <p:txBody>
-          <a:bodyPr lIns="90000" tIns="46800" rIns="90000" bIns="46800"/>
-          <a:lstStyle/>
-          <a:p>
-            <a:r>
-              <a:rPr lang="en-US" sz="1100" b="0" strike="noStrike" spc="-1">
-                <a:solidFill>
-                  <a:srgbClr val="000000"/>
-                </a:solidFill>
-                <a:latin typeface="Arial"/>
-              </a:rPr>
-              <a:t>Trade‐offs between biodiversity and agriculture are moving targets in dynamic landscapes</a:t>
-            </a:r>
-          </a:p>
-        </p:txBody>
-      </p:sp>
-      <p:sp>
-        <p:nvSpPr>
-          <p:cNvPr id="3" name="TextShape 2"/>
-          <p:cNvSpPr txBox="1"/>
-          <p:nvPr/>
-        </p:nvSpPr>
-        <p:spPr>
-          <a:xfrm>
-            <a:off x="360000" y="5940000"/>
-            <a:ext cx="8640000" cy="451800"/>
-          </a:xfrm>
-          <a:prstGeom prst="rect">
-            <a:avLst/>
-          </a:prstGeom>
-          <a:noFill/>
-          <a:ln>
-            <a:noFill/>
-          </a:ln>
-        </p:spPr>
-        <p:txBody>
-          <a:bodyPr lIns="90000" tIns="45000" rIns="90000" bIns="45000"/>
-          <a:lstStyle/>
-          <a:p>
-            <a:r>
-              <a:rPr lang="en-US" sz="800" b="1" strike="noStrike" spc="-1">
-                <a:solidFill>
-                  <a:srgbClr val="0054A6"/>
-                </a:solidFill>
-                <a:latin typeface="Arial"/>
-              </a:rPr>
-              <a:t>Journal of Applied Ecology, Volume: 57, Issue: 10, Pages: 2054-2063, First published: 21 July 2020, DOI: (10.1111/1365-2664.13699) </a:t>
-            </a:r>
-            <a:endParaRPr lang="en-US" sz="800" b="0" strike="noStrike" spc="-1">
-              <a:solidFill>
-                <a:srgbClr val="000000"/>
-              </a:solidFill>
-              <a:latin typeface="Arial"/>
-            </a:endParaRPr>
-          </a:p>
-        </p:txBody>
-      </p:sp>
-      <p:pic>
-        <p:nvPicPr>
           <p:cNvPr id="4" name="Main graphic"/>
           <p:cNvPicPr/>
           <p:nvPr/>
         </p:nvPicPr>
-        <p:blipFill>
-          <a:blip r:embed="rId2"/>
+        <p:blipFill rotWithShape="1">
+          <a:blip r:embed="rId3"/>
+          <a:srcRect b="47079"/>
           <a:stretch/>
         </p:blipFill>
         <p:spPr>
           <a:xfrm>
-            <a:off x="2093400" y="762120"/>
-            <a:ext cx="5007600" cy="3809880"/>
+            <a:off x="359532" y="1700808"/>
+            <a:ext cx="8424936" cy="3386441"/>
           </a:xfrm>
           <a:prstGeom prst="rect">
             <a:avLst/>
@@ -14009,38 +14506,92 @@
         </p:nvSpPr>
         <p:spPr>
           <a:xfrm>
-            <a:off x="2286000" y="1443841"/>
-            <a:ext cx="4572000" cy="3970318"/>
+            <a:off x="107504" y="5229200"/>
+            <a:ext cx="9036496" cy="1569660"/>
           </a:xfrm>
           <a:prstGeom prst="rect">
             <a:avLst/>
           </a:prstGeom>
         </p:spPr>
         <p:txBody>
-          <a:bodyPr>
+          <a:bodyPr wrap="square">
             <a:spAutoFit/>
           </a:bodyPr>
           <a:lstStyle/>
           <a:p>
             <a:r>
-              <a:rPr lang="en-US" spc="-1" dirty="0">
+              <a:rPr lang="en-US" sz="1600" spc="-1" dirty="0">
                 <a:latin typeface="Arial"/>
               </a:rPr>
               <a:t>Community‐level occupancy along the agricultural intensity gradient. Average response of the avian community to increasing agricultural intensity (left: low; right: high). Agricultural intensity was measured in meat (kg/ha*year, top panel), energy (GJ/ha*year, bottom‐left panel) and profit (USD/ha*year, bottom‐right panel). The </a:t>
             </a:r>
             <a:r>
-              <a:rPr lang="en-US" spc="-1" dirty="0" err="1">
+              <a:rPr lang="en-US" sz="1600" spc="-1" dirty="0" err="1">
                 <a:latin typeface="Arial"/>
               </a:rPr>
               <a:t>colour</a:t>
             </a:r>
             <a:r>
-              <a:rPr lang="en-US" spc="-1" dirty="0">
+              <a:rPr lang="en-US" sz="1600" spc="-1" dirty="0">
                 <a:latin typeface="Arial"/>
               </a:rPr>
               <a:t> gradient shows how this response varies with changes in woodland extent in a 10‐km buffer around the sampling site. Icons and vertical grey lines indicate average yields for specific land systems found in the study region</a:t>
             </a:r>
-            <a:endParaRPr lang="es-ES" dirty="0"/>
+            <a:endParaRPr lang="es-ES" sz="1600" dirty="0"/>
+          </a:p>
+        </p:txBody>
+      </p:sp>
+      <p:pic>
+        <p:nvPicPr>
+          <p:cNvPr id="6" name="Picture 5"/>
+          <p:cNvPicPr>
+            <a:picLocks noChangeAspect="1"/>
+          </p:cNvPicPr>
+          <p:nvPr/>
+        </p:nvPicPr>
+        <p:blipFill>
+          <a:blip r:embed="rId4"/>
+          <a:stretch>
+            <a:fillRect/>
+          </a:stretch>
+        </p:blipFill>
+        <p:spPr>
+          <a:xfrm>
+            <a:off x="2420348" y="116632"/>
+            <a:ext cx="6696744" cy="1373712"/>
+          </a:xfrm>
+          <a:prstGeom prst="rect">
+            <a:avLst/>
+          </a:prstGeom>
+        </p:spPr>
+      </p:pic>
+      <p:sp>
+        <p:nvSpPr>
+          <p:cNvPr id="7" name="TextBox 6"/>
+          <p:cNvSpPr txBox="1"/>
+          <p:nvPr/>
+        </p:nvSpPr>
+        <p:spPr>
+          <a:xfrm>
+            <a:off x="7277041" y="4818638"/>
+            <a:ext cx="1831463" cy="338554"/>
+          </a:xfrm>
+          <a:prstGeom prst="rect">
+            <a:avLst/>
+          </a:prstGeom>
+          <a:noFill/>
+        </p:spPr>
+        <p:txBody>
+          <a:bodyPr wrap="none" rtlCol="0">
+            <a:spAutoFit/>
+          </a:bodyPr>
+          <a:lstStyle/>
+          <a:p>
+            <a:r>
+              <a:rPr lang="es-AR" sz="1600" dirty="0" smtClean="0"/>
+              <a:t>(Macchi et al. 2020)</a:t>
+            </a:r>
+            <a:endParaRPr lang="es-ES" sz="1600" dirty="0"/>
           </a:p>
         </p:txBody>
       </p:sp>
@@ -14057,7 +14608,7 @@
 </p:sld>
 </file>
 
-<file path=ppt/slides/slide15.xml><?xml version="1.0" encoding="utf-8"?>
+<file path=ppt/slides/slide18.xml><?xml version="1.0" encoding="utf-8"?>
 <p:sld xmlns:a="http://schemas.openxmlformats.org/drawingml/2006/main" xmlns:r="http://schemas.openxmlformats.org/officeDocument/2006/relationships" xmlns:p="http://schemas.openxmlformats.org/presentationml/2006/main">
   <p:cSld>
     <p:spTree>
@@ -14086,8 +14637,8 @@
         </p:blipFill>
         <p:spPr>
           <a:xfrm>
-            <a:off x="1396980" y="1984680"/>
-            <a:ext cx="6350040" cy="2888640"/>
+            <a:off x="268236" y="260648"/>
+            <a:ext cx="8696252" cy="4248472"/>
           </a:xfrm>
           <a:prstGeom prst="rect">
             <a:avLst/>
@@ -14105,100 +14656,97 @@
         </p:nvSpPr>
         <p:spPr>
           <a:xfrm>
-            <a:off x="2286000" y="751344"/>
-            <a:ext cx="4572000" cy="5355312"/>
+            <a:off x="107504" y="4751273"/>
+            <a:ext cx="9036496" cy="2062103"/>
           </a:xfrm>
           <a:prstGeom prst="rect">
             <a:avLst/>
           </a:prstGeom>
         </p:spPr>
         <p:txBody>
-          <a:bodyPr>
+          <a:bodyPr wrap="square">
             <a:spAutoFit/>
           </a:bodyPr>
           <a:lstStyle/>
           <a:p>
             <a:r>
-              <a:rPr lang="en-US" spc="-1" dirty="0">
+              <a:rPr lang="en-US" sz="1600" spc="-1" dirty="0">
                 <a:latin typeface="Arial"/>
               </a:rPr>
               <a:t>Individual species' responses to agricultural intensity, depending on woodland extent in the landscape. Left: winner species have consistently increasing occupancy as agricultural intensity increases (example: American Kestrel). Note the beneficial effect of woodland extent where agricultural intensification is higher (green </a:t>
             </a:r>
             <a:r>
-              <a:rPr lang="en-US" spc="-1" dirty="0" err="1">
+              <a:rPr lang="en-US" sz="1600" spc="-1" dirty="0" err="1">
                 <a:latin typeface="Arial"/>
               </a:rPr>
               <a:t>colour</a:t>
             </a:r>
             <a:r>
-              <a:rPr lang="en-US" spc="-1" dirty="0">
+              <a:rPr lang="en-US" sz="1600" spc="-1" dirty="0">
                 <a:latin typeface="Arial"/>
               </a:rPr>
               <a:t> vs. yellow </a:t>
             </a:r>
             <a:r>
-              <a:rPr lang="en-US" spc="-1" dirty="0" err="1">
+              <a:rPr lang="en-US" sz="1600" spc="-1" dirty="0" err="1">
                 <a:latin typeface="Arial"/>
               </a:rPr>
               <a:t>colour</a:t>
             </a:r>
             <a:r>
-              <a:rPr lang="en-US" spc="-1" dirty="0">
+              <a:rPr lang="en-US" sz="1600" spc="-1" dirty="0">
                 <a:latin typeface="Arial"/>
               </a:rPr>
               <a:t>). Middle: loser species are consistently negatively impacted by agricultural intensification, but this effect is weaker in landscapes with more woodland (example: </a:t>
             </a:r>
             <a:r>
-              <a:rPr lang="en-US" spc="-1" dirty="0" err="1">
+              <a:rPr lang="en-US" sz="1600" spc="-1" dirty="0" err="1">
                 <a:latin typeface="Arial"/>
               </a:rPr>
               <a:t>Tataupa</a:t>
             </a:r>
             <a:r>
-              <a:rPr lang="en-US" spc="-1" dirty="0">
+              <a:rPr lang="en-US" sz="1600" spc="-1" dirty="0">
                 <a:latin typeface="Arial"/>
               </a:rPr>
               <a:t> </a:t>
             </a:r>
             <a:r>
-              <a:rPr lang="en-US" spc="-1" dirty="0" err="1">
+              <a:rPr lang="en-US" sz="1600" spc="-1" dirty="0" err="1">
                 <a:latin typeface="Arial"/>
               </a:rPr>
               <a:t>Tinamou</a:t>
             </a:r>
             <a:r>
-              <a:rPr lang="en-US" spc="-1" dirty="0">
+              <a:rPr lang="en-US" sz="1600" spc="-1" dirty="0">
                 <a:latin typeface="Arial"/>
               </a:rPr>
               <a:t>). Right: shifter species respond either negatively to agricultural intensity where woodland extent is low (yellow </a:t>
             </a:r>
             <a:r>
-              <a:rPr lang="en-US" spc="-1" dirty="0" err="1">
+              <a:rPr lang="en-US" sz="1600" spc="-1" dirty="0" err="1">
                 <a:latin typeface="Arial"/>
               </a:rPr>
               <a:t>colour</a:t>
             </a:r>
             <a:r>
-              <a:rPr lang="en-US" spc="-1" dirty="0">
+              <a:rPr lang="en-US" sz="1600" spc="-1" dirty="0">
                 <a:latin typeface="Arial"/>
               </a:rPr>
               <a:t>) or benefit from agricultural intensification where woodland extent is high (example: Great </a:t>
             </a:r>
             <a:r>
-              <a:rPr lang="en-US" spc="-1" dirty="0" err="1">
+              <a:rPr lang="en-US" sz="1600" spc="-1" dirty="0" err="1">
                 <a:latin typeface="Arial"/>
               </a:rPr>
               <a:t>Kiskadee</a:t>
             </a:r>
             <a:r>
-              <a:rPr lang="en-US" spc="-1" dirty="0">
+              <a:rPr lang="en-US" sz="1600" spc="-1" dirty="0">
                 <a:latin typeface="Arial"/>
               </a:rPr>
               <a:t>)</a:t>
             </a:r>
-            <a:endParaRPr lang="en-US" spc="-1" dirty="0">
-              <a:latin typeface="Arial"/>
-            </a:endParaRPr>
           </a:p>
         </p:txBody>
       </p:sp>
@@ -14215,7 +14763,7 @@
 </p:sld>
 </file>
 
-<file path=ppt/slides/slide16.xml><?xml version="1.0" encoding="utf-8"?>
+<file path=ppt/slides/slide19.xml><?xml version="1.0" encoding="utf-8"?>
 <p:sld xmlns:a="http://schemas.openxmlformats.org/drawingml/2006/main" xmlns:r="http://schemas.openxmlformats.org/officeDocument/2006/relationships" xmlns:p="http://schemas.openxmlformats.org/presentationml/2006/main">
   <p:cSld>
     <p:spTree>
@@ -14232,16 +14780,87 @@
           <a:chExt cx="0" cy="0"/>
         </a:xfrm>
       </p:grpSpPr>
-      <p:sp>
-        <p:nvSpPr>
-          <p:cNvPr id="2" name="CuadroTexto 1"/>
+      <p:pic>
+        <p:nvPicPr>
+          <p:cNvPr id="2" name="Picture 1"/>
+          <p:cNvPicPr>
+            <a:picLocks noChangeAspect="1"/>
+          </p:cNvPicPr>
+          <p:nvPr/>
+        </p:nvPicPr>
+        <p:blipFill rotWithShape="1">
+          <a:blip r:embed="rId2"/>
+          <a:srcRect l="329" r="-329" b="5811"/>
+          <a:stretch/>
+        </p:blipFill>
+        <p:spPr>
+          <a:xfrm>
+            <a:off x="-396552" y="1906095"/>
+            <a:ext cx="5855990" cy="4331217"/>
+          </a:xfrm>
+          <a:prstGeom prst="rect">
+            <a:avLst/>
+          </a:prstGeom>
+        </p:spPr>
+      </p:pic>
+      <p:pic>
+        <p:nvPicPr>
+          <p:cNvPr id="3" name="Picture 2"/>
+          <p:cNvPicPr>
+            <a:picLocks noChangeAspect="1"/>
+          </p:cNvPicPr>
+          <p:nvPr/>
+        </p:nvPicPr>
+        <p:blipFill>
+          <a:blip r:embed="rId3"/>
+          <a:stretch>
+            <a:fillRect/>
+          </a:stretch>
+        </p:blipFill>
+        <p:spPr>
+          <a:xfrm>
+            <a:off x="216024" y="44624"/>
+            <a:ext cx="5076056" cy="1061282"/>
+          </a:xfrm>
+          <a:prstGeom prst="rect">
+            <a:avLst/>
+          </a:prstGeom>
+        </p:spPr>
+      </p:pic>
+      <p:pic>
+        <p:nvPicPr>
+          <p:cNvPr id="4" name="Picture 3"/>
+          <p:cNvPicPr>
+            <a:picLocks noChangeAspect="1"/>
+          </p:cNvPicPr>
+          <p:nvPr/>
+        </p:nvPicPr>
+        <p:blipFill>
+          <a:blip r:embed="rId4"/>
+          <a:stretch>
+            <a:fillRect/>
+          </a:stretch>
+        </p:blipFill>
+        <p:spPr>
+          <a:xfrm>
+            <a:off x="117583" y="6336302"/>
+            <a:ext cx="9050691" cy="537133"/>
+          </a:xfrm>
+          <a:prstGeom prst="rect">
+            <a:avLst/>
+          </a:prstGeom>
+        </p:spPr>
+      </p:pic>
+      <p:sp>
+        <p:nvSpPr>
+          <p:cNvPr id="5" name="TextBox 4"/>
           <p:cNvSpPr txBox="1"/>
           <p:nvPr/>
         </p:nvSpPr>
         <p:spPr>
           <a:xfrm>
-            <a:off x="3491880" y="908720"/>
-            <a:ext cx="2069797" cy="646331"/>
+            <a:off x="7268973" y="5875189"/>
+            <a:ext cx="1856470" cy="338554"/>
           </a:xfrm>
           <a:prstGeom prst="rect">
             <a:avLst/>
@@ -14255,940 +14874,86 @@
           <a:lstStyle/>
           <a:p>
             <a:r>
-              <a:rPr lang="es-ES" dirty="0" smtClean="0"/>
-              <a:t>Ejemplo </a:t>
-            </a:r>
-            <a:r>
-              <a:rPr lang="es-ES" dirty="0" err="1" smtClean="0"/>
-              <a:t>paper</a:t>
-            </a:r>
-            <a:r>
-              <a:rPr lang="es-ES" dirty="0" smtClean="0"/>
-              <a:t> </a:t>
-            </a:r>
-            <a:r>
-              <a:rPr lang="es-ES" dirty="0" err="1" smtClean="0"/>
-              <a:t>facu</a:t>
-            </a:r>
-            <a:endParaRPr lang="es-ES" dirty="0" smtClean="0"/>
-          </a:p>
-          <a:p>
-            <a:r>
-              <a:rPr lang="es-ES" dirty="0" smtClean="0"/>
-              <a:t>Ejemplo </a:t>
-            </a:r>
-            <a:r>
-              <a:rPr lang="es-ES" dirty="0" err="1" smtClean="0"/>
-              <a:t>paper</a:t>
-            </a:r>
-            <a:r>
-              <a:rPr lang="es-ES" dirty="0" smtClean="0"/>
-              <a:t> Vane</a:t>
-            </a:r>
-            <a:endParaRPr lang="es-ES" dirty="0"/>
-          </a:p>
-        </p:txBody>
-      </p:sp>
+              <a:rPr lang="es-AR" sz="1600" dirty="0" smtClean="0"/>
+              <a:t>(Serafini et al. 2019)</a:t>
+            </a:r>
+            <a:endParaRPr lang="es-ES" sz="1600" dirty="0"/>
+          </a:p>
+        </p:txBody>
+      </p:sp>
+      <p:grpSp>
+        <p:nvGrpSpPr>
+          <p:cNvPr id="8" name="Group 7"/>
+          <p:cNvGrpSpPr/>
+          <p:nvPr/>
+        </p:nvGrpSpPr>
+        <p:grpSpPr>
+          <a:xfrm>
+            <a:off x="4067944" y="986482"/>
+            <a:ext cx="5328592" cy="1839225"/>
+            <a:chOff x="185737" y="2081212"/>
+            <a:chExt cx="9025757" cy="3219996"/>
+          </a:xfrm>
+        </p:grpSpPr>
+        <p:pic>
+          <p:nvPicPr>
+            <p:cNvPr id="6" name="Picture 5"/>
+            <p:cNvPicPr>
+              <a:picLocks noChangeAspect="1"/>
+            </p:cNvPicPr>
+            <p:nvPr/>
+          </p:nvPicPr>
+          <p:blipFill>
+            <a:blip r:embed="rId5"/>
+            <a:stretch>
+              <a:fillRect/>
+            </a:stretch>
+          </p:blipFill>
+          <p:spPr>
+            <a:xfrm>
+              <a:off x="185737" y="2081212"/>
+              <a:ext cx="8772525" cy="2695575"/>
+            </a:xfrm>
+            <a:prstGeom prst="rect">
+              <a:avLst/>
+            </a:prstGeom>
+          </p:spPr>
+        </p:pic>
+        <p:pic>
+          <p:nvPicPr>
+            <p:cNvPr id="7" name="Picture 6"/>
+            <p:cNvPicPr>
+              <a:picLocks noChangeAspect="1"/>
+            </p:cNvPicPr>
+            <p:nvPr/>
+          </p:nvPicPr>
+          <p:blipFill>
+            <a:blip r:embed="rId6"/>
+            <a:stretch>
+              <a:fillRect/>
+            </a:stretch>
+          </p:blipFill>
+          <p:spPr>
+            <a:xfrm>
+              <a:off x="467544" y="4548733"/>
+              <a:ext cx="8743950" cy="752475"/>
+            </a:xfrm>
+            <a:prstGeom prst="rect">
+              <a:avLst/>
+            </a:prstGeom>
+          </p:spPr>
+        </p:pic>
+      </p:grpSp>
     </p:spTree>
     <p:extLst>
       <p:ext uri="{BB962C8B-B14F-4D97-AF65-F5344CB8AC3E}">
-        <p14:creationId xmlns:p14="http://schemas.microsoft.com/office/powerpoint/2010/main" val="705089152"/>
+        <p14:creationId xmlns:p14="http://schemas.microsoft.com/office/powerpoint/2010/main" val="1887038873"/>
       </p:ext>
     </p:extLst>
   </p:cSld>
   <p:clrMapOvr>
     <a:masterClrMapping/>
   </p:clrMapOvr>
-</p:sld>
-</file>
-
-<file path=ppt/slides/slide17.xml><?xml version="1.0" encoding="utf-8"?>
-<p:sld xmlns:a="http://schemas.openxmlformats.org/drawingml/2006/main" xmlns:r="http://schemas.openxmlformats.org/officeDocument/2006/relationships" xmlns:p="http://schemas.openxmlformats.org/presentationml/2006/main">
-  <p:cSld>
-    <p:spTree>
-      <p:nvGrpSpPr>
-        <p:cNvPr id="1" name=""/>
-        <p:cNvGrpSpPr/>
-        <p:nvPr/>
-      </p:nvGrpSpPr>
-      <p:grpSpPr>
-        <a:xfrm>
-          <a:off x="0" y="0"/>
-          <a:ext cx="0" cy="0"/>
-          <a:chOff x="0" y="0"/>
-          <a:chExt cx="0" cy="0"/>
-        </a:xfrm>
-      </p:grpSpPr>
-      <p:sp>
-        <p:nvSpPr>
-          <p:cNvPr id="3" name="TextBox 2"/>
-          <p:cNvSpPr txBox="1"/>
-          <p:nvPr/>
-        </p:nvSpPr>
-        <p:spPr>
-          <a:xfrm>
-            <a:off x="467544" y="107921"/>
-            <a:ext cx="8136904" cy="646331"/>
-          </a:xfrm>
-          <a:prstGeom prst="rect">
-            <a:avLst/>
-          </a:prstGeom>
-          <a:noFill/>
-        </p:spPr>
-        <p:txBody>
-          <a:bodyPr wrap="square" rtlCol="0">
-            <a:spAutoFit/>
-          </a:bodyPr>
-          <a:lstStyle/>
-          <a:p>
-            <a:r>
-              <a:rPr lang="es-ES" sz="3600" dirty="0" smtClean="0">
-                <a:solidFill>
-                  <a:schemeClr val="accent2"/>
-                </a:solidFill>
-                <a:effectLst>
-                  <a:outerShdw blurRad="38100" dist="38100" dir="2700000" algn="tl">
-                    <a:srgbClr val="000000">
-                      <a:alpha val="43137"/>
-                    </a:srgbClr>
-                  </a:outerShdw>
-                </a:effectLst>
-                <a:latin typeface="Gill Sans MT" panose="020B0502020104020203" pitchFamily="34" charset="0"/>
-              </a:rPr>
-              <a:t>REFERENCIAS</a:t>
-            </a:r>
-            <a:endParaRPr lang="es-ES" sz="3800" dirty="0">
-              <a:solidFill>
-                <a:schemeClr val="accent2"/>
-              </a:solidFill>
-              <a:effectLst>
-                <a:outerShdw blurRad="38100" dist="38100" dir="2700000" algn="tl">
-                  <a:srgbClr val="000000">
-                    <a:alpha val="43137"/>
-                  </a:srgbClr>
-                </a:outerShdw>
-              </a:effectLst>
-              <a:latin typeface="Gill Sans MT" panose="020B0502020104020203" pitchFamily="34" charset="0"/>
-            </a:endParaRPr>
-          </a:p>
-        </p:txBody>
-      </p:sp>
-      <p:sp>
-        <p:nvSpPr>
-          <p:cNvPr id="4" name="Rectangle 3"/>
-          <p:cNvSpPr/>
-          <p:nvPr/>
-        </p:nvSpPr>
-        <p:spPr>
-          <a:xfrm>
-            <a:off x="971600" y="1033717"/>
-            <a:ext cx="7866218" cy="4483515"/>
-          </a:xfrm>
-          <a:prstGeom prst="rect">
-            <a:avLst/>
-          </a:prstGeom>
-        </p:spPr>
-        <p:txBody>
-          <a:bodyPr>
-            <a:noAutofit/>
-          </a:bodyPr>
-          <a:lstStyle/>
-          <a:p>
-            <a:pPr marL="342900" indent="-342900" eaLnBrk="1" hangingPunct="1">
-              <a:spcBef>
-                <a:spcPts val="0"/>
-              </a:spcBef>
-              <a:spcAft>
-                <a:spcPts val="1200"/>
-              </a:spcAft>
-              <a:buFont typeface="Arial" panose="020B0604020202020204" pitchFamily="34" charset="0"/>
-              <a:buChar char="•"/>
-            </a:pPr>
-            <a:endParaRPr lang="en-US" sz="2400" dirty="0" err="1">
-              <a:solidFill>
-                <a:srgbClr val="636382"/>
-              </a:solidFill>
-              <a:latin typeface="Gill Sans MT" panose="020B0502020104020203" pitchFamily="34" charset="0"/>
-              <a:cs typeface="+mn-cs"/>
-            </a:endParaRPr>
-          </a:p>
-        </p:txBody>
-      </p:sp>
-      <p:sp>
-        <p:nvSpPr>
-          <p:cNvPr id="6" name="Content Placeholder 4"/>
-          <p:cNvSpPr txBox="1">
-            <a:spLocks/>
-          </p:cNvSpPr>
-          <p:nvPr/>
-        </p:nvSpPr>
-        <p:spPr>
-          <a:xfrm>
-            <a:off x="899592" y="836712"/>
-            <a:ext cx="8064896" cy="5310754"/>
-          </a:xfrm>
-          <a:prstGeom prst="rect">
-            <a:avLst/>
-          </a:prstGeom>
-        </p:spPr>
-        <p:txBody>
-          <a:bodyPr>
-            <a:noAutofit/>
-          </a:bodyPr>
-          <a:lstStyle>
-            <a:lvl1pPr marL="342900" indent="-342900" algn="l" defTabSz="914400" rtl="0" eaLnBrk="1" latinLnBrk="0" hangingPunct="1">
-              <a:spcBef>
-                <a:spcPct val="20000"/>
-              </a:spcBef>
-              <a:buFont typeface="Arial" panose="020B0604020202020204" pitchFamily="34" charset="0"/>
-              <a:buChar char="•"/>
-              <a:defRPr sz="3200" kern="1200">
-                <a:solidFill>
-                  <a:schemeClr val="tx1"/>
-                </a:solidFill>
-                <a:latin typeface="+mn-lt"/>
-                <a:ea typeface="+mn-ea"/>
-                <a:cs typeface="+mn-cs"/>
-              </a:defRPr>
-            </a:lvl1pPr>
-            <a:lvl2pPr marL="742950" indent="-285750" algn="l" defTabSz="914400" rtl="0" eaLnBrk="1" latinLnBrk="0" hangingPunct="1">
-              <a:spcBef>
-                <a:spcPct val="20000"/>
-              </a:spcBef>
-              <a:buFont typeface="Arial" panose="020B0604020202020204" pitchFamily="34" charset="0"/>
-              <a:buChar char="–"/>
-              <a:defRPr sz="2800" kern="1200">
-                <a:solidFill>
-                  <a:schemeClr val="tx1"/>
-                </a:solidFill>
-                <a:latin typeface="+mn-lt"/>
-                <a:ea typeface="+mn-ea"/>
-                <a:cs typeface="+mn-cs"/>
-              </a:defRPr>
-            </a:lvl2pPr>
-            <a:lvl3pPr marL="1143000" indent="-228600" algn="l" defTabSz="914400" rtl="0" eaLnBrk="1" latinLnBrk="0" hangingPunct="1">
-              <a:spcBef>
-                <a:spcPct val="20000"/>
-              </a:spcBef>
-              <a:buFont typeface="Arial" panose="020B0604020202020204" pitchFamily="34" charset="0"/>
-              <a:buChar char="•"/>
-              <a:defRPr sz="2400" kern="1200">
-                <a:solidFill>
-                  <a:schemeClr val="tx1"/>
-                </a:solidFill>
-                <a:latin typeface="+mn-lt"/>
-                <a:ea typeface="+mn-ea"/>
-                <a:cs typeface="+mn-cs"/>
-              </a:defRPr>
-            </a:lvl3pPr>
-            <a:lvl4pPr marL="1600200" indent="-228600" algn="l" defTabSz="914400" rtl="0" eaLnBrk="1" latinLnBrk="0" hangingPunct="1">
-              <a:spcBef>
-                <a:spcPct val="20000"/>
-              </a:spcBef>
-              <a:buFont typeface="Arial" panose="020B0604020202020204" pitchFamily="34" charset="0"/>
-              <a:buChar char="–"/>
-              <a:defRPr sz="2000" kern="1200">
-                <a:solidFill>
-                  <a:schemeClr val="tx1"/>
-                </a:solidFill>
-                <a:latin typeface="+mn-lt"/>
-                <a:ea typeface="+mn-ea"/>
-                <a:cs typeface="+mn-cs"/>
-              </a:defRPr>
-            </a:lvl4pPr>
-            <a:lvl5pPr marL="2057400" indent="-228600" algn="l" defTabSz="914400" rtl="0" eaLnBrk="1" latinLnBrk="0" hangingPunct="1">
-              <a:spcBef>
-                <a:spcPct val="20000"/>
-              </a:spcBef>
-              <a:buFont typeface="Arial" panose="020B0604020202020204" pitchFamily="34" charset="0"/>
-              <a:buChar char="»"/>
-              <a:defRPr sz="2000" kern="1200">
-                <a:solidFill>
-                  <a:schemeClr val="tx1"/>
-                </a:solidFill>
-                <a:latin typeface="+mn-lt"/>
-                <a:ea typeface="+mn-ea"/>
-                <a:cs typeface="+mn-cs"/>
-              </a:defRPr>
-            </a:lvl5pPr>
-            <a:lvl6pPr marL="2514600" indent="-228600" algn="l" defTabSz="914400" rtl="0" eaLnBrk="1" latinLnBrk="0" hangingPunct="1">
-              <a:spcBef>
-                <a:spcPct val="20000"/>
-              </a:spcBef>
-              <a:buFont typeface="Arial" panose="020B0604020202020204" pitchFamily="34" charset="0"/>
-              <a:buChar char="•"/>
-              <a:defRPr sz="2000" kern="1200">
-                <a:solidFill>
-                  <a:schemeClr val="tx1"/>
-                </a:solidFill>
-                <a:latin typeface="+mn-lt"/>
-                <a:ea typeface="+mn-ea"/>
-                <a:cs typeface="+mn-cs"/>
-              </a:defRPr>
-            </a:lvl6pPr>
-            <a:lvl7pPr marL="2971800" indent="-228600" algn="l" defTabSz="914400" rtl="0" eaLnBrk="1" latinLnBrk="0" hangingPunct="1">
-              <a:spcBef>
-                <a:spcPct val="20000"/>
-              </a:spcBef>
-              <a:buFont typeface="Arial" panose="020B0604020202020204" pitchFamily="34" charset="0"/>
-              <a:buChar char="•"/>
-              <a:defRPr sz="2000" kern="1200">
-                <a:solidFill>
-                  <a:schemeClr val="tx1"/>
-                </a:solidFill>
-                <a:latin typeface="+mn-lt"/>
-                <a:ea typeface="+mn-ea"/>
-                <a:cs typeface="+mn-cs"/>
-              </a:defRPr>
-            </a:lvl7pPr>
-            <a:lvl8pPr marL="3429000" indent="-228600" algn="l" defTabSz="914400" rtl="0" eaLnBrk="1" latinLnBrk="0" hangingPunct="1">
-              <a:spcBef>
-                <a:spcPct val="20000"/>
-              </a:spcBef>
-              <a:buFont typeface="Arial" panose="020B0604020202020204" pitchFamily="34" charset="0"/>
-              <a:buChar char="•"/>
-              <a:defRPr sz="2000" kern="1200">
-                <a:solidFill>
-                  <a:schemeClr val="tx1"/>
-                </a:solidFill>
-                <a:latin typeface="+mn-lt"/>
-                <a:ea typeface="+mn-ea"/>
-                <a:cs typeface="+mn-cs"/>
-              </a:defRPr>
-            </a:lvl8pPr>
-            <a:lvl9pPr marL="3886200" indent="-228600" algn="l" defTabSz="914400" rtl="0" eaLnBrk="1" latinLnBrk="0" hangingPunct="1">
-              <a:spcBef>
-                <a:spcPct val="20000"/>
-              </a:spcBef>
-              <a:buFont typeface="Arial" panose="020B0604020202020204" pitchFamily="34" charset="0"/>
-              <a:buChar char="•"/>
-              <a:defRPr sz="2000" kern="1200">
-                <a:solidFill>
-                  <a:schemeClr val="tx1"/>
-                </a:solidFill>
-                <a:latin typeface="+mn-lt"/>
-                <a:ea typeface="+mn-ea"/>
-                <a:cs typeface="+mn-cs"/>
-              </a:defRPr>
-            </a:lvl9pPr>
-          </a:lstStyle>
-          <a:p>
-            <a:pPr fontAlgn="auto">
-              <a:spcBef>
-                <a:spcPts val="600"/>
-              </a:spcBef>
-              <a:spcAft>
-                <a:spcPts val="0"/>
-              </a:spcAft>
-            </a:pPr>
-            <a:endParaRPr lang="en-US" sz="600" dirty="0" smtClean="0">
-              <a:solidFill>
-                <a:srgbClr val="636382"/>
-              </a:solidFill>
-              <a:latin typeface="Gill Sans MT" panose="020B0502020104020203" pitchFamily="34" charset="0"/>
-            </a:endParaRPr>
-          </a:p>
-        </p:txBody>
-      </p:sp>
-      <p:sp>
-        <p:nvSpPr>
-          <p:cNvPr id="5" name="Rectangle 1"/>
-          <p:cNvSpPr>
-            <a:spLocks noChangeArrowheads="1"/>
-          </p:cNvSpPr>
-          <p:nvPr/>
-        </p:nvSpPr>
-        <p:spPr bwMode="auto">
-          <a:xfrm>
-            <a:off x="611560" y="980728"/>
-            <a:ext cx="7848872" cy="1815882"/>
-          </a:xfrm>
-          <a:prstGeom prst="rect">
-            <a:avLst/>
-          </a:prstGeom>
-          <a:noFill/>
-          <a:ln>
-            <a:noFill/>
-          </a:ln>
-          <a:effectLst/>
-          <a:extLst>
-            <a:ext uri="{909E8E84-426E-40DD-AFC4-6F175D3DCCD1}">
-              <a14:hiddenFill xmlns:a14="http://schemas.microsoft.com/office/drawing/2010/main">
-                <a:solidFill>
-                  <a:schemeClr val="accent1"/>
-                </a:solidFill>
-              </a14:hiddenFill>
-            </a:ext>
-            <a:ext uri="{91240B29-F687-4F45-9708-019B960494DF}">
-              <a14:hiddenLine xmlns:a14="http://schemas.microsoft.com/office/drawing/2010/main" w="9525">
-                <a:solidFill>
-                  <a:schemeClr val="tx1"/>
-                </a:solidFill>
-                <a:miter lim="800000"/>
-                <a:headEnd/>
-                <a:tailEnd/>
-              </a14:hiddenLine>
-            </a:ext>
-            <a:ext uri="{AF507438-7753-43E0-B8FC-AC1667EBCBE1}">
-              <a14:hiddenEffects xmlns:a14="http://schemas.microsoft.com/office/drawing/2010/main">
-                <a:effectLst>
-                  <a:outerShdw dist="35921" dir="2700000" algn="ctr" rotWithShape="0">
-                    <a:schemeClr val="bg2"/>
-                  </a:outerShdw>
-                </a:effectLst>
-              </a14:hiddenEffects>
-            </a:ext>
-          </a:extLst>
-        </p:spPr>
-        <p:txBody>
-          <a:bodyPr vert="horz" wrap="square" lIns="91440" tIns="45720" rIns="91440" bIns="45720" numCol="1" anchor="ctr" anchorCtr="0" compatLnSpc="1">
-            <a:prstTxWarp prst="textNoShape">
-              <a:avLst/>
-            </a:prstTxWarp>
-            <a:spAutoFit/>
-          </a:bodyPr>
-          <a:lstStyle/>
-          <a:p>
-            <a:pPr lvl="0" eaLnBrk="1" hangingPunct="1"/>
-            <a:r>
-              <a:rPr lang="es-ES" altLang="es-ES" sz="2800" dirty="0">
-                <a:solidFill>
-                  <a:srgbClr val="636382"/>
-                </a:solidFill>
-                <a:latin typeface="Gill Sans MT" panose="020B0502020104020203" pitchFamily="34" charset="0"/>
-                <a:cs typeface="Arial" pitchFamily="34" charset="0"/>
-              </a:rPr>
-              <a:t>Marc </a:t>
-            </a:r>
-            <a:r>
-              <a:rPr lang="es-ES" altLang="es-ES" sz="2800" dirty="0" err="1" smtClean="0">
-                <a:solidFill>
-                  <a:srgbClr val="636382"/>
-                </a:solidFill>
-                <a:latin typeface="Gill Sans MT" panose="020B0502020104020203" pitchFamily="34" charset="0"/>
-                <a:cs typeface="Arial" pitchFamily="34" charset="0"/>
-              </a:rPr>
-              <a:t>Kery</a:t>
-            </a:r>
-            <a:r>
-              <a:rPr lang="es-ES" altLang="es-ES" sz="2800" dirty="0" smtClean="0">
-                <a:solidFill>
-                  <a:srgbClr val="636382"/>
-                </a:solidFill>
-                <a:latin typeface="Gill Sans MT" panose="020B0502020104020203" pitchFamily="34" charset="0"/>
-                <a:cs typeface="Arial" pitchFamily="34" charset="0"/>
-              </a:rPr>
-              <a:t> </a:t>
-            </a:r>
-            <a:r>
-              <a:rPr lang="es-ES" altLang="es-ES" sz="2800" dirty="0">
-                <a:solidFill>
-                  <a:srgbClr val="636382"/>
-                </a:solidFill>
-                <a:latin typeface="Gill Sans MT" panose="020B0502020104020203" pitchFamily="34" charset="0"/>
-                <a:cs typeface="Arial" pitchFamily="34" charset="0"/>
-              </a:rPr>
-              <a:t>&amp; J. Andy </a:t>
-            </a:r>
-            <a:r>
-              <a:rPr lang="es-ES" altLang="es-ES" sz="2800" dirty="0" err="1" smtClean="0">
-                <a:solidFill>
-                  <a:srgbClr val="636382"/>
-                </a:solidFill>
-                <a:latin typeface="Gill Sans MT" panose="020B0502020104020203" pitchFamily="34" charset="0"/>
-                <a:cs typeface="Arial" pitchFamily="34" charset="0"/>
-              </a:rPr>
-              <a:t>Royle</a:t>
-            </a:r>
-            <a:r>
-              <a:rPr lang="es-ES" altLang="es-ES" sz="2800" dirty="0" smtClean="0">
-                <a:solidFill>
-                  <a:srgbClr val="636382"/>
-                </a:solidFill>
-                <a:latin typeface="Gill Sans MT" panose="020B0502020104020203" pitchFamily="34" charset="0"/>
-                <a:cs typeface="Arial" pitchFamily="34" charset="0"/>
-              </a:rPr>
-              <a:t>. 2016. </a:t>
-            </a:r>
-            <a:r>
-              <a:rPr kumimoji="0" lang="es-ES" altLang="es-ES" sz="2800" b="0" i="0" u="none" strike="noStrike" cap="none" normalizeH="0" baseline="0" dirty="0" err="1" smtClean="0">
-                <a:ln>
-                  <a:noFill/>
-                </a:ln>
-                <a:solidFill>
-                  <a:srgbClr val="636382"/>
-                </a:solidFill>
-                <a:effectLst/>
-                <a:latin typeface="Gill Sans MT" panose="020B0502020104020203" pitchFamily="34" charset="0"/>
-                <a:cs typeface="Arial" pitchFamily="34" charset="0"/>
-              </a:rPr>
-              <a:t>Applied</a:t>
-            </a:r>
-            <a:r>
-              <a:rPr kumimoji="0" lang="es-ES" altLang="es-ES" sz="2800" b="0" i="0" u="none" strike="noStrike" cap="none" normalizeH="0" baseline="0" dirty="0" smtClean="0">
-                <a:ln>
-                  <a:noFill/>
-                </a:ln>
-                <a:solidFill>
-                  <a:srgbClr val="636382"/>
-                </a:solidFill>
-                <a:effectLst/>
-                <a:latin typeface="Gill Sans MT" panose="020B0502020104020203" pitchFamily="34" charset="0"/>
-                <a:cs typeface="Arial" pitchFamily="34" charset="0"/>
-              </a:rPr>
-              <a:t> </a:t>
-            </a:r>
-            <a:r>
-              <a:rPr kumimoji="0" lang="es-ES" altLang="es-ES" sz="2800" b="0" i="0" u="none" strike="noStrike" cap="none" normalizeH="0" baseline="0" dirty="0" err="1" smtClean="0">
-                <a:ln>
-                  <a:noFill/>
-                </a:ln>
-                <a:solidFill>
-                  <a:srgbClr val="636382"/>
-                </a:solidFill>
-                <a:effectLst/>
-                <a:latin typeface="Gill Sans MT" panose="020B0502020104020203" pitchFamily="34" charset="0"/>
-                <a:cs typeface="Arial" pitchFamily="34" charset="0"/>
-              </a:rPr>
-              <a:t>hierarchical</a:t>
-            </a:r>
-            <a:r>
-              <a:rPr kumimoji="0" lang="es-ES" altLang="es-ES" sz="2800" b="0" i="0" u="none" strike="noStrike" cap="none" normalizeH="0" baseline="0" dirty="0" smtClean="0">
-                <a:ln>
-                  <a:noFill/>
-                </a:ln>
-                <a:solidFill>
-                  <a:srgbClr val="636382"/>
-                </a:solidFill>
-                <a:effectLst/>
-                <a:latin typeface="Gill Sans MT" panose="020B0502020104020203" pitchFamily="34" charset="0"/>
-                <a:cs typeface="Arial" pitchFamily="34" charset="0"/>
-              </a:rPr>
-              <a:t> </a:t>
-            </a:r>
-            <a:r>
-              <a:rPr kumimoji="0" lang="es-ES" altLang="es-ES" sz="2800" b="0" i="0" u="none" strike="noStrike" cap="none" normalizeH="0" baseline="0" dirty="0" err="1" smtClean="0">
-                <a:ln>
-                  <a:noFill/>
-                </a:ln>
-                <a:solidFill>
-                  <a:srgbClr val="636382"/>
-                </a:solidFill>
-                <a:effectLst/>
-                <a:latin typeface="Gill Sans MT" panose="020B0502020104020203" pitchFamily="34" charset="0"/>
-                <a:cs typeface="Arial" pitchFamily="34" charset="0"/>
-              </a:rPr>
-              <a:t>modeling</a:t>
-            </a:r>
-            <a:r>
-              <a:rPr kumimoji="0" lang="es-ES" altLang="es-ES" sz="2800" b="0" i="0" u="none" strike="noStrike" cap="none" normalizeH="0" baseline="0" dirty="0" smtClean="0">
-                <a:ln>
-                  <a:noFill/>
-                </a:ln>
-                <a:solidFill>
-                  <a:srgbClr val="636382"/>
-                </a:solidFill>
-                <a:effectLst/>
-                <a:latin typeface="Gill Sans MT" panose="020B0502020104020203" pitchFamily="34" charset="0"/>
-                <a:cs typeface="Arial" pitchFamily="34" charset="0"/>
-              </a:rPr>
-              <a:t> in </a:t>
-            </a:r>
-            <a:r>
-              <a:rPr kumimoji="0" lang="es-ES" altLang="es-ES" sz="2800" b="0" i="0" u="none" strike="noStrike" cap="none" normalizeH="0" baseline="0" dirty="0" err="1" smtClean="0">
-                <a:ln>
-                  <a:noFill/>
-                </a:ln>
-                <a:solidFill>
-                  <a:srgbClr val="636382"/>
-                </a:solidFill>
-                <a:effectLst/>
-                <a:latin typeface="Gill Sans MT" panose="020B0502020104020203" pitchFamily="34" charset="0"/>
-                <a:cs typeface="Arial" pitchFamily="34" charset="0"/>
-              </a:rPr>
-              <a:t>ecology</a:t>
-            </a:r>
-            <a:r>
-              <a:rPr kumimoji="0" lang="es-ES" altLang="es-ES" sz="2800" b="0" i="0" u="none" strike="noStrike" cap="none" normalizeH="0" baseline="0" dirty="0" smtClean="0">
-                <a:ln>
-                  <a:noFill/>
-                </a:ln>
-                <a:solidFill>
-                  <a:srgbClr val="636382"/>
-                </a:solidFill>
-                <a:effectLst/>
-                <a:latin typeface="Gill Sans MT" panose="020B0502020104020203" pitchFamily="34" charset="0"/>
-                <a:cs typeface="Arial" pitchFamily="34" charset="0"/>
-              </a:rPr>
-              <a:t>. </a:t>
-            </a:r>
-            <a:r>
-              <a:rPr kumimoji="0" lang="es-ES" altLang="es-ES" sz="2800" b="0" i="0" u="none" strike="noStrike" cap="none" normalizeH="0" baseline="0" dirty="0" err="1" smtClean="0">
-                <a:ln>
-                  <a:noFill/>
-                </a:ln>
-                <a:solidFill>
-                  <a:srgbClr val="636382"/>
-                </a:solidFill>
-                <a:effectLst/>
-                <a:latin typeface="Gill Sans MT" panose="020B0502020104020203" pitchFamily="34" charset="0"/>
-                <a:cs typeface="Arial" pitchFamily="34" charset="0"/>
-              </a:rPr>
-              <a:t>Modeling</a:t>
-            </a:r>
-            <a:r>
-              <a:rPr kumimoji="0" lang="es-ES" altLang="es-ES" sz="2800" b="0" i="0" u="none" strike="noStrike" cap="none" normalizeH="0" baseline="0" dirty="0" smtClean="0">
-                <a:ln>
-                  <a:noFill/>
-                </a:ln>
-                <a:solidFill>
-                  <a:srgbClr val="636382"/>
-                </a:solidFill>
-                <a:effectLst/>
-                <a:latin typeface="Gill Sans MT" panose="020B0502020104020203" pitchFamily="34" charset="0"/>
-                <a:cs typeface="Arial" pitchFamily="34" charset="0"/>
-              </a:rPr>
-              <a:t> </a:t>
-            </a:r>
-            <a:r>
-              <a:rPr kumimoji="0" lang="es-ES" altLang="es-ES" sz="2800" b="0" i="0" u="none" strike="noStrike" cap="none" normalizeH="0" baseline="0" dirty="0" err="1" smtClean="0">
-                <a:ln>
-                  <a:noFill/>
-                </a:ln>
-                <a:solidFill>
-                  <a:srgbClr val="636382"/>
-                </a:solidFill>
-                <a:effectLst/>
-                <a:latin typeface="Gill Sans MT" panose="020B0502020104020203" pitchFamily="34" charset="0"/>
-                <a:cs typeface="Arial" pitchFamily="34" charset="0"/>
-              </a:rPr>
-              <a:t>distribution</a:t>
-            </a:r>
-            <a:r>
-              <a:rPr kumimoji="0" lang="es-ES" altLang="es-ES" sz="2800" b="0" i="0" u="none" strike="noStrike" cap="none" normalizeH="0" baseline="0" dirty="0" smtClean="0">
-                <a:ln>
-                  <a:noFill/>
-                </a:ln>
-                <a:solidFill>
-                  <a:srgbClr val="636382"/>
-                </a:solidFill>
-                <a:effectLst/>
-                <a:latin typeface="Gill Sans MT" panose="020B0502020104020203" pitchFamily="34" charset="0"/>
-                <a:cs typeface="Arial" pitchFamily="34" charset="0"/>
-              </a:rPr>
-              <a:t>, </a:t>
-            </a:r>
-            <a:r>
-              <a:rPr kumimoji="0" lang="es-ES" altLang="es-ES" sz="2800" b="0" i="0" u="none" strike="noStrike" cap="none" normalizeH="0" baseline="0" dirty="0" err="1" smtClean="0">
-                <a:ln>
-                  <a:noFill/>
-                </a:ln>
-                <a:solidFill>
-                  <a:srgbClr val="636382"/>
-                </a:solidFill>
-                <a:effectLst/>
-                <a:latin typeface="Gill Sans MT" panose="020B0502020104020203" pitchFamily="34" charset="0"/>
-                <a:cs typeface="Arial" pitchFamily="34" charset="0"/>
-              </a:rPr>
-              <a:t>abundance</a:t>
-            </a:r>
-            <a:r>
-              <a:rPr kumimoji="0" lang="es-ES" altLang="es-ES" sz="2800" b="0" i="0" u="none" strike="noStrike" cap="none" normalizeH="0" baseline="0" dirty="0" smtClean="0">
-                <a:ln>
-                  <a:noFill/>
-                </a:ln>
-                <a:solidFill>
-                  <a:srgbClr val="636382"/>
-                </a:solidFill>
-                <a:effectLst/>
-                <a:latin typeface="Gill Sans MT" panose="020B0502020104020203" pitchFamily="34" charset="0"/>
-                <a:cs typeface="Arial" pitchFamily="34" charset="0"/>
-              </a:rPr>
-              <a:t> and </a:t>
-            </a:r>
-            <a:r>
-              <a:rPr kumimoji="0" lang="es-ES" altLang="es-ES" sz="2800" b="0" i="0" u="none" strike="noStrike" cap="none" normalizeH="0" baseline="0" dirty="0" err="1" smtClean="0">
-                <a:ln>
-                  <a:noFill/>
-                </a:ln>
-                <a:solidFill>
-                  <a:srgbClr val="636382"/>
-                </a:solidFill>
-                <a:effectLst/>
-                <a:latin typeface="Gill Sans MT" panose="020B0502020104020203" pitchFamily="34" charset="0"/>
-                <a:cs typeface="Arial" pitchFamily="34" charset="0"/>
-              </a:rPr>
-              <a:t>species</a:t>
-            </a:r>
-            <a:r>
-              <a:rPr kumimoji="0" lang="es-ES" altLang="es-ES" sz="2800" b="0" i="0" u="none" strike="noStrike" cap="none" normalizeH="0" baseline="0" dirty="0" smtClean="0">
-                <a:ln>
-                  <a:noFill/>
-                </a:ln>
-                <a:solidFill>
-                  <a:srgbClr val="636382"/>
-                </a:solidFill>
-                <a:effectLst/>
-                <a:latin typeface="Gill Sans MT" panose="020B0502020104020203" pitchFamily="34" charset="0"/>
-                <a:cs typeface="Arial" pitchFamily="34" charset="0"/>
-              </a:rPr>
-              <a:t> </a:t>
-            </a:r>
-            <a:r>
-              <a:rPr kumimoji="0" lang="es-ES" altLang="es-ES" sz="2800" b="0" i="0" u="none" strike="noStrike" cap="none" normalizeH="0" baseline="0" dirty="0" err="1" smtClean="0">
-                <a:ln>
-                  <a:noFill/>
-                </a:ln>
-                <a:solidFill>
-                  <a:srgbClr val="636382"/>
-                </a:solidFill>
-                <a:effectLst/>
-                <a:latin typeface="Gill Sans MT" panose="020B0502020104020203" pitchFamily="34" charset="0"/>
-                <a:cs typeface="Arial" pitchFamily="34" charset="0"/>
-              </a:rPr>
-              <a:t>richness</a:t>
-            </a:r>
-            <a:r>
-              <a:rPr kumimoji="0" lang="es-ES" altLang="es-ES" sz="2800" b="0" i="0" u="none" strike="noStrike" cap="none" normalizeH="0" baseline="0" dirty="0" smtClean="0">
-                <a:ln>
-                  <a:noFill/>
-                </a:ln>
-                <a:solidFill>
-                  <a:srgbClr val="636382"/>
-                </a:solidFill>
-                <a:effectLst/>
-                <a:latin typeface="Gill Sans MT" panose="020B0502020104020203" pitchFamily="34" charset="0"/>
-                <a:cs typeface="Arial" pitchFamily="34" charset="0"/>
-              </a:rPr>
-              <a:t> </a:t>
-            </a:r>
-            <a:r>
-              <a:rPr kumimoji="0" lang="es-ES" altLang="es-ES" sz="2800" b="0" i="0" u="none" strike="noStrike" cap="none" normalizeH="0" baseline="0" dirty="0" err="1" smtClean="0">
-                <a:ln>
-                  <a:noFill/>
-                </a:ln>
-                <a:solidFill>
-                  <a:srgbClr val="636382"/>
-                </a:solidFill>
-                <a:effectLst/>
-                <a:latin typeface="Gill Sans MT" panose="020B0502020104020203" pitchFamily="34" charset="0"/>
-                <a:cs typeface="Arial" pitchFamily="34" charset="0"/>
-              </a:rPr>
-              <a:t>using</a:t>
-            </a:r>
-            <a:r>
-              <a:rPr kumimoji="0" lang="es-ES" altLang="es-ES" sz="2800" b="0" i="0" u="none" strike="noStrike" cap="none" normalizeH="0" baseline="0" dirty="0" smtClean="0">
-                <a:ln>
-                  <a:noFill/>
-                </a:ln>
-                <a:solidFill>
-                  <a:srgbClr val="636382"/>
-                </a:solidFill>
-                <a:effectLst/>
-                <a:latin typeface="Gill Sans MT" panose="020B0502020104020203" pitchFamily="34" charset="0"/>
-                <a:cs typeface="Arial" pitchFamily="34" charset="0"/>
-              </a:rPr>
-              <a:t> R and BUGS.  </a:t>
-            </a:r>
-            <a:r>
-              <a:rPr kumimoji="0" lang="es-ES" altLang="es-ES" sz="2800" b="0" i="0" u="none" strike="noStrike" cap="none" normalizeH="0" baseline="0" dirty="0" err="1" smtClean="0">
-                <a:ln>
-                  <a:noFill/>
-                </a:ln>
-                <a:solidFill>
-                  <a:srgbClr val="636382"/>
-                </a:solidFill>
-                <a:effectLst/>
-                <a:latin typeface="Gill Sans MT" panose="020B0502020104020203" pitchFamily="34" charset="0"/>
-                <a:cs typeface="Arial" pitchFamily="34" charset="0"/>
-              </a:rPr>
-              <a:t>Volume</a:t>
-            </a:r>
-            <a:r>
-              <a:rPr kumimoji="0" lang="es-ES" altLang="es-ES" sz="2800" b="0" i="0" u="none" strike="noStrike" cap="none" normalizeH="0" baseline="0" dirty="0" smtClean="0">
-                <a:ln>
-                  <a:noFill/>
-                </a:ln>
-                <a:solidFill>
-                  <a:srgbClr val="636382"/>
-                </a:solidFill>
-                <a:effectLst/>
-                <a:latin typeface="Gill Sans MT" panose="020B0502020104020203" pitchFamily="34" charset="0"/>
-                <a:cs typeface="Arial" pitchFamily="34" charset="0"/>
-              </a:rPr>
-              <a:t> 1: </a:t>
-            </a:r>
-            <a:r>
-              <a:rPr kumimoji="0" lang="es-ES" altLang="es-ES" sz="2800" b="0" i="0" u="none" strike="noStrike" cap="none" normalizeH="0" baseline="0" dirty="0" err="1" smtClean="0">
-                <a:ln>
-                  <a:noFill/>
-                </a:ln>
-                <a:solidFill>
-                  <a:srgbClr val="636382"/>
-                </a:solidFill>
-                <a:effectLst/>
-                <a:latin typeface="Gill Sans MT" panose="020B0502020104020203" pitchFamily="34" charset="0"/>
-                <a:cs typeface="Arial" pitchFamily="34" charset="0"/>
-              </a:rPr>
-              <a:t>Prelude</a:t>
-            </a:r>
-            <a:r>
-              <a:rPr kumimoji="0" lang="es-ES" altLang="es-ES" sz="2800" b="0" i="0" u="none" strike="noStrike" cap="none" normalizeH="0" baseline="0" dirty="0" smtClean="0">
-                <a:ln>
-                  <a:noFill/>
-                </a:ln>
-                <a:solidFill>
-                  <a:srgbClr val="636382"/>
-                </a:solidFill>
-                <a:effectLst/>
-                <a:latin typeface="Gill Sans MT" panose="020B0502020104020203" pitchFamily="34" charset="0"/>
-                <a:cs typeface="Arial" pitchFamily="34" charset="0"/>
-              </a:rPr>
-              <a:t> and </a:t>
-            </a:r>
-            <a:r>
-              <a:rPr kumimoji="0" lang="es-ES" altLang="es-ES" sz="2800" b="0" i="0" u="none" strike="noStrike" cap="none" normalizeH="0" baseline="0" dirty="0" err="1" smtClean="0">
-                <a:ln>
-                  <a:noFill/>
-                </a:ln>
-                <a:solidFill>
-                  <a:srgbClr val="636382"/>
-                </a:solidFill>
-                <a:effectLst/>
-                <a:latin typeface="Gill Sans MT" panose="020B0502020104020203" pitchFamily="34" charset="0"/>
-                <a:cs typeface="Arial" pitchFamily="34" charset="0"/>
-              </a:rPr>
-              <a:t>Static</a:t>
-            </a:r>
-            <a:r>
-              <a:rPr kumimoji="0" lang="es-ES" altLang="es-ES" sz="2800" b="0" i="0" u="none" strike="noStrike" cap="none" normalizeH="0" baseline="0" dirty="0" smtClean="0">
-                <a:ln>
-                  <a:noFill/>
-                </a:ln>
-                <a:solidFill>
-                  <a:srgbClr val="636382"/>
-                </a:solidFill>
-                <a:effectLst/>
-                <a:latin typeface="Gill Sans MT" panose="020B0502020104020203" pitchFamily="34" charset="0"/>
-                <a:cs typeface="Arial" pitchFamily="34" charset="0"/>
-              </a:rPr>
-              <a:t> </a:t>
-            </a:r>
-            <a:r>
-              <a:rPr kumimoji="0" lang="es-ES" altLang="es-ES" sz="2800" b="0" i="0" u="none" strike="noStrike" cap="none" normalizeH="0" baseline="0" dirty="0" err="1" smtClean="0">
-                <a:ln>
-                  <a:noFill/>
-                </a:ln>
-                <a:solidFill>
-                  <a:srgbClr val="636382"/>
-                </a:solidFill>
-                <a:effectLst/>
-                <a:latin typeface="Gill Sans MT" panose="020B0502020104020203" pitchFamily="34" charset="0"/>
-                <a:cs typeface="Arial" pitchFamily="34" charset="0"/>
-              </a:rPr>
-              <a:t>models</a:t>
-            </a:r>
-            <a:r>
-              <a:rPr kumimoji="0" lang="es-ES" altLang="es-ES" sz="2800" b="0" i="0" u="none" strike="noStrike" cap="none" normalizeH="0" baseline="0" dirty="0" smtClean="0">
-                <a:ln>
-                  <a:noFill/>
-                </a:ln>
-                <a:solidFill>
-                  <a:srgbClr val="636382"/>
-                </a:solidFill>
-                <a:effectLst/>
-                <a:latin typeface="Gill Sans MT" panose="020B0502020104020203" pitchFamily="34" charset="0"/>
-                <a:cs typeface="Arial" pitchFamily="34" charset="0"/>
-              </a:rPr>
-              <a:t>. </a:t>
-            </a:r>
-            <a:r>
-              <a:rPr kumimoji="0" lang="es-ES" altLang="es-ES" sz="2800" b="0" i="0" u="none" strike="noStrike" cap="none" normalizeH="0" baseline="0" dirty="0" err="1" smtClean="0">
-                <a:ln>
-                  <a:noFill/>
-                </a:ln>
-                <a:solidFill>
-                  <a:srgbClr val="636382"/>
-                </a:solidFill>
-                <a:effectLst/>
-                <a:latin typeface="Gill Sans MT" panose="020B0502020104020203" pitchFamily="34" charset="0"/>
-                <a:cs typeface="Arial" pitchFamily="34" charset="0"/>
-              </a:rPr>
-              <a:t>Academic</a:t>
-            </a:r>
-            <a:r>
-              <a:rPr kumimoji="0" lang="es-ES" altLang="es-ES" sz="2800" b="0" i="0" u="none" strike="noStrike" cap="none" normalizeH="0" dirty="0" smtClean="0">
-                <a:ln>
-                  <a:noFill/>
-                </a:ln>
-                <a:solidFill>
-                  <a:srgbClr val="636382"/>
-                </a:solidFill>
-                <a:effectLst/>
-                <a:latin typeface="Gill Sans MT" panose="020B0502020104020203" pitchFamily="34" charset="0"/>
-                <a:cs typeface="Arial" pitchFamily="34" charset="0"/>
-              </a:rPr>
-              <a:t> </a:t>
-            </a:r>
-            <a:r>
-              <a:rPr kumimoji="0" lang="es-ES" altLang="es-ES" sz="2800" b="0" i="0" u="none" strike="noStrike" cap="none" normalizeH="0" dirty="0" err="1" smtClean="0">
-                <a:ln>
-                  <a:noFill/>
-                </a:ln>
-                <a:solidFill>
-                  <a:srgbClr val="636382"/>
-                </a:solidFill>
-                <a:effectLst/>
-                <a:latin typeface="Gill Sans MT" panose="020B0502020104020203" pitchFamily="34" charset="0"/>
-                <a:cs typeface="Arial" pitchFamily="34" charset="0"/>
-              </a:rPr>
-              <a:t>Press</a:t>
-            </a:r>
-            <a:r>
-              <a:rPr kumimoji="0" lang="es-ES" altLang="es-ES" sz="2800" b="0" i="0" u="none" strike="noStrike" cap="none" normalizeH="0" dirty="0" smtClean="0">
-                <a:ln>
-                  <a:noFill/>
-                </a:ln>
-                <a:solidFill>
-                  <a:srgbClr val="636382"/>
-                </a:solidFill>
-                <a:effectLst/>
-                <a:latin typeface="Gill Sans MT" panose="020B0502020104020203" pitchFamily="34" charset="0"/>
-                <a:cs typeface="Arial" pitchFamily="34" charset="0"/>
-              </a:rPr>
-              <a:t>.</a:t>
-            </a:r>
-            <a:endParaRPr kumimoji="0" lang="es-ES" altLang="es-ES" sz="5400" b="0" i="0" u="none" strike="noStrike" cap="none" normalizeH="0" baseline="0" dirty="0" smtClean="0">
-              <a:ln>
-                <a:noFill/>
-              </a:ln>
-              <a:solidFill>
-                <a:srgbClr val="636382"/>
-              </a:solidFill>
-              <a:effectLst/>
-              <a:latin typeface="Gill Sans MT" panose="020B0502020104020203" pitchFamily="34" charset="0"/>
-              <a:cs typeface="Arial" pitchFamily="34" charset="0"/>
-            </a:endParaRPr>
-          </a:p>
-        </p:txBody>
-      </p:sp>
-    </p:spTree>
-    <p:extLst>
-      <p:ext uri="{BB962C8B-B14F-4D97-AF65-F5344CB8AC3E}">
-        <p14:creationId xmlns:p14="http://schemas.microsoft.com/office/powerpoint/2010/main" val="3435539351"/>
-      </p:ext>
-    </p:extLst>
-  </p:cSld>
-  <p:clrMapOvr>
-    <a:masterClrMapping/>
-  </p:clrMapOvr>
-  <p:timing>
-    <p:tnLst>
-      <p:par>
-        <p:cTn id="1" dur="indefinite" restart="never" nodeType="tmRoot"/>
-      </p:par>
-    </p:tnLst>
-  </p:timing>
 </p:sld>
 </file>
 
@@ -15545,7 +15310,7 @@
                 </a:solidFill>
                 <a:latin typeface="Gill Sans MT" panose="020B0502020104020203" pitchFamily="34" charset="0"/>
               </a:rPr>
-              <a:t>considerado</a:t>
+              <a:t>considerando</a:t>
             </a:r>
             <a:r>
               <a:rPr lang="en-US" sz="2800" dirty="0" smtClean="0">
@@ -15554,7 +15319,16 @@
                 </a:solidFill>
                 <a:latin typeface="Gill Sans MT" panose="020B0502020104020203" pitchFamily="34" charset="0"/>
               </a:rPr>
-              <a:t> el </a:t>
+              <a:t> </a:t>
+            </a:r>
+            <a:r>
+              <a:rPr lang="en-US" sz="2800" dirty="0" smtClean="0">
+                <a:solidFill>
+                  <a:srgbClr val="636382"/>
+                </a:solidFill>
+                <a:latin typeface="Gill Sans MT" panose="020B0502020104020203" pitchFamily="34" charset="0"/>
+              </a:rPr>
+              <a:t>el </a:t>
             </a:r>
             <a:r>
               <a:rPr lang="en-US" sz="2800" dirty="0" err="1" smtClean="0">
@@ -16031,6 +15805,946 @@
     <p:extLst>
       <p:ext uri="{BB962C8B-B14F-4D97-AF65-F5344CB8AC3E}">
         <p14:creationId xmlns:p14="http://schemas.microsoft.com/office/powerpoint/2010/main" val="35291665"/>
+      </p:ext>
+    </p:extLst>
+  </p:cSld>
+  <p:clrMapOvr>
+    <a:masterClrMapping/>
+  </p:clrMapOvr>
+  <p:timing>
+    <p:tnLst>
+      <p:par>
+        <p:cTn id="1" dur="indefinite" restart="never" nodeType="tmRoot"/>
+      </p:par>
+    </p:tnLst>
+  </p:timing>
+</p:sld>
+</file>
+
+<file path=ppt/slides/slide20.xml><?xml version="1.0" encoding="utf-8"?>
+<p:sld xmlns:a="http://schemas.openxmlformats.org/drawingml/2006/main" xmlns:r="http://schemas.openxmlformats.org/officeDocument/2006/relationships" xmlns:p="http://schemas.openxmlformats.org/presentationml/2006/main">
+  <p:cSld>
+    <p:spTree>
+      <p:nvGrpSpPr>
+        <p:cNvPr id="1" name=""/>
+        <p:cNvGrpSpPr/>
+        <p:nvPr/>
+      </p:nvGrpSpPr>
+      <p:grpSpPr>
+        <a:xfrm>
+          <a:off x="0" y="0"/>
+          <a:ext cx="0" cy="0"/>
+          <a:chOff x="0" y="0"/>
+          <a:chExt cx="0" cy="0"/>
+        </a:xfrm>
+      </p:grpSpPr>
+      <p:pic>
+        <p:nvPicPr>
+          <p:cNvPr id="6" name="Picture 5"/>
+          <p:cNvPicPr>
+            <a:picLocks noChangeAspect="1"/>
+          </p:cNvPicPr>
+          <p:nvPr/>
+        </p:nvPicPr>
+        <p:blipFill>
+          <a:blip r:embed="rId2"/>
+          <a:stretch>
+            <a:fillRect/>
+          </a:stretch>
+        </p:blipFill>
+        <p:spPr>
+          <a:xfrm>
+            <a:off x="0" y="2420888"/>
+            <a:ext cx="8748464" cy="4528099"/>
+          </a:xfrm>
+          <a:prstGeom prst="rect">
+            <a:avLst/>
+          </a:prstGeom>
+        </p:spPr>
+      </p:pic>
+      <p:pic>
+        <p:nvPicPr>
+          <p:cNvPr id="7" name="Picture 6"/>
+          <p:cNvPicPr>
+            <a:picLocks noChangeAspect="1"/>
+          </p:cNvPicPr>
+          <p:nvPr/>
+        </p:nvPicPr>
+        <p:blipFill>
+          <a:blip r:embed="rId3"/>
+          <a:stretch>
+            <a:fillRect/>
+          </a:stretch>
+        </p:blipFill>
+        <p:spPr>
+          <a:xfrm>
+            <a:off x="3635896" y="404664"/>
+            <a:ext cx="5385429" cy="2664296"/>
+          </a:xfrm>
+          <a:prstGeom prst="rect">
+            <a:avLst/>
+          </a:prstGeom>
+        </p:spPr>
+      </p:pic>
+      <p:pic>
+        <p:nvPicPr>
+          <p:cNvPr id="8" name="Picture 7"/>
+          <p:cNvPicPr>
+            <a:picLocks noChangeAspect="1"/>
+          </p:cNvPicPr>
+          <p:nvPr/>
+        </p:nvPicPr>
+        <p:blipFill>
+          <a:blip r:embed="rId4"/>
+          <a:stretch>
+            <a:fillRect/>
+          </a:stretch>
+        </p:blipFill>
+        <p:spPr>
+          <a:xfrm>
+            <a:off x="579930" y="828983"/>
+            <a:ext cx="2505075" cy="371475"/>
+          </a:xfrm>
+          <a:prstGeom prst="rect">
+            <a:avLst/>
+          </a:prstGeom>
+        </p:spPr>
+      </p:pic>
+    </p:spTree>
+    <p:extLst>
+      <p:ext uri="{BB962C8B-B14F-4D97-AF65-F5344CB8AC3E}">
+        <p14:creationId xmlns:p14="http://schemas.microsoft.com/office/powerpoint/2010/main" val="2059519638"/>
+      </p:ext>
+    </p:extLst>
+  </p:cSld>
+  <p:clrMapOvr>
+    <a:masterClrMapping/>
+  </p:clrMapOvr>
+</p:sld>
+</file>
+
+<file path=ppt/slides/slide21.xml><?xml version="1.0" encoding="utf-8"?>
+<p:sld xmlns:a="http://schemas.openxmlformats.org/drawingml/2006/main" xmlns:r="http://schemas.openxmlformats.org/officeDocument/2006/relationships" xmlns:p="http://schemas.openxmlformats.org/presentationml/2006/main">
+  <p:cSld>
+    <p:spTree>
+      <p:nvGrpSpPr>
+        <p:cNvPr id="1" name=""/>
+        <p:cNvGrpSpPr/>
+        <p:nvPr/>
+      </p:nvGrpSpPr>
+      <p:grpSpPr>
+        <a:xfrm>
+          <a:off x="0" y="0"/>
+          <a:ext cx="0" cy="0"/>
+          <a:chOff x="0" y="0"/>
+          <a:chExt cx="0" cy="0"/>
+        </a:xfrm>
+      </p:grpSpPr>
+      <p:pic>
+        <p:nvPicPr>
+          <p:cNvPr id="3" name="Picture 2"/>
+          <p:cNvPicPr>
+            <a:picLocks noChangeAspect="1"/>
+          </p:cNvPicPr>
+          <p:nvPr/>
+        </p:nvPicPr>
+        <p:blipFill rotWithShape="1">
+          <a:blip r:embed="rId3"/>
+          <a:srcRect r="1281"/>
+          <a:stretch/>
+        </p:blipFill>
+        <p:spPr>
+          <a:xfrm>
+            <a:off x="285750" y="1185862"/>
+            <a:ext cx="8462714" cy="4486275"/>
+          </a:xfrm>
+          <a:prstGeom prst="rect">
+            <a:avLst/>
+          </a:prstGeom>
+        </p:spPr>
+      </p:pic>
+      <p:sp>
+        <p:nvSpPr>
+          <p:cNvPr id="4" name="Rectangle 3"/>
+          <p:cNvSpPr/>
+          <p:nvPr/>
+        </p:nvSpPr>
+        <p:spPr>
+          <a:xfrm>
+            <a:off x="261739" y="5907211"/>
+            <a:ext cx="8280920" cy="923330"/>
+          </a:xfrm>
+          <a:prstGeom prst="rect">
+            <a:avLst/>
+          </a:prstGeom>
+        </p:spPr>
+        <p:txBody>
+          <a:bodyPr wrap="square">
+            <a:spAutoFit/>
+          </a:bodyPr>
+          <a:lstStyle/>
+          <a:p>
+            <a:r>
+              <a:rPr lang="en-US" dirty="0"/>
+              <a:t>Fig. 2. Occupancy probabilities and annual crop proportion for each insectivore species and farming practice (organic farming and conventional farming). Thick lines: predicted occupancy probabilities, thin lines: 95% CRI.</a:t>
+            </a:r>
+            <a:endParaRPr lang="es-ES" dirty="0"/>
+          </a:p>
+        </p:txBody>
+      </p:sp>
+      <p:pic>
+        <p:nvPicPr>
+          <p:cNvPr id="5" name="Picture 4"/>
+          <p:cNvPicPr>
+            <a:picLocks noChangeAspect="1"/>
+          </p:cNvPicPr>
+          <p:nvPr/>
+        </p:nvPicPr>
+        <p:blipFill>
+          <a:blip r:embed="rId4"/>
+          <a:stretch>
+            <a:fillRect/>
+          </a:stretch>
+        </p:blipFill>
+        <p:spPr>
+          <a:xfrm>
+            <a:off x="641963" y="116632"/>
+            <a:ext cx="7818469" cy="504056"/>
+          </a:xfrm>
+          <a:prstGeom prst="rect">
+            <a:avLst/>
+          </a:prstGeom>
+        </p:spPr>
+      </p:pic>
+      <p:sp>
+        <p:nvSpPr>
+          <p:cNvPr id="6" name="TextBox 5"/>
+          <p:cNvSpPr txBox="1"/>
+          <p:nvPr/>
+        </p:nvSpPr>
+        <p:spPr>
+          <a:xfrm>
+            <a:off x="6804248" y="5341147"/>
+            <a:ext cx="2042226" cy="338554"/>
+          </a:xfrm>
+          <a:prstGeom prst="rect">
+            <a:avLst/>
+          </a:prstGeom>
+          <a:noFill/>
+        </p:spPr>
+        <p:txBody>
+          <a:bodyPr wrap="none" rtlCol="0">
+            <a:spAutoFit/>
+          </a:bodyPr>
+          <a:lstStyle/>
+          <a:p>
+            <a:r>
+              <a:rPr lang="es-AR" sz="1600" dirty="0" smtClean="0"/>
+              <a:t>(Contreras et al. 2022)</a:t>
+            </a:r>
+            <a:endParaRPr lang="es-ES" sz="1600" dirty="0"/>
+          </a:p>
+        </p:txBody>
+      </p:sp>
+    </p:spTree>
+    <p:extLst>
+      <p:ext uri="{BB962C8B-B14F-4D97-AF65-F5344CB8AC3E}">
+        <p14:creationId xmlns:p14="http://schemas.microsoft.com/office/powerpoint/2010/main" val="705089152"/>
+      </p:ext>
+    </p:extLst>
+  </p:cSld>
+  <p:clrMapOvr>
+    <a:masterClrMapping/>
+  </p:clrMapOvr>
+</p:sld>
+</file>
+
+<file path=ppt/slides/slide22.xml><?xml version="1.0" encoding="utf-8"?>
+<p:sld xmlns:a="http://schemas.openxmlformats.org/drawingml/2006/main" xmlns:r="http://schemas.openxmlformats.org/officeDocument/2006/relationships" xmlns:p="http://schemas.openxmlformats.org/presentationml/2006/main">
+  <p:cSld>
+    <p:spTree>
+      <p:nvGrpSpPr>
+        <p:cNvPr id="1" name=""/>
+        <p:cNvGrpSpPr/>
+        <p:nvPr/>
+      </p:nvGrpSpPr>
+      <p:grpSpPr>
+        <a:xfrm>
+          <a:off x="0" y="0"/>
+          <a:ext cx="0" cy="0"/>
+          <a:chOff x="0" y="0"/>
+          <a:chExt cx="0" cy="0"/>
+        </a:xfrm>
+      </p:grpSpPr>
+      <p:sp>
+        <p:nvSpPr>
+          <p:cNvPr id="3" name="TextBox 2"/>
+          <p:cNvSpPr txBox="1"/>
+          <p:nvPr/>
+        </p:nvSpPr>
+        <p:spPr>
+          <a:xfrm>
+            <a:off x="251520" y="44624"/>
+            <a:ext cx="8136904" cy="646331"/>
+          </a:xfrm>
+          <a:prstGeom prst="rect">
+            <a:avLst/>
+          </a:prstGeom>
+          <a:noFill/>
+        </p:spPr>
+        <p:txBody>
+          <a:bodyPr wrap="square" rtlCol="0">
+            <a:spAutoFit/>
+          </a:bodyPr>
+          <a:lstStyle/>
+          <a:p>
+            <a:r>
+              <a:rPr lang="es-ES" sz="3600" dirty="0" smtClean="0">
+                <a:solidFill>
+                  <a:schemeClr val="accent2"/>
+                </a:solidFill>
+                <a:effectLst>
+                  <a:outerShdw blurRad="38100" dist="38100" dir="2700000" algn="tl">
+                    <a:srgbClr val="000000">
+                      <a:alpha val="43137"/>
+                    </a:srgbClr>
+                  </a:outerShdw>
+                </a:effectLst>
+                <a:latin typeface="Gill Sans MT" panose="020B0502020104020203" pitchFamily="34" charset="0"/>
+              </a:rPr>
+              <a:t>REFERENCIAS</a:t>
+            </a:r>
+            <a:endParaRPr lang="es-ES" sz="3800" dirty="0">
+              <a:solidFill>
+                <a:schemeClr val="accent2"/>
+              </a:solidFill>
+              <a:effectLst>
+                <a:outerShdw blurRad="38100" dist="38100" dir="2700000" algn="tl">
+                  <a:srgbClr val="000000">
+                    <a:alpha val="43137"/>
+                  </a:srgbClr>
+                </a:outerShdw>
+              </a:effectLst>
+              <a:latin typeface="Gill Sans MT" panose="020B0502020104020203" pitchFamily="34" charset="0"/>
+            </a:endParaRPr>
+          </a:p>
+        </p:txBody>
+      </p:sp>
+      <p:sp>
+        <p:nvSpPr>
+          <p:cNvPr id="4" name="Rectangle 3"/>
+          <p:cNvSpPr/>
+          <p:nvPr/>
+        </p:nvSpPr>
+        <p:spPr>
+          <a:xfrm>
+            <a:off x="1098270" y="980728"/>
+            <a:ext cx="7866218" cy="4483515"/>
+          </a:xfrm>
+          <a:prstGeom prst="rect">
+            <a:avLst/>
+          </a:prstGeom>
+        </p:spPr>
+        <p:txBody>
+          <a:bodyPr>
+            <a:noAutofit/>
+          </a:bodyPr>
+          <a:lstStyle/>
+          <a:p>
+            <a:pPr marL="342900" indent="-342900" eaLnBrk="1" hangingPunct="1">
+              <a:spcBef>
+                <a:spcPts val="0"/>
+              </a:spcBef>
+              <a:spcAft>
+                <a:spcPts val="1200"/>
+              </a:spcAft>
+              <a:buFont typeface="Arial" panose="020B0604020202020204" pitchFamily="34" charset="0"/>
+              <a:buChar char="•"/>
+            </a:pPr>
+            <a:endParaRPr lang="en-US" sz="2400" dirty="0" err="1">
+              <a:solidFill>
+                <a:srgbClr val="636382"/>
+              </a:solidFill>
+              <a:latin typeface="Gill Sans MT" panose="020B0502020104020203" pitchFamily="34" charset="0"/>
+              <a:cs typeface="+mn-cs"/>
+            </a:endParaRPr>
+          </a:p>
+        </p:txBody>
+      </p:sp>
+      <p:sp>
+        <p:nvSpPr>
+          <p:cNvPr id="6" name="Content Placeholder 4"/>
+          <p:cNvSpPr txBox="1">
+            <a:spLocks/>
+          </p:cNvSpPr>
+          <p:nvPr/>
+        </p:nvSpPr>
+        <p:spPr>
+          <a:xfrm>
+            <a:off x="899592" y="836712"/>
+            <a:ext cx="8064896" cy="5310754"/>
+          </a:xfrm>
+          <a:prstGeom prst="rect">
+            <a:avLst/>
+          </a:prstGeom>
+        </p:spPr>
+        <p:txBody>
+          <a:bodyPr>
+            <a:noAutofit/>
+          </a:bodyPr>
+          <a:lstStyle>
+            <a:lvl1pPr marL="342900" indent="-342900" algn="l" defTabSz="914400" rtl="0" eaLnBrk="1" latinLnBrk="0" hangingPunct="1">
+              <a:spcBef>
+                <a:spcPct val="20000"/>
+              </a:spcBef>
+              <a:buFont typeface="Arial" panose="020B0604020202020204" pitchFamily="34" charset="0"/>
+              <a:buChar char="•"/>
+              <a:defRPr sz="3200" kern="1200">
+                <a:solidFill>
+                  <a:schemeClr val="tx1"/>
+                </a:solidFill>
+                <a:latin typeface="+mn-lt"/>
+                <a:ea typeface="+mn-ea"/>
+                <a:cs typeface="+mn-cs"/>
+              </a:defRPr>
+            </a:lvl1pPr>
+            <a:lvl2pPr marL="742950" indent="-285750" algn="l" defTabSz="914400" rtl="0" eaLnBrk="1" latinLnBrk="0" hangingPunct="1">
+              <a:spcBef>
+                <a:spcPct val="20000"/>
+              </a:spcBef>
+              <a:buFont typeface="Arial" panose="020B0604020202020204" pitchFamily="34" charset="0"/>
+              <a:buChar char="–"/>
+              <a:defRPr sz="2800" kern="1200">
+                <a:solidFill>
+                  <a:schemeClr val="tx1"/>
+                </a:solidFill>
+                <a:latin typeface="+mn-lt"/>
+                <a:ea typeface="+mn-ea"/>
+                <a:cs typeface="+mn-cs"/>
+              </a:defRPr>
+            </a:lvl2pPr>
+            <a:lvl3pPr marL="1143000" indent="-228600" algn="l" defTabSz="914400" rtl="0" eaLnBrk="1" latinLnBrk="0" hangingPunct="1">
+              <a:spcBef>
+                <a:spcPct val="20000"/>
+              </a:spcBef>
+              <a:buFont typeface="Arial" panose="020B0604020202020204" pitchFamily="34" charset="0"/>
+              <a:buChar char="•"/>
+              <a:defRPr sz="2400" kern="1200">
+                <a:solidFill>
+                  <a:schemeClr val="tx1"/>
+                </a:solidFill>
+                <a:latin typeface="+mn-lt"/>
+                <a:ea typeface="+mn-ea"/>
+                <a:cs typeface="+mn-cs"/>
+              </a:defRPr>
+            </a:lvl3pPr>
+            <a:lvl4pPr marL="1600200" indent="-228600" algn="l" defTabSz="914400" rtl="0" eaLnBrk="1" latinLnBrk="0" hangingPunct="1">
+              <a:spcBef>
+                <a:spcPct val="20000"/>
+              </a:spcBef>
+              <a:buFont typeface="Arial" panose="020B0604020202020204" pitchFamily="34" charset="0"/>
+              <a:buChar char="–"/>
+              <a:defRPr sz="2000" kern="1200">
+                <a:solidFill>
+                  <a:schemeClr val="tx1"/>
+                </a:solidFill>
+                <a:latin typeface="+mn-lt"/>
+                <a:ea typeface="+mn-ea"/>
+                <a:cs typeface="+mn-cs"/>
+              </a:defRPr>
+            </a:lvl4pPr>
+            <a:lvl5pPr marL="2057400" indent="-228600" algn="l" defTabSz="914400" rtl="0" eaLnBrk="1" latinLnBrk="0" hangingPunct="1">
+              <a:spcBef>
+                <a:spcPct val="20000"/>
+              </a:spcBef>
+              <a:buFont typeface="Arial" panose="020B0604020202020204" pitchFamily="34" charset="0"/>
+              <a:buChar char="»"/>
+              <a:defRPr sz="2000" kern="1200">
+                <a:solidFill>
+                  <a:schemeClr val="tx1"/>
+                </a:solidFill>
+                <a:latin typeface="+mn-lt"/>
+                <a:ea typeface="+mn-ea"/>
+                <a:cs typeface="+mn-cs"/>
+              </a:defRPr>
+            </a:lvl5pPr>
+            <a:lvl6pPr marL="2514600" indent="-228600" algn="l" defTabSz="914400" rtl="0" eaLnBrk="1" latinLnBrk="0" hangingPunct="1">
+              <a:spcBef>
+                <a:spcPct val="20000"/>
+              </a:spcBef>
+              <a:buFont typeface="Arial" panose="020B0604020202020204" pitchFamily="34" charset="0"/>
+              <a:buChar char="•"/>
+              <a:defRPr sz="2000" kern="1200">
+                <a:solidFill>
+                  <a:schemeClr val="tx1"/>
+                </a:solidFill>
+                <a:latin typeface="+mn-lt"/>
+                <a:ea typeface="+mn-ea"/>
+                <a:cs typeface="+mn-cs"/>
+              </a:defRPr>
+            </a:lvl6pPr>
+            <a:lvl7pPr marL="2971800" indent="-228600" algn="l" defTabSz="914400" rtl="0" eaLnBrk="1" latinLnBrk="0" hangingPunct="1">
+              <a:spcBef>
+                <a:spcPct val="20000"/>
+              </a:spcBef>
+              <a:buFont typeface="Arial" panose="020B0604020202020204" pitchFamily="34" charset="0"/>
+              <a:buChar char="•"/>
+              <a:defRPr sz="2000" kern="1200">
+                <a:solidFill>
+                  <a:schemeClr val="tx1"/>
+                </a:solidFill>
+                <a:latin typeface="+mn-lt"/>
+                <a:ea typeface="+mn-ea"/>
+                <a:cs typeface="+mn-cs"/>
+              </a:defRPr>
+            </a:lvl7pPr>
+            <a:lvl8pPr marL="3429000" indent="-228600" algn="l" defTabSz="914400" rtl="0" eaLnBrk="1" latinLnBrk="0" hangingPunct="1">
+              <a:spcBef>
+                <a:spcPct val="20000"/>
+              </a:spcBef>
+              <a:buFont typeface="Arial" panose="020B0604020202020204" pitchFamily="34" charset="0"/>
+              <a:buChar char="•"/>
+              <a:defRPr sz="2000" kern="1200">
+                <a:solidFill>
+                  <a:schemeClr val="tx1"/>
+                </a:solidFill>
+                <a:latin typeface="+mn-lt"/>
+                <a:ea typeface="+mn-ea"/>
+                <a:cs typeface="+mn-cs"/>
+              </a:defRPr>
+            </a:lvl8pPr>
+            <a:lvl9pPr marL="3886200" indent="-228600" algn="l" defTabSz="914400" rtl="0" eaLnBrk="1" latinLnBrk="0" hangingPunct="1">
+              <a:spcBef>
+                <a:spcPct val="20000"/>
+              </a:spcBef>
+              <a:buFont typeface="Arial" panose="020B0604020202020204" pitchFamily="34" charset="0"/>
+              <a:buChar char="•"/>
+              <a:defRPr sz="2000" kern="1200">
+                <a:solidFill>
+                  <a:schemeClr val="tx1"/>
+                </a:solidFill>
+                <a:latin typeface="+mn-lt"/>
+                <a:ea typeface="+mn-ea"/>
+                <a:cs typeface="+mn-cs"/>
+              </a:defRPr>
+            </a:lvl9pPr>
+          </a:lstStyle>
+          <a:p>
+            <a:pPr fontAlgn="auto">
+              <a:spcBef>
+                <a:spcPts val="600"/>
+              </a:spcBef>
+              <a:spcAft>
+                <a:spcPts val="0"/>
+              </a:spcAft>
+            </a:pPr>
+            <a:endParaRPr lang="en-US" sz="600" dirty="0" smtClean="0">
+              <a:solidFill>
+                <a:srgbClr val="636382"/>
+              </a:solidFill>
+              <a:latin typeface="Gill Sans MT" panose="020B0502020104020203" pitchFamily="34" charset="0"/>
+            </a:endParaRPr>
+          </a:p>
+        </p:txBody>
+      </p:sp>
+      <p:sp>
+        <p:nvSpPr>
+          <p:cNvPr id="2" name="Rectangle 1"/>
+          <p:cNvSpPr/>
+          <p:nvPr/>
+        </p:nvSpPr>
+        <p:spPr>
+          <a:xfrm>
+            <a:off x="144016" y="861675"/>
+            <a:ext cx="8892480" cy="5447645"/>
+          </a:xfrm>
+          <a:prstGeom prst="rect">
+            <a:avLst/>
+          </a:prstGeom>
+        </p:spPr>
+        <p:txBody>
+          <a:bodyPr wrap="square">
+            <a:spAutoFit/>
+          </a:bodyPr>
+          <a:lstStyle/>
+          <a:p>
+            <a:pPr marL="115887" marR="0" lvl="1">
+              <a:spcBef>
+                <a:spcPts val="600"/>
+              </a:spcBef>
+              <a:spcAft>
+                <a:spcPts val="0"/>
+              </a:spcAft>
+            </a:pPr>
+            <a:r>
+              <a:rPr lang="es-ES" sz="1700" dirty="0">
+                <a:solidFill>
+                  <a:srgbClr val="636382"/>
+                </a:solidFill>
+                <a:latin typeface="Gill Sans MT" panose="020B0502020104020203" pitchFamily="34" charset="0"/>
+              </a:rPr>
+              <a:t>Contreras, F., Goijman, A.P., Coda, J.A., Serafini, V.N., Priotto, J.W., 2022. </a:t>
+            </a:r>
+            <a:r>
+              <a:rPr lang="en-US" sz="1700" dirty="0">
+                <a:solidFill>
+                  <a:srgbClr val="636382"/>
+                </a:solidFill>
+                <a:latin typeface="Gill Sans MT" panose="020B0502020104020203" pitchFamily="34" charset="0"/>
+              </a:rPr>
+              <a:t>Bird occupancy in intensively managed agroecosystems under large-scale organic and conventional farming in Argentina: A multi-species approach. </a:t>
+            </a:r>
+            <a:r>
+              <a:rPr lang="es-ES" sz="1700" dirty="0" err="1">
+                <a:solidFill>
+                  <a:srgbClr val="636382"/>
+                </a:solidFill>
+                <a:latin typeface="Gill Sans MT" panose="020B0502020104020203" pitchFamily="34" charset="0"/>
+              </a:rPr>
+              <a:t>Sci</a:t>
+            </a:r>
+            <a:r>
+              <a:rPr lang="es-ES" sz="1700" dirty="0">
+                <a:solidFill>
+                  <a:srgbClr val="636382"/>
+                </a:solidFill>
+                <a:latin typeface="Gill Sans MT" panose="020B0502020104020203" pitchFamily="34" charset="0"/>
+              </a:rPr>
+              <a:t>. Total </a:t>
+            </a:r>
+            <a:r>
+              <a:rPr lang="es-ES" sz="1700" dirty="0" err="1">
+                <a:solidFill>
+                  <a:srgbClr val="636382"/>
+                </a:solidFill>
+                <a:latin typeface="Gill Sans MT" panose="020B0502020104020203" pitchFamily="34" charset="0"/>
+              </a:rPr>
+              <a:t>Environ</a:t>
+            </a:r>
+            <a:r>
+              <a:rPr lang="es-ES" sz="1700" dirty="0">
+                <a:solidFill>
+                  <a:srgbClr val="636382"/>
+                </a:solidFill>
+                <a:latin typeface="Gill Sans MT" panose="020B0502020104020203" pitchFamily="34" charset="0"/>
+              </a:rPr>
+              <a:t>. 805, 150301. https://doi.org/10.1016/j.scitotenv.2021.150301</a:t>
+            </a:r>
+          </a:p>
+          <a:p>
+            <a:pPr marL="115887" marR="0" lvl="1">
+              <a:spcBef>
+                <a:spcPts val="600"/>
+              </a:spcBef>
+              <a:spcAft>
+                <a:spcPts val="0"/>
+              </a:spcAft>
+            </a:pPr>
+            <a:r>
+              <a:rPr lang="es-ES" sz="1700" dirty="0" err="1">
+                <a:solidFill>
+                  <a:srgbClr val="636382"/>
+                </a:solidFill>
+                <a:latin typeface="Gill Sans MT" panose="020B0502020104020203" pitchFamily="34" charset="0"/>
+              </a:rPr>
+              <a:t>Dorazio</a:t>
+            </a:r>
+            <a:r>
+              <a:rPr lang="es-ES" sz="1700" dirty="0">
+                <a:solidFill>
+                  <a:srgbClr val="636382"/>
+                </a:solidFill>
+                <a:latin typeface="Gill Sans MT" panose="020B0502020104020203" pitchFamily="34" charset="0"/>
+              </a:rPr>
+              <a:t>, R.M., </a:t>
+            </a:r>
+            <a:r>
+              <a:rPr lang="es-ES" sz="1700" dirty="0" err="1">
+                <a:solidFill>
+                  <a:srgbClr val="636382"/>
+                </a:solidFill>
+                <a:latin typeface="Gill Sans MT" panose="020B0502020104020203" pitchFamily="34" charset="0"/>
+              </a:rPr>
+              <a:t>Royle</a:t>
+            </a:r>
+            <a:r>
+              <a:rPr lang="es-ES" sz="1700" dirty="0">
+                <a:solidFill>
+                  <a:srgbClr val="636382"/>
+                </a:solidFill>
+                <a:latin typeface="Gill Sans MT" panose="020B0502020104020203" pitchFamily="34" charset="0"/>
+              </a:rPr>
+              <a:t>, J.A., 2005. </a:t>
+            </a:r>
+            <a:r>
+              <a:rPr lang="en-US" sz="1700" dirty="0">
+                <a:solidFill>
+                  <a:srgbClr val="636382"/>
+                </a:solidFill>
+                <a:latin typeface="Gill Sans MT" panose="020B0502020104020203" pitchFamily="34" charset="0"/>
+              </a:rPr>
+              <a:t>Estimating Size and Composition of Biological Communities by Modeling the Occurrence of Species. J. Am. Stat. Assoc. 100, 389–398.</a:t>
+            </a:r>
+            <a:endParaRPr lang="es-ES" sz="1700" dirty="0">
+              <a:solidFill>
+                <a:srgbClr val="636382"/>
+              </a:solidFill>
+              <a:latin typeface="Gill Sans MT" panose="020B0502020104020203" pitchFamily="34" charset="0"/>
+            </a:endParaRPr>
+          </a:p>
+          <a:p>
+            <a:pPr marL="115887" marR="0" lvl="1">
+              <a:spcBef>
+                <a:spcPts val="600"/>
+              </a:spcBef>
+              <a:spcAft>
+                <a:spcPts val="0"/>
+              </a:spcAft>
+            </a:pPr>
+            <a:r>
+              <a:rPr lang="en-US" sz="1700" dirty="0">
+                <a:solidFill>
+                  <a:srgbClr val="636382"/>
+                </a:solidFill>
+                <a:latin typeface="Gill Sans MT" panose="020B0502020104020203" pitchFamily="34" charset="0"/>
+              </a:rPr>
+              <a:t>Goijman, A.P., Conroy, </a:t>
+            </a:r>
+            <a:r>
+              <a:rPr lang="en-US" sz="1700" dirty="0" err="1">
+                <a:solidFill>
+                  <a:srgbClr val="636382"/>
+                </a:solidFill>
+                <a:latin typeface="Gill Sans MT" panose="020B0502020104020203" pitchFamily="34" charset="0"/>
+              </a:rPr>
+              <a:t>Michael.J</a:t>
+            </a:r>
+            <a:r>
+              <a:rPr lang="en-US" sz="1700" dirty="0">
+                <a:solidFill>
+                  <a:srgbClr val="636382"/>
+                </a:solidFill>
+                <a:latin typeface="Gill Sans MT" panose="020B0502020104020203" pitchFamily="34" charset="0"/>
+              </a:rPr>
+              <a:t>., </a:t>
+            </a:r>
+            <a:r>
+              <a:rPr lang="en-US" sz="1700" dirty="0" err="1">
+                <a:solidFill>
+                  <a:srgbClr val="636382"/>
+                </a:solidFill>
+                <a:latin typeface="Gill Sans MT" panose="020B0502020104020203" pitchFamily="34" charset="0"/>
+              </a:rPr>
+              <a:t>Bernardos</a:t>
+            </a:r>
+            <a:r>
+              <a:rPr lang="en-US" sz="1700" dirty="0">
+                <a:solidFill>
+                  <a:srgbClr val="636382"/>
+                </a:solidFill>
+                <a:latin typeface="Gill Sans MT" panose="020B0502020104020203" pitchFamily="34" charset="0"/>
+              </a:rPr>
+              <a:t>, J.N., Zaccagnini, M.E., 2015. Multi-Season Regional Analysis of Multi-Species Occupancy: Implications for Bird Conservation in Agricultural Lands in East-Central Argentina. </a:t>
+            </a:r>
+            <a:r>
+              <a:rPr lang="es-ES" sz="1700" dirty="0">
+                <a:solidFill>
+                  <a:srgbClr val="636382"/>
+                </a:solidFill>
+                <a:latin typeface="Gill Sans MT" panose="020B0502020104020203" pitchFamily="34" charset="0"/>
+              </a:rPr>
+              <a:t>PLOS ONE 10, e0130874. https://doi.org/10.1371/journal.pone.0130874</a:t>
+            </a:r>
+          </a:p>
+          <a:p>
+            <a:pPr marL="115887" marR="0" lvl="1">
+              <a:spcBef>
+                <a:spcPts val="600"/>
+              </a:spcBef>
+              <a:spcAft>
+                <a:spcPts val="0"/>
+              </a:spcAft>
+            </a:pPr>
+            <a:r>
+              <a:rPr lang="es-ES" sz="1700" dirty="0">
+                <a:solidFill>
+                  <a:srgbClr val="636382"/>
+                </a:solidFill>
+                <a:latin typeface="Gill Sans MT" panose="020B0502020104020203" pitchFamily="34" charset="0"/>
+              </a:rPr>
+              <a:t>Macchi, L., Decarre, J., Goijman, A.P., </a:t>
+            </a:r>
+            <a:r>
+              <a:rPr lang="es-ES" sz="1700" dirty="0" err="1">
+                <a:solidFill>
+                  <a:srgbClr val="636382"/>
+                </a:solidFill>
+                <a:latin typeface="Gill Sans MT" panose="020B0502020104020203" pitchFamily="34" charset="0"/>
+              </a:rPr>
+              <a:t>Mastrangelo</a:t>
+            </a:r>
+            <a:r>
+              <a:rPr lang="es-ES" sz="1700" dirty="0">
+                <a:solidFill>
+                  <a:srgbClr val="636382"/>
+                </a:solidFill>
+                <a:latin typeface="Gill Sans MT" panose="020B0502020104020203" pitchFamily="34" charset="0"/>
+              </a:rPr>
+              <a:t>, M., </a:t>
+            </a:r>
+            <a:r>
+              <a:rPr lang="es-ES" sz="1700" dirty="0" err="1">
+                <a:solidFill>
+                  <a:srgbClr val="636382"/>
+                </a:solidFill>
+                <a:latin typeface="Gill Sans MT" panose="020B0502020104020203" pitchFamily="34" charset="0"/>
+              </a:rPr>
+              <a:t>Blendinger</a:t>
+            </a:r>
+            <a:r>
+              <a:rPr lang="es-ES" sz="1700" dirty="0">
+                <a:solidFill>
+                  <a:srgbClr val="636382"/>
+                </a:solidFill>
+                <a:latin typeface="Gill Sans MT" panose="020B0502020104020203" pitchFamily="34" charset="0"/>
+              </a:rPr>
+              <a:t>, P.G., Gavier‐Pizarro, G.I., Murray, F., Piquer‐Rodriguez, M., Semper‐Pascual, A., </a:t>
+            </a:r>
+            <a:r>
+              <a:rPr lang="es-ES" sz="1700" dirty="0" err="1">
+                <a:solidFill>
+                  <a:srgbClr val="636382"/>
+                </a:solidFill>
+                <a:latin typeface="Gill Sans MT" panose="020B0502020104020203" pitchFamily="34" charset="0"/>
+              </a:rPr>
+              <a:t>Kuemmerle</a:t>
+            </a:r>
+            <a:r>
+              <a:rPr lang="es-ES" sz="1700" dirty="0">
+                <a:solidFill>
+                  <a:srgbClr val="636382"/>
+                </a:solidFill>
+                <a:latin typeface="Gill Sans MT" panose="020B0502020104020203" pitchFamily="34" charset="0"/>
+              </a:rPr>
+              <a:t>, T., 2020. </a:t>
+            </a:r>
+            <a:r>
+              <a:rPr lang="en-US" sz="1700" dirty="0">
+                <a:solidFill>
+                  <a:srgbClr val="636382"/>
+                </a:solidFill>
+                <a:latin typeface="Gill Sans MT" panose="020B0502020104020203" pitchFamily="34" charset="0"/>
+              </a:rPr>
+              <a:t>Trade‐offs between biodiversity and agriculture are moving targets in dynamic landscapes. J. Appl. Ecol. 57, 2054–2063. https://doi.org/10.1111/1365-2664.13699</a:t>
+            </a:r>
+            <a:endParaRPr lang="es-ES" sz="1700" dirty="0">
+              <a:solidFill>
+                <a:srgbClr val="636382"/>
+              </a:solidFill>
+              <a:latin typeface="Gill Sans MT" panose="020B0502020104020203" pitchFamily="34" charset="0"/>
+            </a:endParaRPr>
+          </a:p>
+          <a:p>
+            <a:pPr marL="115887" marR="0" lvl="1">
+              <a:spcBef>
+                <a:spcPts val="600"/>
+              </a:spcBef>
+              <a:spcAft>
+                <a:spcPts val="0"/>
+              </a:spcAft>
+            </a:pPr>
+            <a:r>
+              <a:rPr lang="en-US" sz="1700" dirty="0">
+                <a:solidFill>
+                  <a:srgbClr val="636382"/>
+                </a:solidFill>
+                <a:latin typeface="Gill Sans MT" panose="020B0502020104020203" pitchFamily="34" charset="0"/>
+              </a:rPr>
+              <a:t>Serafini, V.N., Coda, J.A., Contreras, F., Conroy, M.J., Gomez, M.D., Priotto, J.W., 2019. The landscape complexity relevance to farming effect assessment on small mammal occupancy in Argentinian farmlands. </a:t>
+            </a:r>
+            <a:r>
+              <a:rPr lang="en-US" sz="1700" dirty="0" err="1">
+                <a:solidFill>
+                  <a:srgbClr val="636382"/>
+                </a:solidFill>
+                <a:latin typeface="Gill Sans MT" panose="020B0502020104020203" pitchFamily="34" charset="0"/>
+              </a:rPr>
+              <a:t>Oecologia</a:t>
+            </a:r>
+            <a:r>
+              <a:rPr lang="en-US" sz="1700" dirty="0">
+                <a:solidFill>
+                  <a:srgbClr val="636382"/>
+                </a:solidFill>
+                <a:latin typeface="Gill Sans MT" panose="020B0502020104020203" pitchFamily="34" charset="0"/>
+              </a:rPr>
+              <a:t> 191, 995–1002. https://doi.org/10.1007/s00442-019-04545-3</a:t>
+            </a:r>
+            <a:endParaRPr lang="es-ES" sz="1700" dirty="0">
+              <a:solidFill>
+                <a:srgbClr val="636382"/>
+              </a:solidFill>
+              <a:latin typeface="Gill Sans MT" panose="020B0502020104020203" pitchFamily="34" charset="0"/>
+            </a:endParaRPr>
+          </a:p>
+          <a:p>
+            <a:pPr marL="115887" lvl="1">
+              <a:spcBef>
+                <a:spcPts val="600"/>
+              </a:spcBef>
+              <a:spcAft>
+                <a:spcPts val="0"/>
+              </a:spcAft>
+            </a:pPr>
+            <a:r>
+              <a:rPr lang="en-US" sz="1700" dirty="0" err="1">
+                <a:solidFill>
+                  <a:srgbClr val="636382"/>
+                </a:solidFill>
+                <a:latin typeface="Gill Sans MT" panose="020B0502020104020203" pitchFamily="34" charset="0"/>
+              </a:rPr>
+              <a:t>Kery</a:t>
+            </a:r>
+            <a:r>
+              <a:rPr lang="en-US" sz="1700" dirty="0">
+                <a:solidFill>
+                  <a:srgbClr val="636382"/>
+                </a:solidFill>
+                <a:latin typeface="Gill Sans MT" panose="020B0502020104020203" pitchFamily="34" charset="0"/>
+              </a:rPr>
+              <a:t>, M., J. </a:t>
+            </a:r>
+            <a:r>
+              <a:rPr lang="en-US" sz="1700" dirty="0" err="1">
+                <a:solidFill>
+                  <a:srgbClr val="636382"/>
+                </a:solidFill>
+                <a:latin typeface="Gill Sans MT" panose="020B0502020104020203" pitchFamily="34" charset="0"/>
+              </a:rPr>
+              <a:t>Royle</a:t>
+            </a:r>
+            <a:r>
+              <a:rPr lang="en-US" sz="1700" dirty="0">
+                <a:solidFill>
+                  <a:srgbClr val="636382"/>
+                </a:solidFill>
+                <a:latin typeface="Gill Sans MT" panose="020B0502020104020203" pitchFamily="34" charset="0"/>
+              </a:rPr>
+              <a:t>, A. 2016. Applied hierarchical modeling in ecology. Modeling distribution, abundance and species richness using R and BUGS.  Volume 1: Prelude and Static models. Academic Press.</a:t>
+            </a:r>
+            <a:endParaRPr lang="es-ES" sz="1700" dirty="0">
+              <a:solidFill>
+                <a:srgbClr val="636382"/>
+              </a:solidFill>
+              <a:latin typeface="Gill Sans MT" panose="020B0502020104020203" pitchFamily="34" charset="0"/>
+            </a:endParaRPr>
+          </a:p>
+        </p:txBody>
+      </p:sp>
+    </p:spTree>
+    <p:extLst>
+      <p:ext uri="{BB962C8B-B14F-4D97-AF65-F5344CB8AC3E}">
+        <p14:creationId xmlns:p14="http://schemas.microsoft.com/office/powerpoint/2010/main" val="3435539351"/>
       </p:ext>
     </p:extLst>
   </p:cSld>
@@ -17467,12 +18181,6 @@
               </a:rPr>
               <a:t>…</a:t>
             </a:r>
-            <a:endParaRPr lang="en-US" sz="2600" dirty="0" smtClean="0">
-              <a:solidFill>
-                <a:srgbClr val="636382"/>
-              </a:solidFill>
-              <a:latin typeface="Gill Sans MT" panose="020B0502020104020203" pitchFamily="34" charset="0"/>
-            </a:endParaRPr>
           </a:p>
           <a:p>
             <a:pPr marL="742950" lvl="1" indent="-285750">
@@ -17657,7 +18365,7 @@
                 </a:solidFill>
                 <a:latin typeface="Gill Sans MT" panose="020B0502020104020203" pitchFamily="34" charset="0"/>
               </a:rPr>
-              <a:t>Dinamicas</a:t>
+              <a:t>Dinámicas</a:t>
             </a:r>
             <a:r>
               <a:rPr lang="en-US" sz="2600" dirty="0" smtClean="0">
@@ -18422,16 +19130,7 @@
                 </a:solidFill>
                 <a:latin typeface="Gill Sans MT" panose="020B0502020104020203" pitchFamily="34" charset="0"/>
               </a:rPr>
-              <a:t> (gamma</a:t>
-            </a:r>
-            <a:r>
-              <a:rPr lang="en-US" sz="2600" dirty="0" smtClean="0">
-                <a:solidFill>
-                  <a:srgbClr val="636382"/>
-                </a:solidFill>
-                <a:latin typeface="Gill Sans MT" panose="020B0502020104020203" pitchFamily="34" charset="0"/>
-              </a:rPr>
-              <a:t>) </a:t>
+              <a:t> (gamma) </a:t>
             </a:r>
             <a:r>
               <a:rPr lang="en-US" sz="2600" dirty="0" err="1" smtClean="0">
@@ -18713,64 +19412,16 @@
           <a:chExt cx="0" cy="0"/>
         </a:xfrm>
       </p:grpSpPr>
-      <p:pic>
-        <p:nvPicPr>
-          <p:cNvPr id="2" name="Imagen 1"/>
-          <p:cNvPicPr>
-            <a:picLocks noChangeAspect="1"/>
-          </p:cNvPicPr>
+      <p:sp>
+        <p:nvSpPr>
+          <p:cNvPr id="12" name="TextBox 11"/>
+          <p:cNvSpPr txBox="1"/>
           <p:nvPr/>
-        </p:nvPicPr>
-        <p:blipFill>
-          <a:blip r:embed="rId2"/>
-          <a:stretch>
-            <a:fillRect/>
-          </a:stretch>
-        </p:blipFill>
+        </p:nvSpPr>
         <p:spPr>
           <a:xfrm>
-            <a:off x="-108520" y="908720"/>
-            <a:ext cx="9426619" cy="1495441"/>
-          </a:xfrm>
-          <a:prstGeom prst="rect">
-            <a:avLst/>
-          </a:prstGeom>
-        </p:spPr>
-      </p:pic>
-      <p:pic>
-        <p:nvPicPr>
-          <p:cNvPr id="3" name="Imagen 2"/>
-          <p:cNvPicPr>
-            <a:picLocks noChangeAspect="1"/>
-          </p:cNvPicPr>
-          <p:nvPr/>
-        </p:nvPicPr>
-        <p:blipFill>
-          <a:blip r:embed="rId3"/>
-          <a:stretch>
-            <a:fillRect/>
-          </a:stretch>
-        </p:blipFill>
-        <p:spPr>
-          <a:xfrm>
-            <a:off x="-109538" y="3224386"/>
-            <a:ext cx="9363075" cy="1428750"/>
-          </a:xfrm>
-          <a:prstGeom prst="rect">
-            <a:avLst/>
-          </a:prstGeom>
-        </p:spPr>
-      </p:pic>
-      <p:sp>
-        <p:nvSpPr>
-          <p:cNvPr id="4" name="CuadroTexto 3"/>
-          <p:cNvSpPr txBox="1"/>
-          <p:nvPr/>
-        </p:nvSpPr>
-        <p:spPr>
-          <a:xfrm>
-            <a:off x="35496" y="272842"/>
-            <a:ext cx="8928992" cy="707886"/>
+            <a:off x="395536" y="107921"/>
+            <a:ext cx="7704856" cy="646331"/>
           </a:xfrm>
           <a:prstGeom prst="rect">
             <a:avLst/>
@@ -18784,18 +19435,32 @@
           <a:lstStyle/>
           <a:p>
             <a:r>
-              <a:rPr lang="es-ES" sz="2000" b="1" dirty="0" smtClean="0">
-                <a:solidFill>
-                  <a:srgbClr val="565672"/>
-                </a:solidFill>
-                <a:latin typeface="Gill Sans MT" panose="020B0502020104020203" pitchFamily="34" charset="0"/>
-              </a:rPr>
-              <a:t>Modelo de presencia-ausencia y probabilidad de ocupación de la especie k en el sitio i</a:t>
-            </a:r>
-            <a:endParaRPr lang="es-ES" sz="2000" b="1" dirty="0">
+              <a:rPr lang="es-ES" sz="3600" dirty="0" smtClean="0">
+                <a:solidFill>
+                  <a:schemeClr val="accent2"/>
+                </a:solidFill>
+                <a:effectLst>
+                  <a:outerShdw blurRad="38100" dist="38100" dir="2700000" algn="tl">
+                    <a:srgbClr val="000000">
+                      <a:alpha val="43137"/>
+                    </a:srgbClr>
+                  </a:outerShdw>
+                </a:effectLst>
+                <a:latin typeface="Gill Sans MT" panose="020B0502020104020203" pitchFamily="34" charset="0"/>
+              </a:rPr>
+              <a:t>MODELOS DE COMUNIDADES</a:t>
+            </a:r>
+            <a:endParaRPr lang="es-ES" sz="3600" dirty="0">
               <a:solidFill>
-                <a:srgbClr val="565672"/>
+                <a:schemeClr val="accent2"/>
               </a:solidFill>
+              <a:effectLst>
+                <a:outerShdw blurRad="38100" dist="38100" dir="2700000" algn="tl">
+                  <a:srgbClr val="000000">
+                    <a:alpha val="43137"/>
+                  </a:srgbClr>
+                </a:outerShdw>
+              </a:effectLst>
               <a:latin typeface="Gill Sans MT" panose="020B0502020104020203" pitchFamily="34" charset="0"/>
             </a:endParaRPr>
           </a:p>
@@ -18803,14 +19468,14 @@
       </p:sp>
       <p:sp>
         <p:nvSpPr>
-          <p:cNvPr id="5" name="CuadroTexto 4"/>
+          <p:cNvPr id="25" name="TextBox 24"/>
           <p:cNvSpPr txBox="1"/>
           <p:nvPr/>
         </p:nvSpPr>
         <p:spPr>
           <a:xfrm>
-            <a:off x="287523" y="5229200"/>
-            <a:ext cx="8568952" cy="1015663"/>
+            <a:off x="251520" y="1034147"/>
+            <a:ext cx="8562170" cy="4001095"/>
           </a:xfrm>
           <a:prstGeom prst="rect">
             <a:avLst/>
@@ -18823,130 +19488,220 @@
           </a:bodyPr>
           <a:lstStyle/>
           <a:p>
-            <a:r>
-              <a:rPr lang="es-ES" sz="2000" dirty="0">
-                <a:solidFill>
-                  <a:srgbClr val="565672"/>
-                </a:solidFill>
-                <a:latin typeface="Gill Sans MT" panose="020B0502020104020203" pitchFamily="34" charset="0"/>
-              </a:rPr>
-              <a:t>En este </a:t>
-            </a:r>
-            <a:r>
-              <a:rPr lang="es-ES" sz="2000" dirty="0">
-                <a:solidFill>
-                  <a:srgbClr val="565672"/>
-                </a:solidFill>
-                <a:latin typeface="Gill Sans MT" panose="020B0502020104020203" pitchFamily="34" charset="0"/>
-              </a:rPr>
-              <a:t>caso, las especies pueden responder individualmente (ocurrencia y detección) a las </a:t>
-            </a:r>
-            <a:r>
-              <a:rPr lang="es-ES" sz="2000" dirty="0" err="1">
-                <a:solidFill>
-                  <a:srgbClr val="565672"/>
-                </a:solidFill>
-                <a:latin typeface="Gill Sans MT" panose="020B0502020104020203" pitchFamily="34" charset="0"/>
-              </a:rPr>
-              <a:t>covariables</a:t>
-            </a:r>
-            <a:r>
-              <a:rPr lang="es-ES" sz="2000" dirty="0">
-                <a:solidFill>
-                  <a:srgbClr val="565672"/>
-                </a:solidFill>
-                <a:latin typeface="Gill Sans MT" panose="020B0502020104020203" pitchFamily="34" charset="0"/>
-              </a:rPr>
-              <a:t>, y también se puede modelar la media de la respuesta </a:t>
-            </a:r>
-            <a:r>
-              <a:rPr lang="es-ES" sz="2000" dirty="0">
-                <a:solidFill>
-                  <a:srgbClr val="565672"/>
-                </a:solidFill>
-                <a:latin typeface="Gill Sans MT" panose="020B0502020104020203" pitchFamily="34" charset="0"/>
-              </a:rPr>
-              <a:t>de la comunidad</a:t>
-            </a:r>
-            <a:endParaRPr lang="es-ES" sz="2000" dirty="0">
+            <a:pPr marL="457200" indent="-457200">
+              <a:spcBef>
+                <a:spcPts val="600"/>
+              </a:spcBef>
+              <a:spcAft>
+                <a:spcPts val="600"/>
+              </a:spcAft>
+              <a:buFont typeface="Arial" panose="020B0604020202020204" pitchFamily="34" charset="0"/>
+              <a:buChar char="•"/>
+            </a:pPr>
+            <a:r>
+              <a:rPr lang="es-ES" sz="2600" b="1" dirty="0" smtClean="0">
+                <a:solidFill>
+                  <a:srgbClr val="636382"/>
+                </a:solidFill>
+                <a:latin typeface="Gill Sans MT" panose="020B0502020104020203" pitchFamily="34" charset="0"/>
+              </a:rPr>
+              <a:t>Modelos </a:t>
+            </a:r>
+            <a:r>
+              <a:rPr lang="es-ES" sz="2600" b="1" dirty="0" smtClean="0">
+                <a:solidFill>
+                  <a:srgbClr val="636382"/>
+                </a:solidFill>
+                <a:latin typeface="Gill Sans MT" panose="020B0502020104020203" pitchFamily="34" charset="0"/>
+              </a:rPr>
+              <a:t>de ocupación de comunidades con efectos fijos de las especies (</a:t>
+            </a:r>
+            <a:r>
+              <a:rPr lang="es-ES" sz="2600" b="1" dirty="0" err="1" smtClean="0">
+                <a:solidFill>
+                  <a:srgbClr val="636382"/>
+                </a:solidFill>
+                <a:latin typeface="Gill Sans MT" panose="020B0502020104020203" pitchFamily="34" charset="0"/>
+              </a:rPr>
+              <a:t>sp</a:t>
+            </a:r>
+            <a:r>
+              <a:rPr lang="es-ES" sz="2600" b="1" dirty="0" smtClean="0">
+                <a:solidFill>
+                  <a:srgbClr val="636382"/>
+                </a:solidFill>
+                <a:latin typeface="Gill Sans MT" panose="020B0502020104020203" pitchFamily="34" charset="0"/>
+              </a:rPr>
+              <a:t>. totalmente independientes</a:t>
+            </a:r>
+            <a:r>
+              <a:rPr lang="es-ES" sz="2600" b="1" dirty="0" smtClean="0">
+                <a:solidFill>
+                  <a:srgbClr val="636382"/>
+                </a:solidFill>
+                <a:latin typeface="Gill Sans MT" panose="020B0502020104020203" pitchFamily="34" charset="0"/>
+              </a:rPr>
+              <a:t>) </a:t>
+            </a:r>
+          </a:p>
+          <a:p>
+            <a:pPr marL="457200" indent="-457200">
+              <a:spcBef>
+                <a:spcPts val="600"/>
+              </a:spcBef>
+              <a:spcAft>
+                <a:spcPts val="600"/>
+              </a:spcAft>
+              <a:buFont typeface="Arial" panose="020B0604020202020204" pitchFamily="34" charset="0"/>
+              <a:buChar char="•"/>
+            </a:pPr>
+            <a:r>
+              <a:rPr lang="es-ES" sz="2600" b="1" dirty="0" smtClean="0">
+                <a:solidFill>
+                  <a:srgbClr val="636382"/>
+                </a:solidFill>
+                <a:latin typeface="Gill Sans MT" panose="020B0502020104020203" pitchFamily="34" charset="0"/>
+              </a:rPr>
+              <a:t>Modelos </a:t>
+            </a:r>
+            <a:r>
+              <a:rPr lang="es-ES" sz="2600" b="1" dirty="0" smtClean="0">
+                <a:solidFill>
+                  <a:srgbClr val="636382"/>
+                </a:solidFill>
+                <a:latin typeface="Gill Sans MT" panose="020B0502020104020203" pitchFamily="34" charset="0"/>
+              </a:rPr>
+              <a:t>de ocupación con las </a:t>
+            </a:r>
+            <a:r>
+              <a:rPr lang="es-ES" sz="2600" b="1" dirty="0" err="1" smtClean="0">
+                <a:solidFill>
+                  <a:srgbClr val="636382"/>
+                </a:solidFill>
+                <a:latin typeface="Gill Sans MT" panose="020B0502020104020203" pitchFamily="34" charset="0"/>
+              </a:rPr>
+              <a:t>sp</a:t>
+            </a:r>
+            <a:r>
+              <a:rPr lang="es-ES" sz="2600" b="1" dirty="0" smtClean="0">
+                <a:solidFill>
+                  <a:srgbClr val="636382"/>
+                </a:solidFill>
+                <a:latin typeface="Gill Sans MT" panose="020B0502020104020203" pitchFamily="34" charset="0"/>
+              </a:rPr>
+              <a:t>. como efectos aleatorios (sólo especies registradas</a:t>
+            </a:r>
+            <a:r>
+              <a:rPr lang="es-ES" sz="2600" b="1" dirty="0" smtClean="0">
+                <a:solidFill>
+                  <a:srgbClr val="636382"/>
+                </a:solidFill>
+                <a:latin typeface="Gill Sans MT" panose="020B0502020104020203" pitchFamily="34" charset="0"/>
+              </a:rPr>
+              <a:t>) </a:t>
+            </a:r>
+            <a:r>
+              <a:rPr lang="es-ES" sz="2600" dirty="0" smtClean="0">
+                <a:solidFill>
+                  <a:srgbClr val="636382"/>
+                </a:solidFill>
+                <a:latin typeface="Gill Sans MT" panose="020B0502020104020203" pitchFamily="34" charset="0"/>
+              </a:rPr>
+              <a:t>– los parámetros de las especies vienen de una distribución común (</a:t>
+            </a:r>
+            <a:r>
+              <a:rPr lang="es-ES" sz="2600" dirty="0" err="1" smtClean="0">
+                <a:solidFill>
+                  <a:srgbClr val="636382"/>
+                </a:solidFill>
+                <a:latin typeface="Gill Sans MT" panose="020B0502020104020203" pitchFamily="34" charset="0"/>
+              </a:rPr>
+              <a:t>hiperparámetro</a:t>
+            </a:r>
+            <a:r>
+              <a:rPr lang="es-ES" sz="2600" dirty="0">
+                <a:solidFill>
+                  <a:srgbClr val="636382"/>
+                </a:solidFill>
+                <a:latin typeface="Gill Sans MT" panose="020B0502020104020203" pitchFamily="34" charset="0"/>
+              </a:rPr>
+              <a:t>)</a:t>
+            </a:r>
+            <a:endParaRPr lang="es-ES" sz="2600" dirty="0" smtClean="0">
               <a:solidFill>
-                <a:srgbClr val="565672"/>
+                <a:srgbClr val="636382"/>
               </a:solidFill>
               <a:latin typeface="Gill Sans MT" panose="020B0502020104020203" pitchFamily="34" charset="0"/>
             </a:endParaRPr>
           </a:p>
-        </p:txBody>
-      </p:sp>
-      <p:sp>
-        <p:nvSpPr>
-          <p:cNvPr id="6" name="CuadroTexto 5"/>
-          <p:cNvSpPr txBox="1"/>
-          <p:nvPr/>
-        </p:nvSpPr>
-        <p:spPr>
-          <a:xfrm>
-            <a:off x="35496" y="2708920"/>
-            <a:ext cx="8932253" cy="400110"/>
-          </a:xfrm>
-          <a:prstGeom prst="rect">
-            <a:avLst/>
-          </a:prstGeom>
-          <a:noFill/>
-        </p:spPr>
-        <p:txBody>
-          <a:bodyPr wrap="none" rtlCol="0">
-            <a:spAutoFit/>
-          </a:bodyPr>
-          <a:lstStyle/>
-          <a:p>
-            <a:r>
-              <a:rPr lang="es-ES" sz="2000" b="1" dirty="0" smtClean="0">
-                <a:solidFill>
-                  <a:srgbClr val="565672"/>
-                </a:solidFill>
-                <a:latin typeface="Gill Sans MT" panose="020B0502020104020203" pitchFamily="34" charset="0"/>
-              </a:rPr>
-              <a:t>Detección-no detección (datos) </a:t>
-            </a:r>
-            <a:r>
-              <a:rPr lang="es-ES" sz="2000" b="1" i="1" dirty="0" err="1" smtClean="0">
-                <a:solidFill>
-                  <a:srgbClr val="565672"/>
-                </a:solidFill>
-                <a:latin typeface="Gill Sans MT" panose="020B0502020104020203" pitchFamily="34" charset="0"/>
-              </a:rPr>
-              <a:t>y</a:t>
-            </a:r>
-            <a:r>
-              <a:rPr lang="es-ES" sz="2000" b="1" i="1" baseline="-25000" dirty="0" err="1" smtClean="0">
-                <a:solidFill>
-                  <a:srgbClr val="565672"/>
-                </a:solidFill>
-                <a:latin typeface="Gill Sans MT" panose="020B0502020104020203" pitchFamily="34" charset="0"/>
-              </a:rPr>
-              <a:t>ijk</a:t>
-            </a:r>
-            <a:r>
-              <a:rPr lang="es-ES" sz="2000" b="1" i="1" dirty="0" smtClean="0">
-                <a:solidFill>
-                  <a:srgbClr val="565672"/>
-                </a:solidFill>
-                <a:latin typeface="Gill Sans MT" panose="020B0502020104020203" pitchFamily="34" charset="0"/>
-              </a:rPr>
-              <a:t> </a:t>
-            </a:r>
-            <a:r>
-              <a:rPr lang="es-ES" sz="2000" b="1" dirty="0" smtClean="0">
-                <a:solidFill>
-                  <a:srgbClr val="565672"/>
-                </a:solidFill>
-                <a:latin typeface="Gill Sans MT" panose="020B0502020104020203" pitchFamily="34" charset="0"/>
-              </a:rPr>
-              <a:t>de especie k en el sitio i en la ocasión j</a:t>
-            </a:r>
-            <a:endParaRPr lang="es-ES" sz="2000" b="1" dirty="0">
+          <a:p>
+            <a:pPr marL="457200" indent="-457200">
+              <a:spcBef>
+                <a:spcPts val="600"/>
+              </a:spcBef>
+              <a:spcAft>
+                <a:spcPts val="600"/>
+              </a:spcAft>
+              <a:buFont typeface="Arial" panose="020B0604020202020204" pitchFamily="34" charset="0"/>
+              <a:buChar char="•"/>
+            </a:pPr>
+            <a:r>
+              <a:rPr lang="es-ES" sz="2600" b="1" dirty="0" smtClean="0">
+                <a:solidFill>
+                  <a:srgbClr val="636382"/>
+                </a:solidFill>
+                <a:latin typeface="Gill Sans MT" panose="020B0502020104020203" pitchFamily="34" charset="0"/>
+              </a:rPr>
+              <a:t>Modelos </a:t>
+            </a:r>
+            <a:r>
+              <a:rPr lang="es-ES" sz="2600" b="1" dirty="0">
+                <a:solidFill>
+                  <a:srgbClr val="636382"/>
+                </a:solidFill>
+                <a:latin typeface="Gill Sans MT" panose="020B0502020104020203" pitchFamily="34" charset="0"/>
+              </a:rPr>
+              <a:t>de ocupación con las </a:t>
+            </a:r>
+            <a:r>
+              <a:rPr lang="es-ES" sz="2600" b="1" dirty="0" err="1">
+                <a:solidFill>
+                  <a:srgbClr val="636382"/>
+                </a:solidFill>
+                <a:latin typeface="Gill Sans MT" panose="020B0502020104020203" pitchFamily="34" charset="0"/>
+              </a:rPr>
+              <a:t>sp</a:t>
+            </a:r>
+            <a:r>
+              <a:rPr lang="es-ES" sz="2600" b="1" dirty="0">
+                <a:solidFill>
+                  <a:srgbClr val="636382"/>
+                </a:solidFill>
+                <a:latin typeface="Gill Sans MT" panose="020B0502020104020203" pitchFamily="34" charset="0"/>
+              </a:rPr>
+              <a:t>. como efectos aleatorios </a:t>
+            </a:r>
+            <a:r>
+              <a:rPr lang="es-ES" sz="2600" b="1" dirty="0" smtClean="0">
+                <a:solidFill>
+                  <a:srgbClr val="636382"/>
+                </a:solidFill>
+                <a:latin typeface="Gill Sans MT" panose="020B0502020104020203" pitchFamily="34" charset="0"/>
+              </a:rPr>
+              <a:t>(con DA)</a:t>
+            </a:r>
+            <a:r>
+              <a:rPr lang="es-ES" sz="2600" dirty="0" smtClean="0">
+                <a:solidFill>
+                  <a:srgbClr val="636382"/>
+                </a:solidFill>
+                <a:latin typeface="Gill Sans MT" panose="020B0502020104020203" pitchFamily="34" charset="0"/>
+              </a:rPr>
+              <a:t>.</a:t>
+            </a:r>
+            <a:endParaRPr lang="es-ES" sz="2600" dirty="0">
               <a:solidFill>
-                <a:srgbClr val="565672"/>
+                <a:srgbClr val="636382"/>
               </a:solidFill>
               <a:latin typeface="Gill Sans MT" panose="020B0502020104020203" pitchFamily="34" charset="0"/>
             </a:endParaRPr>
@@ -18956,13 +19711,20 @@
     </p:spTree>
     <p:extLst>
       <p:ext uri="{BB962C8B-B14F-4D97-AF65-F5344CB8AC3E}">
-        <p14:creationId xmlns:p14="http://schemas.microsoft.com/office/powerpoint/2010/main" val="3771396395"/>
+        <p14:creationId xmlns:p14="http://schemas.microsoft.com/office/powerpoint/2010/main" val="3754686170"/>
       </p:ext>
     </p:extLst>
   </p:cSld>
   <p:clrMapOvr>
     <a:masterClrMapping/>
   </p:clrMapOvr>
+  <p:timing>
+    <p:tnLst>
+      <p:par>
+        <p:cTn id="1" dur="indefinite" restart="never" nodeType="tmRoot"/>
+      </p:par>
+    </p:tnLst>
+  </p:timing>
 </p:sld>
 </file>
 
@@ -18991,7 +19753,7 @@
         </p:nvSpPr>
         <p:spPr>
           <a:xfrm>
-            <a:off x="395536" y="107921"/>
+            <a:off x="395536" y="179929"/>
             <a:ext cx="7704856" cy="646331"/>
           </a:xfrm>
           <a:prstGeom prst="rect">
@@ -19045,8 +19807,8 @@
         </p:nvSpPr>
         <p:spPr>
           <a:xfrm>
-            <a:off x="251520" y="1034147"/>
-            <a:ext cx="8562170" cy="4555093"/>
+            <a:off x="323528" y="1092220"/>
+            <a:ext cx="8568952" cy="3354765"/>
           </a:xfrm>
           <a:prstGeom prst="rect">
             <a:avLst/>
@@ -19076,7 +19838,7 @@
                 </a:solidFill>
                 <a:latin typeface="Gill Sans MT" panose="020B0502020104020203" pitchFamily="34" charset="0"/>
               </a:rPr>
-              <a:t>Modelos que relacionan el numero de especies observadas a </a:t>
+              <a:t>Modelos de ocupación de comunidades con efectos fijos de las especies (</a:t>
             </a:r>
             <a:r>
               <a:rPr lang="es-ES" sz="2600" dirty="0" err="1" smtClean="0">
@@ -19085,7 +19847,7 @@
                 </a:solidFill>
                 <a:latin typeface="Gill Sans MT" panose="020B0502020104020203" pitchFamily="34" charset="0"/>
               </a:rPr>
-              <a:t>covariables</a:t>
+              <a:t>sp</a:t>
             </a:r>
             <a:r>
               <a:rPr lang="es-ES" sz="2600" dirty="0" smtClean="0">
@@ -19094,79 +19856,94 @@
                 </a:solidFill>
                 <a:latin typeface="Gill Sans MT" panose="020B0502020104020203" pitchFamily="34" charset="0"/>
               </a:rPr>
-              <a:t> (identidad de especies se pierde, no hay error en Riqueza)</a:t>
-            </a:r>
-          </a:p>
-          <a:p>
-            <a:pPr marL="457200" indent="-457200">
+              <a:t>. totalmente independientes)</a:t>
+            </a:r>
+          </a:p>
+          <a:p>
+            <a:pPr marL="914400" lvl="1" indent="-457200">
               <a:spcBef>
                 <a:spcPts val="600"/>
               </a:spcBef>
               <a:spcAft>
                 <a:spcPts val="600"/>
               </a:spcAft>
-              <a:buFont typeface="Arial" panose="020B0604020202020204" pitchFamily="34" charset="0"/>
-              <a:buChar char="•"/>
+              <a:buFont typeface="Gill Sans MT" panose="020B0502020104020203" pitchFamily="34" charset="0"/>
+              <a:buChar char="–"/>
             </a:pPr>
             <a:r>
-              <a:rPr lang="es-ES" sz="2600" b="1" dirty="0" smtClean="0">
-                <a:solidFill>
-                  <a:srgbClr val="636382"/>
-                </a:solidFill>
-                <a:latin typeface="Gill Sans MT" panose="020B0502020104020203" pitchFamily="34" charset="0"/>
-              </a:rPr>
-              <a:t>Modelos </a:t>
-            </a:r>
-            <a:r>
-              <a:rPr lang="es-ES" sz="2600" b="1" dirty="0" smtClean="0">
-                <a:solidFill>
-                  <a:srgbClr val="636382"/>
-                </a:solidFill>
-                <a:latin typeface="Gill Sans MT" panose="020B0502020104020203" pitchFamily="34" charset="0"/>
-              </a:rPr>
-              <a:t>de ocupación de comunidades con efectos fijos de las especies (</a:t>
-            </a:r>
-            <a:r>
-              <a:rPr lang="es-ES" sz="2600" b="1" dirty="0" err="1" smtClean="0">
-                <a:solidFill>
-                  <a:srgbClr val="636382"/>
-                </a:solidFill>
-                <a:latin typeface="Gill Sans MT" panose="020B0502020104020203" pitchFamily="34" charset="0"/>
-              </a:rPr>
-              <a:t>sp</a:t>
-            </a:r>
-            <a:r>
-              <a:rPr lang="es-ES" sz="2600" b="1" dirty="0" smtClean="0">
-                <a:solidFill>
-                  <a:srgbClr val="636382"/>
-                </a:solidFill>
-                <a:latin typeface="Gill Sans MT" panose="020B0502020104020203" pitchFamily="34" charset="0"/>
-              </a:rPr>
-              <a:t>. totalmente independientes)</a:t>
-            </a:r>
-          </a:p>
-          <a:p>
-            <a:pPr marL="457200" indent="-457200">
+              <a:rPr lang="es-AR" sz="2400" dirty="0" smtClean="0">
+                <a:solidFill>
+                  <a:srgbClr val="636382"/>
+                </a:solidFill>
+                <a:latin typeface="Gill Sans MT" panose="020B0502020104020203" pitchFamily="34" charset="0"/>
+              </a:rPr>
+              <a:t>No hay un </a:t>
+            </a:r>
+            <a:r>
+              <a:rPr lang="es-AR" sz="2400" dirty="0" err="1" smtClean="0">
+                <a:solidFill>
+                  <a:srgbClr val="636382"/>
+                </a:solidFill>
+                <a:latin typeface="Gill Sans MT" panose="020B0502020104020203" pitchFamily="34" charset="0"/>
+              </a:rPr>
+              <a:t>hiperparámetro</a:t>
+            </a:r>
+            <a:r>
+              <a:rPr lang="es-AR" sz="2400" dirty="0" smtClean="0">
+                <a:solidFill>
+                  <a:srgbClr val="636382"/>
+                </a:solidFill>
+                <a:latin typeface="Gill Sans MT" panose="020B0502020104020203" pitchFamily="34" charset="0"/>
+              </a:rPr>
+              <a:t> de la comunidad</a:t>
+            </a:r>
+            <a:endParaRPr lang="es-ES" sz="2400" dirty="0" smtClean="0">
+              <a:solidFill>
+                <a:srgbClr val="636382"/>
+              </a:solidFill>
+              <a:latin typeface="Gill Sans MT" panose="020B0502020104020203" pitchFamily="34" charset="0"/>
+            </a:endParaRPr>
+          </a:p>
+          <a:p>
+            <a:pPr marL="914400" lvl="1" indent="-457200">
               <a:spcBef>
                 <a:spcPts val="600"/>
               </a:spcBef>
               <a:spcAft>
                 <a:spcPts val="600"/>
               </a:spcAft>
-              <a:buFont typeface="Arial" panose="020B0604020202020204" pitchFamily="34" charset="0"/>
-              <a:buChar char="•"/>
+              <a:buFont typeface="Gill Sans MT" panose="020B0502020104020203" pitchFamily="34" charset="0"/>
+              <a:buChar char="–"/>
             </a:pPr>
             <a:r>
-              <a:rPr lang="es-ES" sz="2600" b="1" dirty="0" smtClean="0">
-                <a:solidFill>
-                  <a:srgbClr val="636382"/>
-                </a:solidFill>
-                <a:latin typeface="Gill Sans MT" panose="020B0502020104020203" pitchFamily="34" charset="0"/>
-              </a:rPr>
-              <a:t>Modelos de ocupación con las </a:t>
-            </a:r>
-            <a:r>
-              <a:rPr lang="es-ES" sz="2600" b="1" dirty="0" err="1" smtClean="0">
+              <a:rPr lang="es-ES" sz="2400" dirty="0" smtClean="0">
+                <a:solidFill>
+                  <a:srgbClr val="636382"/>
+                </a:solidFill>
+                <a:latin typeface="Gill Sans MT" panose="020B0502020104020203" pitchFamily="34" charset="0"/>
+              </a:rPr>
+              <a:t>Lo </a:t>
+            </a:r>
+            <a:r>
+              <a:rPr lang="es-ES" sz="2400" dirty="0">
+                <a:solidFill>
+                  <a:srgbClr val="636382"/>
+                </a:solidFill>
+                <a:latin typeface="Gill Sans MT" panose="020B0502020104020203" pitchFamily="34" charset="0"/>
+              </a:rPr>
+              <a:t>mismo que ajustar un modelo para </a:t>
+            </a:r>
+            <a:r>
+              <a:rPr lang="es-ES" sz="2400" dirty="0" smtClean="0">
+                <a:solidFill>
+                  <a:srgbClr val="636382"/>
+                </a:solidFill>
+                <a:latin typeface="Gill Sans MT" panose="020B0502020104020203" pitchFamily="34" charset="0"/>
+              </a:rPr>
+              <a:t>cada </a:t>
+            </a:r>
+            <a:r>
+              <a:rPr lang="es-ES" sz="2400" dirty="0" err="1">
                 <a:solidFill>
                   <a:srgbClr val="636382"/>
                 </a:solidFill>
@@ -19175,81 +19952,66 @@
               <a:t>sp</a:t>
             </a:r>
             <a:r>
-              <a:rPr lang="es-ES" sz="2600" b="1" dirty="0" smtClean="0">
-                <a:solidFill>
-                  <a:srgbClr val="636382"/>
-                </a:solidFill>
-                <a:latin typeface="Gill Sans MT" panose="020B0502020104020203" pitchFamily="34" charset="0"/>
-              </a:rPr>
-              <a:t>. como efectos aleatorios (sólo especies registradas).</a:t>
-            </a:r>
-          </a:p>
-          <a:p>
-            <a:pPr marL="457200" indent="-457200">
+              <a:rPr lang="es-ES" sz="2400" dirty="0">
+                <a:solidFill>
+                  <a:srgbClr val="636382"/>
+                </a:solidFill>
+                <a:latin typeface="Gill Sans MT" panose="020B0502020104020203" pitchFamily="34" charset="0"/>
+              </a:rPr>
+              <a:t> por separado.</a:t>
+            </a:r>
+          </a:p>
+          <a:p>
+            <a:pPr marL="914400" lvl="1" indent="-457200">
               <a:spcBef>
                 <a:spcPts val="600"/>
               </a:spcBef>
               <a:spcAft>
                 <a:spcPts val="600"/>
               </a:spcAft>
-              <a:buFont typeface="Arial" panose="020B0604020202020204" pitchFamily="34" charset="0"/>
-              <a:buChar char="•"/>
+              <a:buFont typeface="Gill Sans MT" panose="020B0502020104020203" pitchFamily="34" charset="0"/>
+              <a:buChar char="–"/>
             </a:pPr>
             <a:r>
-              <a:rPr lang="es-ES" sz="2600" b="1" dirty="0" smtClean="0">
-                <a:solidFill>
-                  <a:srgbClr val="636382"/>
-                </a:solidFill>
-                <a:latin typeface="Gill Sans MT" panose="020B0502020104020203" pitchFamily="34" charset="0"/>
-              </a:rPr>
-              <a:t>Modelos </a:t>
-            </a:r>
-            <a:r>
-              <a:rPr lang="es-ES" sz="2600" b="1" dirty="0">
-                <a:solidFill>
-                  <a:srgbClr val="636382"/>
-                </a:solidFill>
-                <a:latin typeface="Gill Sans MT" panose="020B0502020104020203" pitchFamily="34" charset="0"/>
-              </a:rPr>
-              <a:t>de ocupación con las </a:t>
-            </a:r>
-            <a:r>
-              <a:rPr lang="es-ES" sz="2600" b="1" dirty="0" err="1">
-                <a:solidFill>
-                  <a:srgbClr val="636382"/>
-                </a:solidFill>
-                <a:latin typeface="Gill Sans MT" panose="020B0502020104020203" pitchFamily="34" charset="0"/>
-              </a:rPr>
-              <a:t>sp</a:t>
-            </a:r>
-            <a:r>
-              <a:rPr lang="es-ES" sz="2600" b="1" dirty="0">
-                <a:solidFill>
-                  <a:srgbClr val="636382"/>
-                </a:solidFill>
-                <a:latin typeface="Gill Sans MT" panose="020B0502020104020203" pitchFamily="34" charset="0"/>
-              </a:rPr>
-              <a:t>. como efectos aleatorios </a:t>
-            </a:r>
-            <a:r>
-              <a:rPr lang="es-ES" sz="2600" b="1" dirty="0" smtClean="0">
-                <a:solidFill>
-                  <a:srgbClr val="636382"/>
-                </a:solidFill>
-                <a:latin typeface="Gill Sans MT" panose="020B0502020104020203" pitchFamily="34" charset="0"/>
-              </a:rPr>
-              <a:t>(con DA)</a:t>
-            </a:r>
-            <a:r>
-              <a:rPr lang="es-ES" sz="2600" dirty="0" smtClean="0">
-                <a:solidFill>
-                  <a:srgbClr val="636382"/>
-                </a:solidFill>
-                <a:latin typeface="Gill Sans MT" panose="020B0502020104020203" pitchFamily="34" charset="0"/>
-              </a:rPr>
-              <a:t>.</a:t>
-            </a:r>
-            <a:endParaRPr lang="es-ES" sz="2600" dirty="0">
+              <a:rPr lang="es-ES" sz="2400" dirty="0">
+                <a:solidFill>
+                  <a:srgbClr val="636382"/>
+                </a:solidFill>
+                <a:latin typeface="Gill Sans MT" panose="020B0502020104020203" pitchFamily="34" charset="0"/>
+              </a:rPr>
+              <a:t>Tiene la ventaja de poder comparar las especies más </a:t>
+            </a:r>
+            <a:r>
+              <a:rPr lang="es-ES" sz="2400" dirty="0" smtClean="0">
+                <a:solidFill>
+                  <a:srgbClr val="636382"/>
+                </a:solidFill>
+                <a:latin typeface="Gill Sans MT" panose="020B0502020104020203" pitchFamily="34" charset="0"/>
+              </a:rPr>
+              <a:t>fácilmente</a:t>
+            </a:r>
+          </a:p>
+          <a:p>
+            <a:pPr marL="914400" lvl="1" indent="-457200">
+              <a:spcBef>
+                <a:spcPts val="600"/>
+              </a:spcBef>
+              <a:spcAft>
+                <a:spcPts val="600"/>
+              </a:spcAft>
+              <a:buFont typeface="Gill Sans MT" panose="020B0502020104020203" pitchFamily="34" charset="0"/>
+              <a:buChar char="–"/>
+            </a:pPr>
+            <a:r>
+              <a:rPr lang="es-ES" sz="2400" dirty="0" smtClean="0">
+                <a:solidFill>
+                  <a:srgbClr val="636382"/>
+                </a:solidFill>
+                <a:latin typeface="Gill Sans MT" panose="020B0502020104020203" pitchFamily="34" charset="0"/>
+              </a:rPr>
+              <a:t>Especies poco frecuentes no mejoran su estimación</a:t>
+            </a:r>
+            <a:endParaRPr lang="es-ES" sz="2400" dirty="0">
               <a:solidFill>
                 <a:srgbClr val="636382"/>
               </a:solidFill>
@@ -19261,7 +20023,7 @@
     </p:spTree>
     <p:extLst>
       <p:ext uri="{BB962C8B-B14F-4D97-AF65-F5344CB8AC3E}">
-        <p14:creationId xmlns:p14="http://schemas.microsoft.com/office/powerpoint/2010/main" val="3754686170"/>
+        <p14:creationId xmlns:p14="http://schemas.microsoft.com/office/powerpoint/2010/main" val="3639883513"/>
       </p:ext>
     </p:extLst>
   </p:cSld>
@@ -19303,7 +20065,7 @@
         </p:nvSpPr>
         <p:spPr>
           <a:xfrm>
-            <a:off x="395536" y="179929"/>
+            <a:off x="323528" y="107921"/>
             <a:ext cx="7704856" cy="646331"/>
           </a:xfrm>
           <a:prstGeom prst="rect">
@@ -19357,8 +20119,8 @@
         </p:nvSpPr>
         <p:spPr>
           <a:xfrm>
-            <a:off x="323528" y="1092220"/>
-            <a:ext cx="8568952" cy="2831544"/>
+            <a:off x="179512" y="908720"/>
+            <a:ext cx="8784976" cy="5509200"/>
           </a:xfrm>
           <a:prstGeom prst="rect">
             <a:avLst/>
@@ -19388,7 +20150,7 @@
                 </a:solidFill>
                 <a:latin typeface="Gill Sans MT" panose="020B0502020104020203" pitchFamily="34" charset="0"/>
               </a:rPr>
-              <a:t>Modelos de ocupación de comunidades con efectos fijos de las especies (</a:t>
+              <a:t>Modelos de ocupación con las </a:t>
             </a:r>
             <a:r>
               <a:rPr lang="es-ES" sz="2600" dirty="0" err="1" smtClean="0">
@@ -19406,7 +20168,7 @@
                 </a:solidFill>
                 <a:latin typeface="Gill Sans MT" panose="020B0502020104020203" pitchFamily="34" charset="0"/>
               </a:rPr>
-              <a:t>. totalmente independientes)</a:t>
+              <a:t>. como efectos aleatorios (sólo especies registradas).</a:t>
             </a:r>
           </a:p>
           <a:p>
@@ -19421,41 +20183,56 @@
               <a:buChar char="–"/>
             </a:pPr>
             <a:r>
+              <a:rPr lang="es-ES" sz="2400" dirty="0" err="1" smtClean="0">
+                <a:solidFill>
+                  <a:srgbClr val="636382"/>
+                </a:solidFill>
+                <a:latin typeface="Gill Sans MT" panose="020B0502020104020203" pitchFamily="34" charset="0"/>
+              </a:rPr>
+              <a:t>Sp</a:t>
+            </a:r>
+            <a:r>
+              <a:rPr lang="es-ES" sz="2400" dirty="0" smtClean="0">
+                <a:solidFill>
+                  <a:srgbClr val="636382"/>
+                </a:solidFill>
+                <a:latin typeface="Gill Sans MT" panose="020B0502020104020203" pitchFamily="34" charset="0"/>
+              </a:rPr>
+              <a:t>. siguen una distribución común de la </a:t>
+            </a:r>
+            <a:r>
+              <a:rPr lang="es-ES" sz="2400" dirty="0" smtClean="0">
+                <a:solidFill>
+                  <a:srgbClr val="636382"/>
+                </a:solidFill>
+                <a:latin typeface="Gill Sans MT" panose="020B0502020104020203" pitchFamily="34" charset="0"/>
+              </a:rPr>
+              <a:t>comunidad (</a:t>
+            </a:r>
+            <a:r>
+              <a:rPr lang="es-ES" sz="2400" dirty="0" err="1" smtClean="0">
+                <a:solidFill>
+                  <a:srgbClr val="636382"/>
+                </a:solidFill>
+                <a:latin typeface="Gill Sans MT" panose="020B0502020104020203" pitchFamily="34" charset="0"/>
+              </a:rPr>
+              <a:t>hiperparámetro</a:t>
+            </a:r>
+            <a:r>
               <a:rPr lang="es-ES" sz="2400" dirty="0">
                 <a:solidFill>
                   <a:srgbClr val="636382"/>
                 </a:solidFill>
                 <a:latin typeface="Gill Sans MT" panose="020B0502020104020203" pitchFamily="34" charset="0"/>
               </a:rPr>
-              <a:t>Lo mismo que ajustar un modelo para </a:t>
-            </a:r>
-            <a:r>
-              <a:rPr lang="es-ES" sz="2400" dirty="0" smtClean="0">
-                <a:solidFill>
-                  <a:srgbClr val="636382"/>
-                </a:solidFill>
-                <a:latin typeface="Gill Sans MT" panose="020B0502020104020203" pitchFamily="34" charset="0"/>
-              </a:rPr>
-              <a:t>cada </a:t>
-            </a:r>
-            <a:r>
-              <a:rPr lang="es-ES" sz="2400" dirty="0" err="1">
-                <a:solidFill>
-                  <a:srgbClr val="636382"/>
-                </a:solidFill>
-                <a:latin typeface="Gill Sans MT" panose="020B0502020104020203" pitchFamily="34" charset="0"/>
-              </a:rPr>
-              <a:t>sp</a:t>
-            </a:r>
-            <a:r>
-              <a:rPr lang="es-ES" sz="2400" dirty="0">
-                <a:solidFill>
-                  <a:srgbClr val="636382"/>
-                </a:solidFill>
-                <a:latin typeface="Gill Sans MT" panose="020B0502020104020203" pitchFamily="34" charset="0"/>
-              </a:rPr>
-              <a:t> por separado.</a:t>
-            </a:r>
+              <a:t>)</a:t>
+            </a:r>
+            <a:endParaRPr lang="es-ES" sz="2400" dirty="0" smtClean="0">
+              <a:solidFill>
+                <a:srgbClr val="636382"/>
+              </a:solidFill>
+              <a:latin typeface="Gill Sans MT" panose="020B0502020104020203" pitchFamily="34" charset="0"/>
+            </a:endParaRPr>
           </a:p>
           <a:p>
             <a:pPr marL="914400" lvl="1" indent="-457200">
@@ -19469,22 +20246,13 @@
               <a:buChar char="–"/>
             </a:pPr>
             <a:r>
-              <a:rPr lang="es-ES" sz="2400" dirty="0">
-                <a:solidFill>
-                  <a:srgbClr val="636382"/>
-                </a:solidFill>
-                <a:latin typeface="Gill Sans MT" panose="020B0502020104020203" pitchFamily="34" charset="0"/>
-              </a:rPr>
-              <a:t>Tiene la ventaja de poder comparar las especies más </a:t>
-            </a:r>
-            <a:r>
               <a:rPr lang="es-ES" sz="2400" dirty="0" smtClean="0">
                 <a:solidFill>
                   <a:srgbClr val="636382"/>
                 </a:solidFill>
                 <a:latin typeface="Gill Sans MT" panose="020B0502020104020203" pitchFamily="34" charset="0"/>
               </a:rPr>
-              <a:t>fácilmente</a:t>
+              <a:t>Mejora la precisión de las estimaciones para especies poco frecuentes</a:t>
             </a:r>
           </a:p>
           <a:p>
@@ -19505,9 +20273,108 @@
                 </a:solidFill>
                 <a:latin typeface="Gill Sans MT" panose="020B0502020104020203" pitchFamily="34" charset="0"/>
               </a:rPr>
-              <a:t>Especies poco frecuentes no mejoran su estimación</a:t>
-            </a:r>
-            <a:endParaRPr lang="es-ES" sz="2400" dirty="0">
+              <a:t>Para casos donde no nos interesan las especies no registradas – la comunidad es conocida</a:t>
+            </a:r>
+          </a:p>
+          <a:p>
+            <a:pPr marL="914400" lvl="1" indent="-457200">
+              <a:spcBef>
+                <a:spcPts val="600"/>
+              </a:spcBef>
+              <a:spcAft>
+                <a:spcPts val="600"/>
+              </a:spcAft>
+              <a:buFont typeface="Gill Sans MT" panose="020B0502020104020203" pitchFamily="34" charset="0"/>
+              <a:buChar char="–"/>
+            </a:pPr>
+            <a:r>
+              <a:rPr lang="es-ES" sz="2400" dirty="0" smtClean="0">
+                <a:solidFill>
+                  <a:srgbClr val="636382"/>
+                </a:solidFill>
+                <a:latin typeface="Gill Sans MT" panose="020B0502020104020203" pitchFamily="34" charset="0"/>
+              </a:rPr>
+              <a:t>Se puede modelar la correlación entre ocupación y detectabilidad (abundancia afecta detección)</a:t>
+            </a:r>
+          </a:p>
+          <a:p>
+            <a:pPr marL="914400" lvl="1" indent="-457200">
+              <a:spcBef>
+                <a:spcPts val="600"/>
+              </a:spcBef>
+              <a:spcAft>
+                <a:spcPts val="600"/>
+              </a:spcAft>
+              <a:buFont typeface="Gill Sans MT" panose="020B0502020104020203" pitchFamily="34" charset="0"/>
+              <a:buChar char="–"/>
+            </a:pPr>
+            <a:r>
+              <a:rPr lang="es-ES" sz="2400" dirty="0" err="1" smtClean="0">
+                <a:solidFill>
+                  <a:srgbClr val="636382"/>
+                </a:solidFill>
+                <a:latin typeface="Gill Sans MT" panose="020B0502020104020203" pitchFamily="34" charset="0"/>
+              </a:rPr>
+              <a:t>Covariables</a:t>
+            </a:r>
+            <a:r>
+              <a:rPr lang="es-ES" sz="2400" dirty="0" smtClean="0">
+                <a:solidFill>
+                  <a:srgbClr val="636382"/>
+                </a:solidFill>
+                <a:latin typeface="Gill Sans MT" panose="020B0502020104020203" pitchFamily="34" charset="0"/>
+              </a:rPr>
+              <a:t> (heterogeneidad en </a:t>
+            </a:r>
+            <a:r>
+              <a:rPr lang="es-ES" sz="2400" dirty="0" smtClean="0">
+                <a:solidFill>
+                  <a:srgbClr val="636382"/>
+                </a:solidFill>
+                <a:latin typeface="Gill Sans MT" panose="020B0502020104020203" pitchFamily="34" charset="0"/>
+              </a:rPr>
+              <a:t>detección </a:t>
+            </a:r>
+            <a:r>
+              <a:rPr lang="es-ES" sz="2400" dirty="0" smtClean="0">
+                <a:solidFill>
+                  <a:srgbClr val="636382"/>
+                </a:solidFill>
+                <a:latin typeface="Gill Sans MT" panose="020B0502020104020203" pitchFamily="34" charset="0"/>
+              </a:rPr>
+              <a:t>y/u ocupación</a:t>
+            </a:r>
+          </a:p>
+          <a:p>
+            <a:pPr marL="914400" lvl="1" indent="-457200">
+              <a:spcBef>
+                <a:spcPts val="600"/>
+              </a:spcBef>
+              <a:spcAft>
+                <a:spcPts val="600"/>
+              </a:spcAft>
+              <a:buFont typeface="Gill Sans MT" panose="020B0502020104020203" pitchFamily="34" charset="0"/>
+              <a:buChar char="–"/>
+            </a:pPr>
+            <a:r>
+              <a:rPr lang="es-ES" sz="2400" dirty="0" smtClean="0">
+                <a:solidFill>
+                  <a:srgbClr val="636382"/>
+                </a:solidFill>
+                <a:latin typeface="Gill Sans MT" panose="020B0502020104020203" pitchFamily="34" charset="0"/>
+              </a:rPr>
+              <a:t>Grupos (ej. gremios), etc</a:t>
+            </a:r>
+            <a:r>
+              <a:rPr lang="es-ES" sz="2400" dirty="0" smtClean="0">
+                <a:solidFill>
+                  <a:srgbClr val="636382"/>
+                </a:solidFill>
+                <a:latin typeface="Gill Sans MT" panose="020B0502020104020203" pitchFamily="34" charset="0"/>
+              </a:rPr>
+              <a:t>.</a:t>
+            </a:r>
+            <a:endParaRPr lang="es-ES" sz="2400" dirty="0" smtClean="0">
               <a:solidFill>
                 <a:srgbClr val="636382"/>
               </a:solidFill>
@@ -19519,7 +20386,7 @@
     </p:spTree>
     <p:extLst>
       <p:ext uri="{BB962C8B-B14F-4D97-AF65-F5344CB8AC3E}">
-        <p14:creationId xmlns:p14="http://schemas.microsoft.com/office/powerpoint/2010/main" val="3639883513"/>
+        <p14:creationId xmlns:p14="http://schemas.microsoft.com/office/powerpoint/2010/main" val="1986777812"/>
       </p:ext>
     </p:extLst>
   </p:cSld>
